--- a/Oral/CodeNames.pptx
+++ b/Oral/CodeNames.pptx
@@ -112,6 +112,11 @@
       </a:defRPr>
     </a:lvl9pPr>
   </p:defaultTextStyle>
+  <p:extLst>
+    <p:ext uri="{EFAFB233-063F-42B5-8137-9DF3F51BA10A}">
+      <p15:sldGuideLst xmlns:p15="http://schemas.microsoft.com/office/powerpoint/2012/main"/>
+    </p:ext>
+  </p:extLst>
 </p:presentation>
 </file>
 
@@ -276,7 +281,7 @@
           <a:p>
             <a:fld id="{98D8F7EC-BCE7-4EFC-AB58-CEBA596C999F}" type="datetimeFigureOut">
               <a:rPr lang="fr-FR" smtClean="0"/>
-              <a:t>03/06/2022</a:t>
+              <a:t>07/06/2022</a:t>
             </a:fld>
             <a:endParaRPr lang="fr-FR"/>
           </a:p>
@@ -409,10 +414,12 @@
               </a:pathLst>
             </a:custGeom>
             <a:solidFill>
-              <a:schemeClr val="tx2"/>
+              <a:schemeClr val="tx1"/>
             </a:solidFill>
             <a:ln w="0">
-              <a:noFill/>
+              <a:solidFill>
+                <a:schemeClr val="tx1"/>
+              </a:solidFill>
               <a:prstDash val="solid"/>
               <a:round/>
               <a:headEnd/>
@@ -467,10 +474,12 @@
               </a:pathLst>
             </a:custGeom>
             <a:solidFill>
-              <a:schemeClr val="tx2"/>
+              <a:srgbClr val="FAF2E1"/>
             </a:solidFill>
             <a:ln w="0">
-              <a:noFill/>
+              <a:solidFill>
+                <a:srgbClr val="FAF2E1"/>
+              </a:solidFill>
               <a:prstDash val="solid"/>
               <a:round/>
               <a:headEnd/>
@@ -606,7 +615,7 @@
           <a:p>
             <a:fld id="{98D8F7EC-BCE7-4EFC-AB58-CEBA596C999F}" type="datetimeFigureOut">
               <a:rPr lang="fr-FR" smtClean="0"/>
-              <a:t>03/06/2022</a:t>
+              <a:t>07/06/2022</a:t>
             </a:fld>
             <a:endParaRPr lang="fr-FR"/>
           </a:p>
@@ -830,7 +839,7 @@
           <a:p>
             <a:fld id="{98D8F7EC-BCE7-4EFC-AB58-CEBA596C999F}" type="datetimeFigureOut">
               <a:rPr lang="fr-FR" smtClean="0"/>
-              <a:t>03/06/2022</a:t>
+              <a:t>07/06/2022</a:t>
             </a:fld>
             <a:endParaRPr lang="fr-FR"/>
           </a:p>
@@ -1048,7 +1057,7 @@
           <a:p>
             <a:fld id="{98D8F7EC-BCE7-4EFC-AB58-CEBA596C999F}" type="datetimeFigureOut">
               <a:rPr lang="fr-FR" smtClean="0"/>
-              <a:t>03/06/2022</a:t>
+              <a:t>07/06/2022</a:t>
             </a:fld>
             <a:endParaRPr lang="fr-FR"/>
           </a:p>
@@ -1364,7 +1373,7 @@
           <a:p>
             <a:fld id="{98D8F7EC-BCE7-4EFC-AB58-CEBA596C999F}" type="datetimeFigureOut">
               <a:rPr lang="fr-FR" smtClean="0"/>
-              <a:t>03/06/2022</a:t>
+              <a:t>07/06/2022</a:t>
             </a:fld>
             <a:endParaRPr lang="fr-FR"/>
           </a:p>
@@ -1758,7 +1767,7 @@
           <a:p>
             <a:fld id="{98D8F7EC-BCE7-4EFC-AB58-CEBA596C999F}" type="datetimeFigureOut">
               <a:rPr lang="fr-FR" smtClean="0"/>
-              <a:t>03/06/2022</a:t>
+              <a:t>07/06/2022</a:t>
             </a:fld>
             <a:endParaRPr lang="fr-FR"/>
           </a:p>
@@ -2279,7 +2288,7 @@
           <a:p>
             <a:fld id="{98D8F7EC-BCE7-4EFC-AB58-CEBA596C999F}" type="datetimeFigureOut">
               <a:rPr lang="fr-FR" smtClean="0"/>
-              <a:t>03/06/2022</a:t>
+              <a:t>07/06/2022</a:t>
             </a:fld>
             <a:endParaRPr lang="fr-FR"/>
           </a:p>
@@ -2441,7 +2450,7 @@
           <a:p>
             <a:fld id="{98D8F7EC-BCE7-4EFC-AB58-CEBA596C999F}" type="datetimeFigureOut">
               <a:rPr lang="fr-FR" smtClean="0"/>
-              <a:t>03/06/2022</a:t>
+              <a:t>07/06/2022</a:t>
             </a:fld>
             <a:endParaRPr lang="fr-FR"/>
           </a:p>
@@ -2580,7 +2589,7 @@
           <a:p>
             <a:fld id="{98D8F7EC-BCE7-4EFC-AB58-CEBA596C999F}" type="datetimeFigureOut">
               <a:rPr lang="fr-FR" smtClean="0"/>
-              <a:t>03/06/2022</a:t>
+              <a:t>07/06/2022</a:t>
             </a:fld>
             <a:endParaRPr lang="fr-FR"/>
           </a:p>
@@ -2929,7 +2938,7 @@
           <a:p>
             <a:fld id="{98D8F7EC-BCE7-4EFC-AB58-CEBA596C999F}" type="datetimeFigureOut">
               <a:rPr lang="fr-FR" smtClean="0"/>
-              <a:t>03/06/2022</a:t>
+              <a:t>07/06/2022</a:t>
             </a:fld>
             <a:endParaRPr lang="fr-FR"/>
           </a:p>
@@ -3079,7 +3088,7 @@
         </p:nvSpPr>
         <p:spPr>
           <a:xfrm>
-            <a:off x="0" y="376"/>
+            <a:off x="0" y="-9784"/>
             <a:ext cx="5303520" cy="6857624"/>
           </a:xfrm>
           <a:prstGeom prst="rect">
@@ -3172,7 +3181,11 @@
           <a:lstStyle>
             <a:lvl1pPr marL="0" indent="0">
               <a:buNone/>
-              <a:defRPr sz="2000"/>
+              <a:defRPr sz="2000">
+                <a:solidFill>
+                  <a:schemeClr val="tx1"/>
+                </a:solidFill>
+              </a:defRPr>
             </a:lvl1pPr>
             <a:lvl2pPr marL="457200" indent="0">
               <a:buNone/>
@@ -3209,7 +3222,7 @@
           </a:lstStyle>
           <a:p>
             <a:r>
-              <a:rPr lang="fr-FR"/>
+              <a:rPr lang="fr-FR" dirty="0"/>
               <a:t>Cliquez sur l'icône pour ajouter une image</a:t>
             </a:r>
             <a:endParaRPr lang="en-US" dirty="0"/>
@@ -3320,7 +3333,7 @@
           <a:p>
             <a:fld id="{98D8F7EC-BCE7-4EFC-AB58-CEBA596C999F}" type="datetimeFigureOut">
               <a:rPr lang="fr-FR" smtClean="0"/>
-              <a:t>03/06/2022</a:t>
+              <a:t>07/06/2022</a:t>
             </a:fld>
             <a:endParaRPr lang="fr-FR"/>
           </a:p>
@@ -3605,7 +3618,7 @@
           <a:p>
             <a:fld id="{98D8F7EC-BCE7-4EFC-AB58-CEBA596C999F}" type="datetimeFigureOut">
               <a:rPr lang="fr-FR" smtClean="0"/>
-              <a:t>03/06/2022</a:t>
+              <a:t>07/06/2022</a:t>
             </a:fld>
             <a:endParaRPr lang="fr-FR"/>
           </a:p>
@@ -4097,25 +4110,37 @@
         </p:nvSpPr>
         <p:spPr>
           <a:xfrm>
-            <a:off x="1182029" y="2491110"/>
-            <a:ext cx="9868830" cy="2126195"/>
+            <a:off x="1161585" y="2619492"/>
+            <a:ext cx="9868830" cy="1767962"/>
           </a:xfrm>
         </p:spPr>
         <p:txBody>
           <a:bodyPr anchor="ctr">
-            <a:normAutofit fontScale="90000"/>
+            <a:normAutofit/>
           </a:bodyPr>
           <a:lstStyle/>
           <a:p>
             <a:r>
-              <a:rPr lang="fr-FR" dirty="0"/>
+              <a:rPr lang="fr-FR" sz="6000" dirty="0">
+                <a:solidFill>
+                  <a:schemeClr val="tx1"/>
+                </a:solidFill>
+              </a:rPr>
               <a:t>Suivi d’une partie de Code </a:t>
             </a:r>
             <a:r>
-              <a:rPr lang="fr-FR" dirty="0" err="1"/>
+              <a:rPr lang="fr-FR" sz="6000" dirty="0" err="1">
+                <a:solidFill>
+                  <a:schemeClr val="tx1"/>
+                </a:solidFill>
+              </a:rPr>
               <a:t>Names</a:t>
             </a:r>
-            <a:endParaRPr lang="fr-FR" dirty="0"/>
+            <a:endParaRPr lang="fr-FR" sz="6000" dirty="0">
+              <a:solidFill>
+                <a:schemeClr val="tx1"/>
+              </a:solidFill>
+            </a:endParaRPr>
           </a:p>
         </p:txBody>
       </p:sp>
@@ -4137,7 +4162,7 @@
         </p:nvSpPr>
         <p:spPr>
           <a:xfrm>
-            <a:off x="2721684" y="5016675"/>
+            <a:off x="2715243" y="4888293"/>
             <a:ext cx="6831673" cy="518224"/>
           </a:xfrm>
         </p:spPr>
@@ -4150,10 +4175,13 @@
             <a:r>
               <a:rPr lang="fr-FR" dirty="0">
                 <a:solidFill>
-                  <a:srgbClr val="191B0E"/>
+                  <a:schemeClr val="tx1">
+                    <a:lumMod val="75000"/>
+                    <a:lumOff val="25000"/>
+                  </a:schemeClr>
                 </a:solidFill>
               </a:rPr>
-              <a:t>Alice MALOSSE &amp; Axel NAËL</a:t>
+              <a:t>Alice MALOSSE   &amp;   Axel NAËL</a:t>
             </a:r>
           </a:p>
         </p:txBody>
@@ -4207,6 +4235,12 @@
           <a:p>
             <a:r>
               <a:rPr lang="fr-FR" sz="4000" dirty="0">
+                <a:solidFill>
+                  <a:schemeClr val="tx1">
+                    <a:lumMod val="75000"/>
+                    <a:lumOff val="25000"/>
+                  </a:schemeClr>
+                </a:solidFill>
                 <a:latin typeface="+mn-lt"/>
               </a:rPr>
               <a:t>Projet de Majeur</a:t>
@@ -4236,7 +4270,11 @@
           <a:prstGeom prst="line">
             <a:avLst/>
           </a:prstGeom>
-          <a:ln/>
+          <a:ln>
+            <a:solidFill>
+              <a:srgbClr val="FAF2E1"/>
+            </a:solidFill>
+          </a:ln>
         </p:spPr>
         <p:style>
           <a:lnRef idx="2">
@@ -4269,13 +4307,17 @@
         </p:nvCxnSpPr>
         <p:spPr>
           <a:xfrm>
-            <a:off x="2763465" y="4637873"/>
+            <a:off x="2798803" y="4637873"/>
             <a:ext cx="6748113" cy="0"/>
           </a:xfrm>
           <a:prstGeom prst="line">
             <a:avLst/>
           </a:prstGeom>
-          <a:ln/>
+          <a:ln>
+            <a:solidFill>
+              <a:srgbClr val="FAF2E1"/>
+            </a:solidFill>
+          </a:ln>
         </p:spPr>
         <p:style>
           <a:lnRef idx="2">
@@ -4346,24 +4388,123 @@
         </p:spPr>
         <p:txBody>
           <a:bodyPr anchor="ctr">
-            <a:normAutofit/>
+            <a:normAutofit fontScale="90000"/>
           </a:bodyPr>
           <a:lstStyle/>
           <a:p>
             <a:pPr algn="ctr"/>
             <a:r>
               <a:rPr lang="fr-FR" dirty="0"/>
-              <a:t>RÈGLES DU JEU &amp; OBJECTIFS</a:t>
+              <a:t>RÈGLES DU JEU </a:t>
+            </a:r>
+            <a:r>
+              <a:rPr lang="fr-FR" sz="6000" dirty="0"/>
+              <a:t>&amp;</a:t>
+            </a:r>
+            <a:r>
+              <a:rPr lang="fr-FR" dirty="0"/>
+              <a:t> OBJECTIFS</a:t>
+            </a:r>
+          </a:p>
+        </p:txBody>
+      </p:sp>
+      <p:sp>
+        <p:nvSpPr>
+          <p:cNvPr id="4" name="Espace réservé du contenu 3">
+            <a:extLst>
+              <a:ext uri="{FF2B5EF4-FFF2-40B4-BE49-F238E27FC236}">
+                <a16:creationId xmlns:a16="http://schemas.microsoft.com/office/drawing/2014/main" id="{02309826-E8CC-B9FD-750E-B3F1D9CE2155}"/>
+              </a:ext>
+            </a:extLst>
+          </p:cNvPr>
+          <p:cNvSpPr>
+            <a:spLocks noGrp="1"/>
+          </p:cNvSpPr>
+          <p:nvPr>
+            <p:ph sz="half" idx="2"/>
+          </p:nvPr>
+        </p:nvSpPr>
+        <p:spPr>
+          <a:xfrm>
+            <a:off x="6535236" y="1996095"/>
+            <a:ext cx="4770782" cy="3581401"/>
+          </a:xfrm>
+        </p:spPr>
+        <p:txBody>
+          <a:bodyPr/>
+          <a:lstStyle/>
+          <a:p>
+            <a:pPr>
+              <a:lnSpc>
+                <a:spcPct val="250000"/>
+              </a:lnSpc>
+              <a:spcBef>
+                <a:spcPts val="1200"/>
+              </a:spcBef>
+              <a:buFont typeface="Franklin Gothic Book" panose="020B0503020102020204" pitchFamily="34" charset="0"/>
+              <a:buChar char="●"/>
+            </a:pPr>
+            <a:r>
+              <a:rPr lang="fr-FR" dirty="0"/>
+              <a:t>Détecter la grille et lecture des mots</a:t>
+            </a:r>
+          </a:p>
+          <a:p>
+            <a:pPr>
+              <a:lnSpc>
+                <a:spcPct val="250000"/>
+              </a:lnSpc>
+              <a:spcBef>
+                <a:spcPts val="1200"/>
+              </a:spcBef>
+              <a:buFont typeface="Franklin Gothic Book" panose="020B0503020102020204" pitchFamily="34" charset="0"/>
+              <a:buChar char="●"/>
+            </a:pPr>
+            <a:r>
+              <a:rPr lang="fr-FR" dirty="0"/>
+              <a:t>Répartir les cartes </a:t>
+            </a:r>
+          </a:p>
+          <a:p>
+            <a:pPr>
+              <a:lnSpc>
+                <a:spcPct val="250000"/>
+              </a:lnSpc>
+              <a:spcBef>
+                <a:spcPts val="1200"/>
+              </a:spcBef>
+              <a:buFont typeface="Franklin Gothic Book" panose="020B0503020102020204" pitchFamily="34" charset="0"/>
+              <a:buChar char="●"/>
+            </a:pPr>
+            <a:r>
+              <a:rPr lang="fr-FR" dirty="0"/>
+              <a:t>Détecter les modifications de la grille</a:t>
+            </a:r>
+          </a:p>
+          <a:p>
+            <a:pPr>
+              <a:lnSpc>
+                <a:spcPct val="250000"/>
+              </a:lnSpc>
+              <a:spcBef>
+                <a:spcPts val="1200"/>
+              </a:spcBef>
+              <a:buFont typeface="Franklin Gothic Book" panose="020B0503020102020204" pitchFamily="34" charset="0"/>
+              <a:buChar char="●"/>
+            </a:pPr>
+            <a:r>
+              <a:rPr lang="fr-FR" dirty="0"/>
+              <a:t>Afficher les mises à jour sur la grille</a:t>
             </a:r>
           </a:p>
         </p:txBody>
       </p:sp>
       <p:pic>
         <p:nvPicPr>
-          <p:cNvPr id="6" name="Espace réservé du contenu 5" descr="Une image contenant équipement électronique, calculatrice&#10;&#10;Description générée automatiquement">
+          <p:cNvPr id="16" name="Espace réservé du contenu 15" descr="Une image contenant texte&#10;&#10;Description générée automatiquement">
             <a:extLst>
               <a:ext uri="{FF2B5EF4-FFF2-40B4-BE49-F238E27FC236}">
-                <a16:creationId xmlns:a16="http://schemas.microsoft.com/office/drawing/2014/main" id="{5A5D710C-38B0-52AA-B381-1C0EF579B88F}"/>
+                <a16:creationId xmlns:a16="http://schemas.microsoft.com/office/drawing/2014/main" id="{1041910B-A4F5-A7B2-459D-95947C8596AC}"/>
               </a:ext>
             </a:extLst>
           </p:cNvPr>
@@ -4388,102 +4529,11 @@
         </p:blipFill>
         <p:spPr>
           <a:xfrm>
-            <a:off x="1371600" y="2241365"/>
-            <a:ext cx="4448175" cy="3336131"/>
+            <a:off x="1040249" y="1924586"/>
+            <a:ext cx="5391031" cy="4151093"/>
           </a:xfrm>
         </p:spPr>
       </p:pic>
-      <p:sp>
-        <p:nvSpPr>
-          <p:cNvPr id="4" name="Espace réservé du contenu 3">
-            <a:extLst>
-              <a:ext uri="{FF2B5EF4-FFF2-40B4-BE49-F238E27FC236}">
-                <a16:creationId xmlns:a16="http://schemas.microsoft.com/office/drawing/2014/main" id="{02309826-E8CC-B9FD-750E-B3F1D9CE2155}"/>
-              </a:ext>
-            </a:extLst>
-          </p:cNvPr>
-          <p:cNvSpPr>
-            <a:spLocks noGrp="1"/>
-          </p:cNvSpPr>
-          <p:nvPr>
-            <p:ph sz="half" idx="2"/>
-          </p:nvPr>
-        </p:nvSpPr>
-        <p:spPr>
-          <a:xfrm>
-            <a:off x="6525403" y="2118730"/>
-            <a:ext cx="4770782" cy="3581401"/>
-          </a:xfrm>
-        </p:spPr>
-        <p:txBody>
-          <a:bodyPr/>
-          <a:lstStyle/>
-          <a:p>
-            <a:pPr>
-              <a:lnSpc>
-                <a:spcPct val="250000"/>
-              </a:lnSpc>
-              <a:spcBef>
-                <a:spcPts val="1200"/>
-              </a:spcBef>
-              <a:buFont typeface="Franklin Gothic Book" panose="020B0503020102020204" pitchFamily="34" charset="0"/>
-              <a:buChar char="●"/>
-            </a:pPr>
-            <a:r>
-              <a:rPr lang="fr-FR" dirty="0"/>
-              <a:t>Détecter la grille et lecture des mots</a:t>
-            </a:r>
-          </a:p>
-          <a:p>
-            <a:pPr>
-              <a:lnSpc>
-                <a:spcPct val="250000"/>
-              </a:lnSpc>
-              <a:spcBef>
-                <a:spcPts val="1200"/>
-              </a:spcBef>
-              <a:buFont typeface="Franklin Gothic Book" panose="020B0503020102020204" pitchFamily="34" charset="0"/>
-              <a:buChar char="●"/>
-            </a:pPr>
-            <a:r>
-              <a:rPr lang="fr-FR" dirty="0"/>
-              <a:t>Répartir les cartes </a:t>
-            </a:r>
-          </a:p>
-          <a:p>
-            <a:pPr>
-              <a:lnSpc>
-                <a:spcPct val="250000"/>
-              </a:lnSpc>
-              <a:spcBef>
-                <a:spcPts val="1200"/>
-              </a:spcBef>
-              <a:buFont typeface="Franklin Gothic Book" panose="020B0503020102020204" pitchFamily="34" charset="0"/>
-              <a:buChar char="●"/>
-            </a:pPr>
-            <a:r>
-              <a:rPr lang="fr-FR" dirty="0"/>
-              <a:t>Détecter les modifications de la grille</a:t>
-            </a:r>
-          </a:p>
-          <a:p>
-            <a:pPr>
-              <a:lnSpc>
-                <a:spcPct val="250000"/>
-              </a:lnSpc>
-              <a:spcBef>
-                <a:spcPts val="1200"/>
-              </a:spcBef>
-              <a:buFont typeface="Franklin Gothic Book" panose="020B0503020102020204" pitchFamily="34" charset="0"/>
-              <a:buChar char="●"/>
-            </a:pPr>
-            <a:r>
-              <a:rPr lang="fr-FR" dirty="0"/>
-              <a:t>Afficher les mises à jour sur la grille</a:t>
-            </a:r>
-          </a:p>
-        </p:txBody>
-      </p:sp>
     </p:spTree>
     <p:extLst>
       <p:ext uri="{BB962C8B-B14F-4D97-AF65-F5344CB8AC3E}">
@@ -4532,7 +4582,7 @@
         </p:nvSpPr>
         <p:spPr>
           <a:xfrm>
-            <a:off x="1371600" y="685800"/>
+            <a:off x="1295400" y="480122"/>
             <a:ext cx="9601200" cy="942278"/>
           </a:xfrm>
         </p:spPr>
@@ -4545,36 +4595,6 @@
               <a:rPr lang="fr-FR" dirty="0"/>
               <a:t>LECTURE DES MOTS</a:t>
             </a:r>
-          </a:p>
-        </p:txBody>
-      </p:sp>
-      <p:sp>
-        <p:nvSpPr>
-          <p:cNvPr id="3" name="Espace réservé du contenu 2">
-            <a:extLst>
-              <a:ext uri="{FF2B5EF4-FFF2-40B4-BE49-F238E27FC236}">
-                <a16:creationId xmlns:a16="http://schemas.microsoft.com/office/drawing/2014/main" id="{F3D79DE9-8DA9-E974-F187-DC43837851DF}"/>
-              </a:ext>
-            </a:extLst>
-          </p:cNvPr>
-          <p:cNvSpPr>
-            <a:spLocks noGrp="1"/>
-          </p:cNvSpPr>
-          <p:nvPr>
-            <p:ph idx="1"/>
-          </p:nvPr>
-        </p:nvSpPr>
-        <p:spPr>
-          <a:xfrm>
-            <a:off x="1371600" y="2286000"/>
-            <a:ext cx="4861932" cy="3581400"/>
-          </a:xfrm>
-        </p:spPr>
-        <p:txBody>
-          <a:bodyPr/>
-          <a:lstStyle/>
-          <a:p>
-            <a:endParaRPr lang="fr-FR"/>
           </a:p>
         </p:txBody>
       </p:sp>
@@ -4594,7 +4614,7 @@
         </p:nvSpPr>
         <p:spPr>
           <a:xfrm>
-            <a:off x="7181387" y="2230244"/>
+            <a:off x="7770667" y="1779979"/>
             <a:ext cx="4282068" cy="3941956"/>
           </a:xfrm>
           <a:prstGeom prst="rect">
@@ -4813,8 +4833,13 @@
             </a:pPr>
             <a:r>
               <a:rPr lang="fr-FR" dirty="0"/>
-              <a:t>Réseau de neurones</a:t>
+              <a:t>Réseau de neurones : </a:t>
             </a:r>
+            <a:r>
+              <a:rPr lang="fr-FR" dirty="0" err="1"/>
+              <a:t>EasyOCR</a:t>
+            </a:r>
+            <a:endParaRPr lang="fr-FR" dirty="0"/>
           </a:p>
           <a:p>
             <a:pPr marL="0" indent="0">
@@ -4840,7 +4865,7 @@
             </a:pPr>
             <a:r>
               <a:rPr lang="fr-FR" dirty="0"/>
-              <a:t>Qualité de l’image</a:t>
+              <a:t>Impact important de la luminosité</a:t>
             </a:r>
           </a:p>
           <a:p>
@@ -4877,6 +4902,5575 @@
             <a:r>
               <a:rPr lang="fr-FR" dirty="0"/>
               <a:t>Renvois les coordonnées des mots</a:t>
+            </a:r>
+          </a:p>
+        </p:txBody>
+      </p:sp>
+      <p:pic>
+        <p:nvPicPr>
+          <p:cNvPr id="8" name="Espace réservé du contenu 7" descr="Une image contenant texte, équipement électronique, clavier, calculatrice&#10;&#10;Description générée automatiquement">
+            <a:extLst>
+              <a:ext uri="{FF2B5EF4-FFF2-40B4-BE49-F238E27FC236}">
+                <a16:creationId xmlns:a16="http://schemas.microsoft.com/office/drawing/2014/main" id="{A4B9368C-41F5-ADD6-E150-C5B2F412A233}"/>
+              </a:ext>
+            </a:extLst>
+          </p:cNvPr>
+          <p:cNvPicPr>
+            <a:picLocks noGrp="1" noChangeAspect="1"/>
+          </p:cNvPicPr>
+          <p:nvPr>
+            <p:ph idx="1"/>
+          </p:nvPr>
+        </p:nvPicPr>
+        <p:blipFill>
+          <a:blip r:embed="rId2">
+            <a:extLst>
+              <a:ext uri="{28A0092B-C50C-407E-A947-70E740481C1C}">
+                <a14:useLocalDpi xmlns:a14="http://schemas.microsoft.com/office/drawing/2010/main" val="0"/>
+              </a:ext>
+            </a:extLst>
+          </a:blip>
+          <a:stretch>
+            <a:fillRect/>
+          </a:stretch>
+        </p:blipFill>
+        <p:spPr>
+          <a:xfrm>
+            <a:off x="2749814" y="1779979"/>
+            <a:ext cx="4874162" cy="3655621"/>
+          </a:xfrm>
+        </p:spPr>
+      </p:pic>
+      <p:graphicFrame>
+        <p:nvGraphicFramePr>
+          <p:cNvPr id="9" name="Tableau 8">
+            <a:extLst>
+              <a:ext uri="{FF2B5EF4-FFF2-40B4-BE49-F238E27FC236}">
+                <a16:creationId xmlns:a16="http://schemas.microsoft.com/office/drawing/2014/main" id="{7F07F532-DC7D-98FE-479F-44339FCA6741}"/>
+              </a:ext>
+            </a:extLst>
+          </p:cNvPr>
+          <p:cNvGraphicFramePr>
+            <a:graphicFrameLocks noGrp="1"/>
+          </p:cNvGraphicFramePr>
+          <p:nvPr>
+            <p:extLst>
+              <p:ext uri="{D42A27DB-BD31-4B8C-83A1-F6EECF244321}">
+                <p14:modId xmlns:p14="http://schemas.microsoft.com/office/powerpoint/2010/main" val="1468601313"/>
+              </p:ext>
+            </p:extLst>
+          </p:nvPr>
+        </p:nvGraphicFramePr>
+        <p:xfrm>
+          <a:off x="941184" y="1912059"/>
+          <a:ext cx="1536323" cy="4842486"/>
+        </p:xfrm>
+        <a:graphic>
+          <a:graphicData uri="http://schemas.openxmlformats.org/drawingml/2006/table">
+            <a:tbl>
+              <a:tblPr/>
+              <a:tblGrid>
+                <a:gridCol w="392905">
+                  <a:extLst>
+                    <a:ext uri="{9D8B030D-6E8A-4147-A177-3AD203B41FA5}">
+                      <a16:colId xmlns:a16="http://schemas.microsoft.com/office/drawing/2014/main" val="2970209733"/>
+                    </a:ext>
+                  </a:extLst>
+                </a:gridCol>
+                <a:gridCol w="659268">
+                  <a:extLst>
+                    <a:ext uri="{9D8B030D-6E8A-4147-A177-3AD203B41FA5}">
+                      <a16:colId xmlns:a16="http://schemas.microsoft.com/office/drawing/2014/main" val="704459264"/>
+                    </a:ext>
+                  </a:extLst>
+                </a:gridCol>
+                <a:gridCol w="484150">
+                  <a:extLst>
+                    <a:ext uri="{9D8B030D-6E8A-4147-A177-3AD203B41FA5}">
+                      <a16:colId xmlns:a16="http://schemas.microsoft.com/office/drawing/2014/main" val="3903302336"/>
+                    </a:ext>
+                  </a:extLst>
+                </a:gridCol>
+              </a:tblGrid>
+              <a:tr h="125118">
+                <a:tc>
+                  <a:txBody>
+                    <a:bodyPr/>
+                    <a:lstStyle/>
+                    <a:p>
+                      <a:pPr algn="ctr"/>
+                      <a:r>
+                        <a:rPr lang="fr-FR" sz="700" b="1"/>
+                        <a:t>0</a:t>
+                      </a:r>
+                    </a:p>
+                  </a:txBody>
+                  <a:tcPr marL="24199" marR="24199" marT="12099" marB="12099" anchor="ctr">
+                    <a:lnL>
+                      <a:noFill/>
+                    </a:lnL>
+                    <a:lnR w="12700" cap="flat" cmpd="sng" algn="ctr">
+                      <a:solidFill>
+                        <a:schemeClr val="tx1"/>
+                      </a:solidFill>
+                      <a:prstDash val="solid"/>
+                      <a:round/>
+                      <a:headEnd type="none" w="med" len="med"/>
+                      <a:tailEnd type="none" w="med" len="med"/>
+                    </a:lnR>
+                    <a:lnT>
+                      <a:noFill/>
+                    </a:lnT>
+                    <a:lnB w="12700" cap="flat" cmpd="sng" algn="ctr">
+                      <a:solidFill>
+                        <a:schemeClr val="tx1"/>
+                      </a:solidFill>
+                      <a:prstDash val="solid"/>
+                      <a:round/>
+                      <a:headEnd type="none" w="med" len="med"/>
+                      <a:tailEnd type="none" w="med" len="med"/>
+                    </a:lnB>
+                  </a:tcPr>
+                </a:tc>
+                <a:tc>
+                  <a:txBody>
+                    <a:bodyPr/>
+                    <a:lstStyle/>
+                    <a:p>
+                      <a:pPr algn="ctr"/>
+                      <a:r>
+                        <a:rPr lang="fr-FR" sz="700" b="1" dirty="0"/>
+                        <a:t>a</a:t>
+                      </a:r>
+                    </a:p>
+                  </a:txBody>
+                  <a:tcPr marL="24199" marR="24199" marT="12099" marB="12099" anchor="ctr">
+                    <a:lnL w="12700" cap="flat" cmpd="sng" algn="ctr">
+                      <a:solidFill>
+                        <a:schemeClr val="tx1"/>
+                      </a:solidFill>
+                      <a:prstDash val="solid"/>
+                      <a:round/>
+                      <a:headEnd type="none" w="med" len="med"/>
+                      <a:tailEnd type="none" w="med" len="med"/>
+                    </a:lnL>
+                    <a:lnR w="12700" cap="flat" cmpd="sng" algn="ctr">
+                      <a:solidFill>
+                        <a:schemeClr val="tx1"/>
+                      </a:solidFill>
+                      <a:prstDash val="solid"/>
+                      <a:round/>
+                      <a:headEnd type="none" w="med" len="med"/>
+                      <a:tailEnd type="none" w="med" len="med"/>
+                    </a:lnR>
+                    <a:lnT>
+                      <a:noFill/>
+                    </a:lnT>
+                    <a:lnB w="12700" cap="flat" cmpd="sng" algn="ctr">
+                      <a:solidFill>
+                        <a:schemeClr val="tx1"/>
+                      </a:solidFill>
+                      <a:prstDash val="solid"/>
+                      <a:round/>
+                      <a:headEnd type="none" w="med" len="med"/>
+                      <a:tailEnd type="none" w="med" len="med"/>
+                    </a:lnB>
+                  </a:tcPr>
+                </a:tc>
+                <a:tc>
+                  <a:txBody>
+                    <a:bodyPr/>
+                    <a:lstStyle/>
+                    <a:p>
+                      <a:pPr algn="ctr"/>
+                      <a:r>
+                        <a:rPr lang="fr-FR" sz="700" b="1"/>
+                        <a:t>0.0308</a:t>
+                      </a:r>
+                    </a:p>
+                  </a:txBody>
+                  <a:tcPr marL="24199" marR="24199" marT="12099" marB="12099" anchor="ctr">
+                    <a:lnL w="12700" cap="flat" cmpd="sng" algn="ctr">
+                      <a:solidFill>
+                        <a:schemeClr val="tx1"/>
+                      </a:solidFill>
+                      <a:prstDash val="solid"/>
+                      <a:round/>
+                      <a:headEnd type="none" w="med" len="med"/>
+                      <a:tailEnd type="none" w="med" len="med"/>
+                    </a:lnL>
+                    <a:lnR>
+                      <a:noFill/>
+                    </a:lnR>
+                    <a:lnT>
+                      <a:noFill/>
+                    </a:lnT>
+                    <a:lnB w="12700" cap="flat" cmpd="sng" algn="ctr">
+                      <a:solidFill>
+                        <a:schemeClr val="tx1"/>
+                      </a:solidFill>
+                      <a:prstDash val="solid"/>
+                      <a:round/>
+                      <a:headEnd type="none" w="med" len="med"/>
+                      <a:tailEnd type="none" w="med" len="med"/>
+                    </a:lnB>
+                  </a:tcPr>
+                </a:tc>
+                <a:extLst>
+                  <a:ext uri="{0D108BD9-81ED-4DB2-BD59-A6C34878D82A}">
+                    <a16:rowId xmlns:a16="http://schemas.microsoft.com/office/drawing/2014/main" val="1589407949"/>
+                  </a:ext>
+                </a:extLst>
+              </a:tr>
+              <a:tr h="125118">
+                <a:tc>
+                  <a:txBody>
+                    <a:bodyPr/>
+                    <a:lstStyle/>
+                    <a:p>
+                      <a:pPr algn="ctr"/>
+                      <a:r>
+                        <a:rPr lang="fr-FR" sz="700" b="1"/>
+                        <a:t>1</a:t>
+                      </a:r>
+                    </a:p>
+                  </a:txBody>
+                  <a:tcPr marL="24199" marR="24199" marT="12099" marB="12099" anchor="ctr">
+                    <a:lnL>
+                      <a:noFill/>
+                    </a:lnL>
+                    <a:lnR w="12700" cap="flat" cmpd="sng" algn="ctr">
+                      <a:solidFill>
+                        <a:schemeClr val="tx1"/>
+                      </a:solidFill>
+                      <a:prstDash val="solid"/>
+                      <a:round/>
+                      <a:headEnd type="none" w="med" len="med"/>
+                      <a:tailEnd type="none" w="med" len="med"/>
+                    </a:lnR>
+                    <a:lnT w="12700" cap="flat" cmpd="sng" algn="ctr">
+                      <a:solidFill>
+                        <a:schemeClr val="tx1"/>
+                      </a:solidFill>
+                      <a:prstDash val="solid"/>
+                      <a:round/>
+                      <a:headEnd type="none" w="med" len="med"/>
+                      <a:tailEnd type="none" w="med" len="med"/>
+                    </a:lnT>
+                    <a:lnB w="12700" cap="flat" cmpd="sng" algn="ctr">
+                      <a:solidFill>
+                        <a:schemeClr val="tx1"/>
+                      </a:solidFill>
+                      <a:prstDash val="solid"/>
+                      <a:round/>
+                      <a:headEnd type="none" w="med" len="med"/>
+                      <a:tailEnd type="none" w="med" len="med"/>
+                    </a:lnB>
+                  </a:tcPr>
+                </a:tc>
+                <a:tc>
+                  <a:txBody>
+                    <a:bodyPr/>
+                    <a:lstStyle/>
+                    <a:p>
+                      <a:pPr algn="ctr"/>
+                      <a:r>
+                        <a:rPr lang="fr-FR" sz="700" b="1" dirty="0"/>
+                        <a:t>A</a:t>
+                      </a:r>
+                    </a:p>
+                  </a:txBody>
+                  <a:tcPr marL="24199" marR="24199" marT="12099" marB="12099" anchor="ctr">
+                    <a:lnL w="12700" cap="flat" cmpd="sng" algn="ctr">
+                      <a:solidFill>
+                        <a:schemeClr val="tx1"/>
+                      </a:solidFill>
+                      <a:prstDash val="solid"/>
+                      <a:round/>
+                      <a:headEnd type="none" w="med" len="med"/>
+                      <a:tailEnd type="none" w="med" len="med"/>
+                    </a:lnL>
+                    <a:lnR w="12700" cap="flat" cmpd="sng" algn="ctr">
+                      <a:solidFill>
+                        <a:schemeClr val="tx1"/>
+                      </a:solidFill>
+                      <a:prstDash val="solid"/>
+                      <a:round/>
+                      <a:headEnd type="none" w="med" len="med"/>
+                      <a:tailEnd type="none" w="med" len="med"/>
+                    </a:lnR>
+                    <a:lnT w="12700" cap="flat" cmpd="sng" algn="ctr">
+                      <a:solidFill>
+                        <a:schemeClr val="tx1"/>
+                      </a:solidFill>
+                      <a:prstDash val="solid"/>
+                      <a:round/>
+                      <a:headEnd type="none" w="med" len="med"/>
+                      <a:tailEnd type="none" w="med" len="med"/>
+                    </a:lnT>
+                    <a:lnB w="12700" cap="flat" cmpd="sng" algn="ctr">
+                      <a:solidFill>
+                        <a:schemeClr val="tx1"/>
+                      </a:solidFill>
+                      <a:prstDash val="solid"/>
+                      <a:round/>
+                      <a:headEnd type="none" w="med" len="med"/>
+                      <a:tailEnd type="none" w="med" len="med"/>
+                    </a:lnB>
+                  </a:tcPr>
+                </a:tc>
+                <a:tc>
+                  <a:txBody>
+                    <a:bodyPr/>
+                    <a:lstStyle/>
+                    <a:p>
+                      <a:pPr algn="ctr"/>
+                      <a:r>
+                        <a:rPr lang="fr-FR" sz="700" b="1"/>
+                        <a:t>0.0258</a:t>
+                      </a:r>
+                    </a:p>
+                  </a:txBody>
+                  <a:tcPr marL="24199" marR="24199" marT="12099" marB="12099" anchor="ctr">
+                    <a:lnL w="12700" cap="flat" cmpd="sng" algn="ctr">
+                      <a:solidFill>
+                        <a:schemeClr val="tx1"/>
+                      </a:solidFill>
+                      <a:prstDash val="solid"/>
+                      <a:round/>
+                      <a:headEnd type="none" w="med" len="med"/>
+                      <a:tailEnd type="none" w="med" len="med"/>
+                    </a:lnL>
+                    <a:lnR>
+                      <a:noFill/>
+                    </a:lnR>
+                    <a:lnT w="12700" cap="flat" cmpd="sng" algn="ctr">
+                      <a:solidFill>
+                        <a:schemeClr val="tx1"/>
+                      </a:solidFill>
+                      <a:prstDash val="solid"/>
+                      <a:round/>
+                      <a:headEnd type="none" w="med" len="med"/>
+                      <a:tailEnd type="none" w="med" len="med"/>
+                    </a:lnT>
+                    <a:lnB w="12700" cap="flat" cmpd="sng" algn="ctr">
+                      <a:solidFill>
+                        <a:schemeClr val="tx1"/>
+                      </a:solidFill>
+                      <a:prstDash val="solid"/>
+                      <a:round/>
+                      <a:headEnd type="none" w="med" len="med"/>
+                      <a:tailEnd type="none" w="med" len="med"/>
+                    </a:lnB>
+                  </a:tcPr>
+                </a:tc>
+                <a:extLst>
+                  <a:ext uri="{0D108BD9-81ED-4DB2-BD59-A6C34878D82A}">
+                    <a16:rowId xmlns:a16="http://schemas.microsoft.com/office/drawing/2014/main" val="2989511643"/>
+                  </a:ext>
+                </a:extLst>
+              </a:tr>
+              <a:tr h="125118">
+                <a:tc>
+                  <a:txBody>
+                    <a:bodyPr/>
+                    <a:lstStyle/>
+                    <a:p>
+                      <a:pPr algn="ctr"/>
+                      <a:r>
+                        <a:rPr lang="fr-FR" sz="700" b="1"/>
+                        <a:t>2</a:t>
+                      </a:r>
+                    </a:p>
+                  </a:txBody>
+                  <a:tcPr marL="24199" marR="24199" marT="12099" marB="12099" anchor="ctr">
+                    <a:lnL>
+                      <a:noFill/>
+                    </a:lnL>
+                    <a:lnR w="12700" cap="flat" cmpd="sng" algn="ctr">
+                      <a:solidFill>
+                        <a:schemeClr val="tx1"/>
+                      </a:solidFill>
+                      <a:prstDash val="solid"/>
+                      <a:round/>
+                      <a:headEnd type="none" w="med" len="med"/>
+                      <a:tailEnd type="none" w="med" len="med"/>
+                    </a:lnR>
+                    <a:lnT w="12700" cap="flat" cmpd="sng" algn="ctr">
+                      <a:solidFill>
+                        <a:schemeClr val="tx1"/>
+                      </a:solidFill>
+                      <a:prstDash val="solid"/>
+                      <a:round/>
+                      <a:headEnd type="none" w="med" len="med"/>
+                      <a:tailEnd type="none" w="med" len="med"/>
+                    </a:lnT>
+                    <a:lnB w="12700" cap="flat" cmpd="sng" algn="ctr">
+                      <a:solidFill>
+                        <a:schemeClr val="tx1"/>
+                      </a:solidFill>
+                      <a:prstDash val="solid"/>
+                      <a:round/>
+                      <a:headEnd type="none" w="med" len="med"/>
+                      <a:tailEnd type="none" w="med" len="med"/>
+                    </a:lnB>
+                  </a:tcPr>
+                </a:tc>
+                <a:tc>
+                  <a:txBody>
+                    <a:bodyPr/>
+                    <a:lstStyle/>
+                    <a:p>
+                      <a:pPr algn="ctr"/>
+                      <a:r>
+                        <a:rPr lang="fr-FR" sz="700" b="1" dirty="0" err="1"/>
+                        <a:t>RestauranT</a:t>
+                      </a:r>
+                      <a:endParaRPr lang="fr-FR" sz="700" b="1" dirty="0"/>
+                    </a:p>
+                  </a:txBody>
+                  <a:tcPr marL="24199" marR="24199" marT="12099" marB="12099" anchor="ctr">
+                    <a:lnL w="12700" cap="flat" cmpd="sng" algn="ctr">
+                      <a:solidFill>
+                        <a:schemeClr val="tx1"/>
+                      </a:solidFill>
+                      <a:prstDash val="solid"/>
+                      <a:round/>
+                      <a:headEnd type="none" w="med" len="med"/>
+                      <a:tailEnd type="none" w="med" len="med"/>
+                    </a:lnL>
+                    <a:lnR w="12700" cap="flat" cmpd="sng" algn="ctr">
+                      <a:solidFill>
+                        <a:schemeClr val="tx1"/>
+                      </a:solidFill>
+                      <a:prstDash val="solid"/>
+                      <a:round/>
+                      <a:headEnd type="none" w="med" len="med"/>
+                      <a:tailEnd type="none" w="med" len="med"/>
+                    </a:lnR>
+                    <a:lnT w="12700" cap="flat" cmpd="sng" algn="ctr">
+                      <a:solidFill>
+                        <a:schemeClr val="tx1"/>
+                      </a:solidFill>
+                      <a:prstDash val="solid"/>
+                      <a:round/>
+                      <a:headEnd type="none" w="med" len="med"/>
+                      <a:tailEnd type="none" w="med" len="med"/>
+                    </a:lnT>
+                    <a:lnB w="12700" cap="flat" cmpd="sng" algn="ctr">
+                      <a:solidFill>
+                        <a:schemeClr val="tx1"/>
+                      </a:solidFill>
+                      <a:prstDash val="solid"/>
+                      <a:round/>
+                      <a:headEnd type="none" w="med" len="med"/>
+                      <a:tailEnd type="none" w="med" len="med"/>
+                    </a:lnB>
+                  </a:tcPr>
+                </a:tc>
+                <a:tc>
+                  <a:txBody>
+                    <a:bodyPr/>
+                    <a:lstStyle/>
+                    <a:p>
+                      <a:pPr algn="ctr"/>
+                      <a:r>
+                        <a:rPr lang="fr-FR" sz="700" b="1"/>
+                        <a:t>0.3639</a:t>
+                      </a:r>
+                    </a:p>
+                  </a:txBody>
+                  <a:tcPr marL="24199" marR="24199" marT="12099" marB="12099" anchor="ctr">
+                    <a:lnL w="12700" cap="flat" cmpd="sng" algn="ctr">
+                      <a:solidFill>
+                        <a:schemeClr val="tx1"/>
+                      </a:solidFill>
+                      <a:prstDash val="solid"/>
+                      <a:round/>
+                      <a:headEnd type="none" w="med" len="med"/>
+                      <a:tailEnd type="none" w="med" len="med"/>
+                    </a:lnL>
+                    <a:lnR>
+                      <a:noFill/>
+                    </a:lnR>
+                    <a:lnT w="12700" cap="flat" cmpd="sng" algn="ctr">
+                      <a:solidFill>
+                        <a:schemeClr val="tx1"/>
+                      </a:solidFill>
+                      <a:prstDash val="solid"/>
+                      <a:round/>
+                      <a:headEnd type="none" w="med" len="med"/>
+                      <a:tailEnd type="none" w="med" len="med"/>
+                    </a:lnT>
+                    <a:lnB w="12700" cap="flat" cmpd="sng" algn="ctr">
+                      <a:solidFill>
+                        <a:schemeClr val="tx1"/>
+                      </a:solidFill>
+                      <a:prstDash val="solid"/>
+                      <a:round/>
+                      <a:headEnd type="none" w="med" len="med"/>
+                      <a:tailEnd type="none" w="med" len="med"/>
+                    </a:lnB>
+                  </a:tcPr>
+                </a:tc>
+                <a:extLst>
+                  <a:ext uri="{0D108BD9-81ED-4DB2-BD59-A6C34878D82A}">
+                    <a16:rowId xmlns:a16="http://schemas.microsoft.com/office/drawing/2014/main" val="3658592294"/>
+                  </a:ext>
+                </a:extLst>
+              </a:tr>
+              <a:tr h="125118">
+                <a:tc>
+                  <a:txBody>
+                    <a:bodyPr/>
+                    <a:lstStyle/>
+                    <a:p>
+                      <a:pPr algn="ctr"/>
+                      <a:r>
+                        <a:rPr lang="fr-FR" sz="700" b="1"/>
+                        <a:t>3</a:t>
+                      </a:r>
+                    </a:p>
+                  </a:txBody>
+                  <a:tcPr marL="24199" marR="24199" marT="12099" marB="12099" anchor="ctr">
+                    <a:lnL>
+                      <a:noFill/>
+                    </a:lnL>
+                    <a:lnR w="12700" cap="flat" cmpd="sng" algn="ctr">
+                      <a:solidFill>
+                        <a:schemeClr val="tx1"/>
+                      </a:solidFill>
+                      <a:prstDash val="solid"/>
+                      <a:round/>
+                      <a:headEnd type="none" w="med" len="med"/>
+                      <a:tailEnd type="none" w="med" len="med"/>
+                    </a:lnR>
+                    <a:lnT w="12700" cap="flat" cmpd="sng" algn="ctr">
+                      <a:solidFill>
+                        <a:schemeClr val="tx1"/>
+                      </a:solidFill>
+                      <a:prstDash val="solid"/>
+                      <a:round/>
+                      <a:headEnd type="none" w="med" len="med"/>
+                      <a:tailEnd type="none" w="med" len="med"/>
+                    </a:lnT>
+                    <a:lnB w="12700" cap="flat" cmpd="sng" algn="ctr">
+                      <a:solidFill>
+                        <a:schemeClr val="tx1"/>
+                      </a:solidFill>
+                      <a:prstDash val="solid"/>
+                      <a:round/>
+                      <a:headEnd type="none" w="med" len="med"/>
+                      <a:tailEnd type="none" w="med" len="med"/>
+                    </a:lnB>
+                  </a:tcPr>
+                </a:tc>
+                <a:tc>
+                  <a:txBody>
+                    <a:bodyPr/>
+                    <a:lstStyle/>
+                    <a:p>
+                      <a:pPr algn="ctr"/>
+                      <a:r>
+                        <a:rPr lang="fr-FR" sz="700" b="1" dirty="0"/>
+                        <a:t>SORCIERE</a:t>
+                      </a:r>
+                    </a:p>
+                  </a:txBody>
+                  <a:tcPr marL="24199" marR="24199" marT="12099" marB="12099" anchor="ctr">
+                    <a:lnL w="12700" cap="flat" cmpd="sng" algn="ctr">
+                      <a:solidFill>
+                        <a:schemeClr val="tx1"/>
+                      </a:solidFill>
+                      <a:prstDash val="solid"/>
+                      <a:round/>
+                      <a:headEnd type="none" w="med" len="med"/>
+                      <a:tailEnd type="none" w="med" len="med"/>
+                    </a:lnL>
+                    <a:lnR w="12700" cap="flat" cmpd="sng" algn="ctr">
+                      <a:solidFill>
+                        <a:schemeClr val="tx1"/>
+                      </a:solidFill>
+                      <a:prstDash val="solid"/>
+                      <a:round/>
+                      <a:headEnd type="none" w="med" len="med"/>
+                      <a:tailEnd type="none" w="med" len="med"/>
+                    </a:lnR>
+                    <a:lnT w="12700" cap="flat" cmpd="sng" algn="ctr">
+                      <a:solidFill>
+                        <a:schemeClr val="tx1"/>
+                      </a:solidFill>
+                      <a:prstDash val="solid"/>
+                      <a:round/>
+                      <a:headEnd type="none" w="med" len="med"/>
+                      <a:tailEnd type="none" w="med" len="med"/>
+                    </a:lnT>
+                    <a:lnB w="12700" cap="flat" cmpd="sng" algn="ctr">
+                      <a:solidFill>
+                        <a:schemeClr val="tx1"/>
+                      </a:solidFill>
+                      <a:prstDash val="solid"/>
+                      <a:round/>
+                      <a:headEnd type="none" w="med" len="med"/>
+                      <a:tailEnd type="none" w="med" len="med"/>
+                    </a:lnB>
+                  </a:tcPr>
+                </a:tc>
+                <a:tc>
+                  <a:txBody>
+                    <a:bodyPr/>
+                    <a:lstStyle/>
+                    <a:p>
+                      <a:pPr algn="ctr"/>
+                      <a:r>
+                        <a:rPr lang="fr-FR" sz="700" b="1"/>
+                        <a:t>0.7622</a:t>
+                      </a:r>
+                    </a:p>
+                  </a:txBody>
+                  <a:tcPr marL="24199" marR="24199" marT="12099" marB="12099" anchor="ctr">
+                    <a:lnL w="12700" cap="flat" cmpd="sng" algn="ctr">
+                      <a:solidFill>
+                        <a:schemeClr val="tx1"/>
+                      </a:solidFill>
+                      <a:prstDash val="solid"/>
+                      <a:round/>
+                      <a:headEnd type="none" w="med" len="med"/>
+                      <a:tailEnd type="none" w="med" len="med"/>
+                    </a:lnL>
+                    <a:lnR>
+                      <a:noFill/>
+                    </a:lnR>
+                    <a:lnT w="12700" cap="flat" cmpd="sng" algn="ctr">
+                      <a:solidFill>
+                        <a:schemeClr val="tx1"/>
+                      </a:solidFill>
+                      <a:prstDash val="solid"/>
+                      <a:round/>
+                      <a:headEnd type="none" w="med" len="med"/>
+                      <a:tailEnd type="none" w="med" len="med"/>
+                    </a:lnT>
+                    <a:lnB w="12700" cap="flat" cmpd="sng" algn="ctr">
+                      <a:solidFill>
+                        <a:schemeClr val="tx1"/>
+                      </a:solidFill>
+                      <a:prstDash val="solid"/>
+                      <a:round/>
+                      <a:headEnd type="none" w="med" len="med"/>
+                      <a:tailEnd type="none" w="med" len="med"/>
+                    </a:lnB>
+                  </a:tcPr>
+                </a:tc>
+                <a:extLst>
+                  <a:ext uri="{0D108BD9-81ED-4DB2-BD59-A6C34878D82A}">
+                    <a16:rowId xmlns:a16="http://schemas.microsoft.com/office/drawing/2014/main" val="189390962"/>
+                  </a:ext>
+                </a:extLst>
+              </a:tr>
+              <a:tr h="125118">
+                <a:tc>
+                  <a:txBody>
+                    <a:bodyPr/>
+                    <a:lstStyle/>
+                    <a:p>
+                      <a:pPr algn="ctr"/>
+                      <a:r>
+                        <a:rPr lang="fr-FR" sz="700" b="1"/>
+                        <a:t>4</a:t>
+                      </a:r>
+                    </a:p>
+                  </a:txBody>
+                  <a:tcPr marL="24199" marR="24199" marT="12099" marB="12099" anchor="ctr">
+                    <a:lnL>
+                      <a:noFill/>
+                    </a:lnL>
+                    <a:lnR w="12700" cap="flat" cmpd="sng" algn="ctr">
+                      <a:solidFill>
+                        <a:schemeClr val="tx1"/>
+                      </a:solidFill>
+                      <a:prstDash val="solid"/>
+                      <a:round/>
+                      <a:headEnd type="none" w="med" len="med"/>
+                      <a:tailEnd type="none" w="med" len="med"/>
+                    </a:lnR>
+                    <a:lnT w="12700" cap="flat" cmpd="sng" algn="ctr">
+                      <a:solidFill>
+                        <a:schemeClr val="tx1"/>
+                      </a:solidFill>
+                      <a:prstDash val="solid"/>
+                      <a:round/>
+                      <a:headEnd type="none" w="med" len="med"/>
+                      <a:tailEnd type="none" w="med" len="med"/>
+                    </a:lnT>
+                    <a:lnB w="12700" cap="flat" cmpd="sng" algn="ctr">
+                      <a:solidFill>
+                        <a:schemeClr val="tx1"/>
+                      </a:solidFill>
+                      <a:prstDash val="solid"/>
+                      <a:round/>
+                      <a:headEnd type="none" w="med" len="med"/>
+                      <a:tailEnd type="none" w="med" len="med"/>
+                    </a:lnB>
+                  </a:tcPr>
+                </a:tc>
+                <a:tc>
+                  <a:txBody>
+                    <a:bodyPr/>
+                    <a:lstStyle/>
+                    <a:p>
+                      <a:pPr algn="ctr"/>
+                      <a:r>
+                        <a:rPr lang="fr-FR" sz="700" b="1" dirty="0"/>
+                        <a:t>SORTIE</a:t>
+                      </a:r>
+                    </a:p>
+                  </a:txBody>
+                  <a:tcPr marL="24199" marR="24199" marT="12099" marB="12099" anchor="ctr">
+                    <a:lnL w="12700" cap="flat" cmpd="sng" algn="ctr">
+                      <a:solidFill>
+                        <a:schemeClr val="tx1"/>
+                      </a:solidFill>
+                      <a:prstDash val="solid"/>
+                      <a:round/>
+                      <a:headEnd type="none" w="med" len="med"/>
+                      <a:tailEnd type="none" w="med" len="med"/>
+                    </a:lnL>
+                    <a:lnR w="12700" cap="flat" cmpd="sng" algn="ctr">
+                      <a:solidFill>
+                        <a:schemeClr val="tx1"/>
+                      </a:solidFill>
+                      <a:prstDash val="solid"/>
+                      <a:round/>
+                      <a:headEnd type="none" w="med" len="med"/>
+                      <a:tailEnd type="none" w="med" len="med"/>
+                    </a:lnR>
+                    <a:lnT w="12700" cap="flat" cmpd="sng" algn="ctr">
+                      <a:solidFill>
+                        <a:schemeClr val="tx1"/>
+                      </a:solidFill>
+                      <a:prstDash val="solid"/>
+                      <a:round/>
+                      <a:headEnd type="none" w="med" len="med"/>
+                      <a:tailEnd type="none" w="med" len="med"/>
+                    </a:lnT>
+                    <a:lnB w="12700" cap="flat" cmpd="sng" algn="ctr">
+                      <a:solidFill>
+                        <a:schemeClr val="tx1"/>
+                      </a:solidFill>
+                      <a:prstDash val="solid"/>
+                      <a:round/>
+                      <a:headEnd type="none" w="med" len="med"/>
+                      <a:tailEnd type="none" w="med" len="med"/>
+                    </a:lnB>
+                  </a:tcPr>
+                </a:tc>
+                <a:tc>
+                  <a:txBody>
+                    <a:bodyPr/>
+                    <a:lstStyle/>
+                    <a:p>
+                      <a:pPr algn="ctr"/>
+                      <a:r>
+                        <a:rPr lang="fr-FR" sz="700" b="1"/>
+                        <a:t>0.9288</a:t>
+                      </a:r>
+                    </a:p>
+                  </a:txBody>
+                  <a:tcPr marL="24199" marR="24199" marT="12099" marB="12099" anchor="ctr">
+                    <a:lnL w="12700" cap="flat" cmpd="sng" algn="ctr">
+                      <a:solidFill>
+                        <a:schemeClr val="tx1"/>
+                      </a:solidFill>
+                      <a:prstDash val="solid"/>
+                      <a:round/>
+                      <a:headEnd type="none" w="med" len="med"/>
+                      <a:tailEnd type="none" w="med" len="med"/>
+                    </a:lnL>
+                    <a:lnR>
+                      <a:noFill/>
+                    </a:lnR>
+                    <a:lnT w="12700" cap="flat" cmpd="sng" algn="ctr">
+                      <a:solidFill>
+                        <a:schemeClr val="tx1"/>
+                      </a:solidFill>
+                      <a:prstDash val="solid"/>
+                      <a:round/>
+                      <a:headEnd type="none" w="med" len="med"/>
+                      <a:tailEnd type="none" w="med" len="med"/>
+                    </a:lnT>
+                    <a:lnB w="12700" cap="flat" cmpd="sng" algn="ctr">
+                      <a:solidFill>
+                        <a:schemeClr val="tx1"/>
+                      </a:solidFill>
+                      <a:prstDash val="solid"/>
+                      <a:round/>
+                      <a:headEnd type="none" w="med" len="med"/>
+                      <a:tailEnd type="none" w="med" len="med"/>
+                    </a:lnB>
+                  </a:tcPr>
+                </a:tc>
+                <a:extLst>
+                  <a:ext uri="{0D108BD9-81ED-4DB2-BD59-A6C34878D82A}">
+                    <a16:rowId xmlns:a16="http://schemas.microsoft.com/office/drawing/2014/main" val="4158882114"/>
+                  </a:ext>
+                </a:extLst>
+              </a:tr>
+              <a:tr h="125118">
+                <a:tc>
+                  <a:txBody>
+                    <a:bodyPr/>
+                    <a:lstStyle/>
+                    <a:p>
+                      <a:pPr algn="ctr"/>
+                      <a:r>
+                        <a:rPr lang="fr-FR" sz="700" b="1"/>
+                        <a:t>5</a:t>
+                      </a:r>
+                    </a:p>
+                  </a:txBody>
+                  <a:tcPr marL="24199" marR="24199" marT="12099" marB="12099" anchor="ctr">
+                    <a:lnL>
+                      <a:noFill/>
+                    </a:lnL>
+                    <a:lnR w="12700" cap="flat" cmpd="sng" algn="ctr">
+                      <a:solidFill>
+                        <a:schemeClr val="tx1"/>
+                      </a:solidFill>
+                      <a:prstDash val="solid"/>
+                      <a:round/>
+                      <a:headEnd type="none" w="med" len="med"/>
+                      <a:tailEnd type="none" w="med" len="med"/>
+                    </a:lnR>
+                    <a:lnT w="12700" cap="flat" cmpd="sng" algn="ctr">
+                      <a:solidFill>
+                        <a:schemeClr val="tx1"/>
+                      </a:solidFill>
+                      <a:prstDash val="solid"/>
+                      <a:round/>
+                      <a:headEnd type="none" w="med" len="med"/>
+                      <a:tailEnd type="none" w="med" len="med"/>
+                    </a:lnT>
+                    <a:lnB w="12700" cap="flat" cmpd="sng" algn="ctr">
+                      <a:solidFill>
+                        <a:schemeClr val="tx1"/>
+                      </a:solidFill>
+                      <a:prstDash val="solid"/>
+                      <a:round/>
+                      <a:headEnd type="none" w="med" len="med"/>
+                      <a:tailEnd type="none" w="med" len="med"/>
+                    </a:lnB>
+                  </a:tcPr>
+                </a:tc>
+                <a:tc>
+                  <a:txBody>
+                    <a:bodyPr/>
+                    <a:lstStyle/>
+                    <a:p>
+                      <a:pPr algn="ctr"/>
+                      <a:r>
+                        <a:rPr lang="fr-FR" sz="700" b="1"/>
+                        <a:t>chEF</a:t>
+                      </a:r>
+                    </a:p>
+                  </a:txBody>
+                  <a:tcPr marL="24199" marR="24199" marT="12099" marB="12099" anchor="ctr">
+                    <a:lnL w="12700" cap="flat" cmpd="sng" algn="ctr">
+                      <a:solidFill>
+                        <a:schemeClr val="tx1"/>
+                      </a:solidFill>
+                      <a:prstDash val="solid"/>
+                      <a:round/>
+                      <a:headEnd type="none" w="med" len="med"/>
+                      <a:tailEnd type="none" w="med" len="med"/>
+                    </a:lnL>
+                    <a:lnR w="12700" cap="flat" cmpd="sng" algn="ctr">
+                      <a:solidFill>
+                        <a:schemeClr val="tx1"/>
+                      </a:solidFill>
+                      <a:prstDash val="solid"/>
+                      <a:round/>
+                      <a:headEnd type="none" w="med" len="med"/>
+                      <a:tailEnd type="none" w="med" len="med"/>
+                    </a:lnR>
+                    <a:lnT w="12700" cap="flat" cmpd="sng" algn="ctr">
+                      <a:solidFill>
+                        <a:schemeClr val="tx1"/>
+                      </a:solidFill>
+                      <a:prstDash val="solid"/>
+                      <a:round/>
+                      <a:headEnd type="none" w="med" len="med"/>
+                      <a:tailEnd type="none" w="med" len="med"/>
+                    </a:lnT>
+                    <a:lnB w="12700" cap="flat" cmpd="sng" algn="ctr">
+                      <a:solidFill>
+                        <a:schemeClr val="tx1"/>
+                      </a:solidFill>
+                      <a:prstDash val="solid"/>
+                      <a:round/>
+                      <a:headEnd type="none" w="med" len="med"/>
+                      <a:tailEnd type="none" w="med" len="med"/>
+                    </a:lnB>
+                  </a:tcPr>
+                </a:tc>
+                <a:tc>
+                  <a:txBody>
+                    <a:bodyPr/>
+                    <a:lstStyle/>
+                    <a:p>
+                      <a:pPr algn="ctr"/>
+                      <a:r>
+                        <a:rPr lang="fr-FR" sz="700" b="1"/>
+                        <a:t>0.5839</a:t>
+                      </a:r>
+                    </a:p>
+                  </a:txBody>
+                  <a:tcPr marL="24199" marR="24199" marT="12099" marB="12099" anchor="ctr">
+                    <a:lnL w="12700" cap="flat" cmpd="sng" algn="ctr">
+                      <a:solidFill>
+                        <a:schemeClr val="tx1"/>
+                      </a:solidFill>
+                      <a:prstDash val="solid"/>
+                      <a:round/>
+                      <a:headEnd type="none" w="med" len="med"/>
+                      <a:tailEnd type="none" w="med" len="med"/>
+                    </a:lnL>
+                    <a:lnR>
+                      <a:noFill/>
+                    </a:lnR>
+                    <a:lnT w="12700" cap="flat" cmpd="sng" algn="ctr">
+                      <a:solidFill>
+                        <a:schemeClr val="tx1"/>
+                      </a:solidFill>
+                      <a:prstDash val="solid"/>
+                      <a:round/>
+                      <a:headEnd type="none" w="med" len="med"/>
+                      <a:tailEnd type="none" w="med" len="med"/>
+                    </a:lnT>
+                    <a:lnB w="12700" cap="flat" cmpd="sng" algn="ctr">
+                      <a:solidFill>
+                        <a:schemeClr val="tx1"/>
+                      </a:solidFill>
+                      <a:prstDash val="solid"/>
+                      <a:round/>
+                      <a:headEnd type="none" w="med" len="med"/>
+                      <a:tailEnd type="none" w="med" len="med"/>
+                    </a:lnB>
+                  </a:tcPr>
+                </a:tc>
+                <a:extLst>
+                  <a:ext uri="{0D108BD9-81ED-4DB2-BD59-A6C34878D82A}">
+                    <a16:rowId xmlns:a16="http://schemas.microsoft.com/office/drawing/2014/main" val="3248749604"/>
+                  </a:ext>
+                </a:extLst>
+              </a:tr>
+              <a:tr h="125118">
+                <a:tc>
+                  <a:txBody>
+                    <a:bodyPr/>
+                    <a:lstStyle/>
+                    <a:p>
+                      <a:pPr algn="ctr"/>
+                      <a:r>
+                        <a:rPr lang="fr-FR" sz="700" b="1"/>
+                        <a:t>6</a:t>
+                      </a:r>
+                    </a:p>
+                  </a:txBody>
+                  <a:tcPr marL="24199" marR="24199" marT="12099" marB="12099" anchor="ctr">
+                    <a:lnL>
+                      <a:noFill/>
+                    </a:lnL>
+                    <a:lnR w="12700" cap="flat" cmpd="sng" algn="ctr">
+                      <a:solidFill>
+                        <a:schemeClr val="tx1"/>
+                      </a:solidFill>
+                      <a:prstDash val="solid"/>
+                      <a:round/>
+                      <a:headEnd type="none" w="med" len="med"/>
+                      <a:tailEnd type="none" w="med" len="med"/>
+                    </a:lnR>
+                    <a:lnT w="12700" cap="flat" cmpd="sng" algn="ctr">
+                      <a:solidFill>
+                        <a:schemeClr val="tx1"/>
+                      </a:solidFill>
+                      <a:prstDash val="solid"/>
+                      <a:round/>
+                      <a:headEnd type="none" w="med" len="med"/>
+                      <a:tailEnd type="none" w="med" len="med"/>
+                    </a:lnT>
+                    <a:lnB w="12700" cap="flat" cmpd="sng" algn="ctr">
+                      <a:solidFill>
+                        <a:schemeClr val="tx1"/>
+                      </a:solidFill>
+                      <a:prstDash val="solid"/>
+                      <a:round/>
+                      <a:headEnd type="none" w="med" len="med"/>
+                      <a:tailEnd type="none" w="med" len="med"/>
+                    </a:lnB>
+                  </a:tcPr>
+                </a:tc>
+                <a:tc>
+                  <a:txBody>
+                    <a:bodyPr/>
+                    <a:lstStyle/>
+                    <a:p>
+                      <a:pPr algn="ctr"/>
+                      <a:r>
+                        <a:rPr lang="fr-FR" sz="700" b="1" dirty="0" err="1"/>
+                        <a:t>VeRt</a:t>
+                      </a:r>
+                      <a:endParaRPr lang="fr-FR" sz="700" b="1" dirty="0"/>
+                    </a:p>
+                  </a:txBody>
+                  <a:tcPr marL="24199" marR="24199" marT="12099" marB="12099" anchor="ctr">
+                    <a:lnL w="12700" cap="flat" cmpd="sng" algn="ctr">
+                      <a:solidFill>
+                        <a:schemeClr val="tx1"/>
+                      </a:solidFill>
+                      <a:prstDash val="solid"/>
+                      <a:round/>
+                      <a:headEnd type="none" w="med" len="med"/>
+                      <a:tailEnd type="none" w="med" len="med"/>
+                    </a:lnL>
+                    <a:lnR w="12700" cap="flat" cmpd="sng" algn="ctr">
+                      <a:solidFill>
+                        <a:schemeClr val="tx1"/>
+                      </a:solidFill>
+                      <a:prstDash val="solid"/>
+                      <a:round/>
+                      <a:headEnd type="none" w="med" len="med"/>
+                      <a:tailEnd type="none" w="med" len="med"/>
+                    </a:lnR>
+                    <a:lnT w="12700" cap="flat" cmpd="sng" algn="ctr">
+                      <a:solidFill>
+                        <a:schemeClr val="tx1"/>
+                      </a:solidFill>
+                      <a:prstDash val="solid"/>
+                      <a:round/>
+                      <a:headEnd type="none" w="med" len="med"/>
+                      <a:tailEnd type="none" w="med" len="med"/>
+                    </a:lnT>
+                    <a:lnB w="12700" cap="flat" cmpd="sng" algn="ctr">
+                      <a:solidFill>
+                        <a:schemeClr val="tx1"/>
+                      </a:solidFill>
+                      <a:prstDash val="solid"/>
+                      <a:round/>
+                      <a:headEnd type="none" w="med" len="med"/>
+                      <a:tailEnd type="none" w="med" len="med"/>
+                    </a:lnB>
+                  </a:tcPr>
+                </a:tc>
+                <a:tc>
+                  <a:txBody>
+                    <a:bodyPr/>
+                    <a:lstStyle/>
+                    <a:p>
+                      <a:pPr algn="ctr"/>
+                      <a:r>
+                        <a:rPr lang="fr-FR" sz="700" b="1"/>
+                        <a:t>0.63</a:t>
+                      </a:r>
+                    </a:p>
+                  </a:txBody>
+                  <a:tcPr marL="24199" marR="24199" marT="12099" marB="12099" anchor="ctr">
+                    <a:lnL w="12700" cap="flat" cmpd="sng" algn="ctr">
+                      <a:solidFill>
+                        <a:schemeClr val="tx1"/>
+                      </a:solidFill>
+                      <a:prstDash val="solid"/>
+                      <a:round/>
+                      <a:headEnd type="none" w="med" len="med"/>
+                      <a:tailEnd type="none" w="med" len="med"/>
+                    </a:lnL>
+                    <a:lnR>
+                      <a:noFill/>
+                    </a:lnR>
+                    <a:lnT w="12700" cap="flat" cmpd="sng" algn="ctr">
+                      <a:solidFill>
+                        <a:schemeClr val="tx1"/>
+                      </a:solidFill>
+                      <a:prstDash val="solid"/>
+                      <a:round/>
+                      <a:headEnd type="none" w="med" len="med"/>
+                      <a:tailEnd type="none" w="med" len="med"/>
+                    </a:lnT>
+                    <a:lnB w="12700" cap="flat" cmpd="sng" algn="ctr">
+                      <a:solidFill>
+                        <a:schemeClr val="tx1"/>
+                      </a:solidFill>
+                      <a:prstDash val="solid"/>
+                      <a:round/>
+                      <a:headEnd type="none" w="med" len="med"/>
+                      <a:tailEnd type="none" w="med" len="med"/>
+                    </a:lnB>
+                  </a:tcPr>
+                </a:tc>
+                <a:extLst>
+                  <a:ext uri="{0D108BD9-81ED-4DB2-BD59-A6C34878D82A}">
+                    <a16:rowId xmlns:a16="http://schemas.microsoft.com/office/drawing/2014/main" val="1019248286"/>
+                  </a:ext>
+                </a:extLst>
+              </a:tr>
+              <a:tr h="125118">
+                <a:tc>
+                  <a:txBody>
+                    <a:bodyPr/>
+                    <a:lstStyle/>
+                    <a:p>
+                      <a:pPr algn="ctr"/>
+                      <a:r>
+                        <a:rPr lang="fr-FR" sz="700" b="1"/>
+                        <a:t>7</a:t>
+                      </a:r>
+                    </a:p>
+                  </a:txBody>
+                  <a:tcPr marL="24199" marR="24199" marT="12099" marB="12099" anchor="ctr">
+                    <a:lnL>
+                      <a:noFill/>
+                    </a:lnL>
+                    <a:lnR w="12700" cap="flat" cmpd="sng" algn="ctr">
+                      <a:solidFill>
+                        <a:schemeClr val="tx1"/>
+                      </a:solidFill>
+                      <a:prstDash val="solid"/>
+                      <a:round/>
+                      <a:headEnd type="none" w="med" len="med"/>
+                      <a:tailEnd type="none" w="med" len="med"/>
+                    </a:lnR>
+                    <a:lnT w="12700" cap="flat" cmpd="sng" algn="ctr">
+                      <a:solidFill>
+                        <a:schemeClr val="tx1"/>
+                      </a:solidFill>
+                      <a:prstDash val="solid"/>
+                      <a:round/>
+                      <a:headEnd type="none" w="med" len="med"/>
+                      <a:tailEnd type="none" w="med" len="med"/>
+                    </a:lnT>
+                    <a:lnB w="12700" cap="flat" cmpd="sng" algn="ctr">
+                      <a:solidFill>
+                        <a:schemeClr val="tx1"/>
+                      </a:solidFill>
+                      <a:prstDash val="solid"/>
+                      <a:round/>
+                      <a:headEnd type="none" w="med" len="med"/>
+                      <a:tailEnd type="none" w="med" len="med"/>
+                    </a:lnB>
+                  </a:tcPr>
+                </a:tc>
+                <a:tc>
+                  <a:txBody>
+                    <a:bodyPr/>
+                    <a:lstStyle/>
+                    <a:p>
+                      <a:pPr algn="ctr"/>
+                      <a:r>
+                        <a:rPr lang="fr-FR" sz="700" b="1" dirty="0"/>
+                        <a:t>OA</a:t>
+                      </a:r>
+                    </a:p>
+                  </a:txBody>
+                  <a:tcPr marL="24199" marR="24199" marT="12099" marB="12099" anchor="ctr">
+                    <a:lnL w="12700" cap="flat" cmpd="sng" algn="ctr">
+                      <a:solidFill>
+                        <a:schemeClr val="tx1"/>
+                      </a:solidFill>
+                      <a:prstDash val="solid"/>
+                      <a:round/>
+                      <a:headEnd type="none" w="med" len="med"/>
+                      <a:tailEnd type="none" w="med" len="med"/>
+                    </a:lnL>
+                    <a:lnR w="12700" cap="flat" cmpd="sng" algn="ctr">
+                      <a:solidFill>
+                        <a:schemeClr val="tx1"/>
+                      </a:solidFill>
+                      <a:prstDash val="solid"/>
+                      <a:round/>
+                      <a:headEnd type="none" w="med" len="med"/>
+                      <a:tailEnd type="none" w="med" len="med"/>
+                    </a:lnR>
+                    <a:lnT w="12700" cap="flat" cmpd="sng" algn="ctr">
+                      <a:solidFill>
+                        <a:schemeClr val="tx1"/>
+                      </a:solidFill>
+                      <a:prstDash val="solid"/>
+                      <a:round/>
+                      <a:headEnd type="none" w="med" len="med"/>
+                      <a:tailEnd type="none" w="med" len="med"/>
+                    </a:lnT>
+                    <a:lnB w="12700" cap="flat" cmpd="sng" algn="ctr">
+                      <a:solidFill>
+                        <a:schemeClr val="tx1"/>
+                      </a:solidFill>
+                      <a:prstDash val="solid"/>
+                      <a:round/>
+                      <a:headEnd type="none" w="med" len="med"/>
+                      <a:tailEnd type="none" w="med" len="med"/>
+                    </a:lnB>
+                  </a:tcPr>
+                </a:tc>
+                <a:tc>
+                  <a:txBody>
+                    <a:bodyPr/>
+                    <a:lstStyle/>
+                    <a:p>
+                      <a:pPr algn="ctr"/>
+                      <a:r>
+                        <a:rPr lang="fr-FR" sz="700" b="1"/>
+                        <a:t>0.0414</a:t>
+                      </a:r>
+                    </a:p>
+                  </a:txBody>
+                  <a:tcPr marL="24199" marR="24199" marT="12099" marB="12099" anchor="ctr">
+                    <a:lnL w="12700" cap="flat" cmpd="sng" algn="ctr">
+                      <a:solidFill>
+                        <a:schemeClr val="tx1"/>
+                      </a:solidFill>
+                      <a:prstDash val="solid"/>
+                      <a:round/>
+                      <a:headEnd type="none" w="med" len="med"/>
+                      <a:tailEnd type="none" w="med" len="med"/>
+                    </a:lnL>
+                    <a:lnR>
+                      <a:noFill/>
+                    </a:lnR>
+                    <a:lnT w="12700" cap="flat" cmpd="sng" algn="ctr">
+                      <a:solidFill>
+                        <a:schemeClr val="tx1"/>
+                      </a:solidFill>
+                      <a:prstDash val="solid"/>
+                      <a:round/>
+                      <a:headEnd type="none" w="med" len="med"/>
+                      <a:tailEnd type="none" w="med" len="med"/>
+                    </a:lnT>
+                    <a:lnB w="12700" cap="flat" cmpd="sng" algn="ctr">
+                      <a:solidFill>
+                        <a:schemeClr val="tx1"/>
+                      </a:solidFill>
+                      <a:prstDash val="solid"/>
+                      <a:round/>
+                      <a:headEnd type="none" w="med" len="med"/>
+                      <a:tailEnd type="none" w="med" len="med"/>
+                    </a:lnB>
+                  </a:tcPr>
+                </a:tc>
+                <a:extLst>
+                  <a:ext uri="{0D108BD9-81ED-4DB2-BD59-A6C34878D82A}">
+                    <a16:rowId xmlns:a16="http://schemas.microsoft.com/office/drawing/2014/main" val="2276804585"/>
+                  </a:ext>
+                </a:extLst>
+              </a:tr>
+              <a:tr h="125118">
+                <a:tc>
+                  <a:txBody>
+                    <a:bodyPr/>
+                    <a:lstStyle/>
+                    <a:p>
+                      <a:pPr algn="ctr"/>
+                      <a:r>
+                        <a:rPr lang="fr-FR" sz="700" b="1"/>
+                        <a:t>8</a:t>
+                      </a:r>
+                    </a:p>
+                  </a:txBody>
+                  <a:tcPr marL="24199" marR="24199" marT="12099" marB="12099" anchor="ctr">
+                    <a:lnL>
+                      <a:noFill/>
+                    </a:lnL>
+                    <a:lnR w="12700" cap="flat" cmpd="sng" algn="ctr">
+                      <a:solidFill>
+                        <a:schemeClr val="tx1"/>
+                      </a:solidFill>
+                      <a:prstDash val="solid"/>
+                      <a:round/>
+                      <a:headEnd type="none" w="med" len="med"/>
+                      <a:tailEnd type="none" w="med" len="med"/>
+                    </a:lnR>
+                    <a:lnT w="12700" cap="flat" cmpd="sng" algn="ctr">
+                      <a:solidFill>
+                        <a:schemeClr val="tx1"/>
+                      </a:solidFill>
+                      <a:prstDash val="solid"/>
+                      <a:round/>
+                      <a:headEnd type="none" w="med" len="med"/>
+                      <a:tailEnd type="none" w="med" len="med"/>
+                    </a:lnT>
+                    <a:lnB w="12700" cap="flat" cmpd="sng" algn="ctr">
+                      <a:solidFill>
+                        <a:schemeClr val="tx1"/>
+                      </a:solidFill>
+                      <a:prstDash val="solid"/>
+                      <a:round/>
+                      <a:headEnd type="none" w="med" len="med"/>
+                      <a:tailEnd type="none" w="med" len="med"/>
+                    </a:lnB>
+                  </a:tcPr>
+                </a:tc>
+                <a:tc>
+                  <a:txBody>
+                    <a:bodyPr/>
+                    <a:lstStyle/>
+                    <a:p>
+                      <a:pPr algn="ctr"/>
+                      <a:r>
+                        <a:rPr lang="fr-FR" sz="700" b="1"/>
+                        <a:t>canaRD</a:t>
+                      </a:r>
+                    </a:p>
+                  </a:txBody>
+                  <a:tcPr marL="24199" marR="24199" marT="12099" marB="12099" anchor="ctr">
+                    <a:lnL w="12700" cap="flat" cmpd="sng" algn="ctr">
+                      <a:solidFill>
+                        <a:schemeClr val="tx1"/>
+                      </a:solidFill>
+                      <a:prstDash val="solid"/>
+                      <a:round/>
+                      <a:headEnd type="none" w="med" len="med"/>
+                      <a:tailEnd type="none" w="med" len="med"/>
+                    </a:lnL>
+                    <a:lnR w="12700" cap="flat" cmpd="sng" algn="ctr">
+                      <a:solidFill>
+                        <a:schemeClr val="tx1"/>
+                      </a:solidFill>
+                      <a:prstDash val="solid"/>
+                      <a:round/>
+                      <a:headEnd type="none" w="med" len="med"/>
+                      <a:tailEnd type="none" w="med" len="med"/>
+                    </a:lnR>
+                    <a:lnT w="12700" cap="flat" cmpd="sng" algn="ctr">
+                      <a:solidFill>
+                        <a:schemeClr val="tx1"/>
+                      </a:solidFill>
+                      <a:prstDash val="solid"/>
+                      <a:round/>
+                      <a:headEnd type="none" w="med" len="med"/>
+                      <a:tailEnd type="none" w="med" len="med"/>
+                    </a:lnT>
+                    <a:lnB w="12700" cap="flat" cmpd="sng" algn="ctr">
+                      <a:solidFill>
+                        <a:schemeClr val="tx1"/>
+                      </a:solidFill>
+                      <a:prstDash val="solid"/>
+                      <a:round/>
+                      <a:headEnd type="none" w="med" len="med"/>
+                      <a:tailEnd type="none" w="med" len="med"/>
+                    </a:lnB>
+                  </a:tcPr>
+                </a:tc>
+                <a:tc>
+                  <a:txBody>
+                    <a:bodyPr/>
+                    <a:lstStyle/>
+                    <a:p>
+                      <a:pPr algn="ctr"/>
+                      <a:r>
+                        <a:rPr lang="fr-FR" sz="700" b="1"/>
+                        <a:t>0.3185</a:t>
+                      </a:r>
+                    </a:p>
+                  </a:txBody>
+                  <a:tcPr marL="24199" marR="24199" marT="12099" marB="12099" anchor="ctr">
+                    <a:lnL w="12700" cap="flat" cmpd="sng" algn="ctr">
+                      <a:solidFill>
+                        <a:schemeClr val="tx1"/>
+                      </a:solidFill>
+                      <a:prstDash val="solid"/>
+                      <a:round/>
+                      <a:headEnd type="none" w="med" len="med"/>
+                      <a:tailEnd type="none" w="med" len="med"/>
+                    </a:lnL>
+                    <a:lnR>
+                      <a:noFill/>
+                    </a:lnR>
+                    <a:lnT w="12700" cap="flat" cmpd="sng" algn="ctr">
+                      <a:solidFill>
+                        <a:schemeClr val="tx1"/>
+                      </a:solidFill>
+                      <a:prstDash val="solid"/>
+                      <a:round/>
+                      <a:headEnd type="none" w="med" len="med"/>
+                      <a:tailEnd type="none" w="med" len="med"/>
+                    </a:lnT>
+                    <a:lnB w="12700" cap="flat" cmpd="sng" algn="ctr">
+                      <a:solidFill>
+                        <a:schemeClr val="tx1"/>
+                      </a:solidFill>
+                      <a:prstDash val="solid"/>
+                      <a:round/>
+                      <a:headEnd type="none" w="med" len="med"/>
+                      <a:tailEnd type="none" w="med" len="med"/>
+                    </a:lnB>
+                  </a:tcPr>
+                </a:tc>
+                <a:extLst>
+                  <a:ext uri="{0D108BD9-81ED-4DB2-BD59-A6C34878D82A}">
+                    <a16:rowId xmlns:a16="http://schemas.microsoft.com/office/drawing/2014/main" val="4210117094"/>
+                  </a:ext>
+                </a:extLst>
+              </a:tr>
+              <a:tr h="125118">
+                <a:tc>
+                  <a:txBody>
+                    <a:bodyPr/>
+                    <a:lstStyle/>
+                    <a:p>
+                      <a:pPr algn="ctr"/>
+                      <a:r>
+                        <a:rPr lang="fr-FR" sz="700" b="1"/>
+                        <a:t>9</a:t>
+                      </a:r>
+                    </a:p>
+                  </a:txBody>
+                  <a:tcPr marL="24199" marR="24199" marT="12099" marB="12099" anchor="ctr">
+                    <a:lnL>
+                      <a:noFill/>
+                    </a:lnL>
+                    <a:lnR w="12700" cap="flat" cmpd="sng" algn="ctr">
+                      <a:solidFill>
+                        <a:schemeClr val="tx1"/>
+                      </a:solidFill>
+                      <a:prstDash val="solid"/>
+                      <a:round/>
+                      <a:headEnd type="none" w="med" len="med"/>
+                      <a:tailEnd type="none" w="med" len="med"/>
+                    </a:lnR>
+                    <a:lnT w="12700" cap="flat" cmpd="sng" algn="ctr">
+                      <a:solidFill>
+                        <a:schemeClr val="tx1"/>
+                      </a:solidFill>
+                      <a:prstDash val="solid"/>
+                      <a:round/>
+                      <a:headEnd type="none" w="med" len="med"/>
+                      <a:tailEnd type="none" w="med" len="med"/>
+                    </a:lnT>
+                    <a:lnB w="12700" cap="flat" cmpd="sng" algn="ctr">
+                      <a:solidFill>
+                        <a:schemeClr val="tx1"/>
+                      </a:solidFill>
+                      <a:prstDash val="solid"/>
+                      <a:round/>
+                      <a:headEnd type="none" w="med" len="med"/>
+                      <a:tailEnd type="none" w="med" len="med"/>
+                    </a:lnB>
+                  </a:tcPr>
+                </a:tc>
+                <a:tc>
+                  <a:txBody>
+                    <a:bodyPr/>
+                    <a:lstStyle/>
+                    <a:p>
+                      <a:pPr algn="ctr"/>
+                      <a:r>
+                        <a:rPr lang="fr-FR" sz="700" b="1"/>
+                        <a:t>MaRS</a:t>
+                      </a:r>
+                    </a:p>
+                  </a:txBody>
+                  <a:tcPr marL="24199" marR="24199" marT="12099" marB="12099" anchor="ctr">
+                    <a:lnL w="12700" cap="flat" cmpd="sng" algn="ctr">
+                      <a:solidFill>
+                        <a:schemeClr val="tx1"/>
+                      </a:solidFill>
+                      <a:prstDash val="solid"/>
+                      <a:round/>
+                      <a:headEnd type="none" w="med" len="med"/>
+                      <a:tailEnd type="none" w="med" len="med"/>
+                    </a:lnL>
+                    <a:lnR w="12700" cap="flat" cmpd="sng" algn="ctr">
+                      <a:solidFill>
+                        <a:schemeClr val="tx1"/>
+                      </a:solidFill>
+                      <a:prstDash val="solid"/>
+                      <a:round/>
+                      <a:headEnd type="none" w="med" len="med"/>
+                      <a:tailEnd type="none" w="med" len="med"/>
+                    </a:lnR>
+                    <a:lnT w="12700" cap="flat" cmpd="sng" algn="ctr">
+                      <a:solidFill>
+                        <a:schemeClr val="tx1"/>
+                      </a:solidFill>
+                      <a:prstDash val="solid"/>
+                      <a:round/>
+                      <a:headEnd type="none" w="med" len="med"/>
+                      <a:tailEnd type="none" w="med" len="med"/>
+                    </a:lnT>
+                    <a:lnB w="12700" cap="flat" cmpd="sng" algn="ctr">
+                      <a:solidFill>
+                        <a:schemeClr val="tx1"/>
+                      </a:solidFill>
+                      <a:prstDash val="solid"/>
+                      <a:round/>
+                      <a:headEnd type="none" w="med" len="med"/>
+                      <a:tailEnd type="none" w="med" len="med"/>
+                    </a:lnB>
+                  </a:tcPr>
+                </a:tc>
+                <a:tc>
+                  <a:txBody>
+                    <a:bodyPr/>
+                    <a:lstStyle/>
+                    <a:p>
+                      <a:pPr algn="ctr"/>
+                      <a:r>
+                        <a:rPr lang="fr-FR" sz="700" b="1"/>
+                        <a:t>0.3868</a:t>
+                      </a:r>
+                    </a:p>
+                  </a:txBody>
+                  <a:tcPr marL="24199" marR="24199" marT="12099" marB="12099" anchor="ctr">
+                    <a:lnL w="12700" cap="flat" cmpd="sng" algn="ctr">
+                      <a:solidFill>
+                        <a:schemeClr val="tx1"/>
+                      </a:solidFill>
+                      <a:prstDash val="solid"/>
+                      <a:round/>
+                      <a:headEnd type="none" w="med" len="med"/>
+                      <a:tailEnd type="none" w="med" len="med"/>
+                    </a:lnL>
+                    <a:lnR>
+                      <a:noFill/>
+                    </a:lnR>
+                    <a:lnT w="12700" cap="flat" cmpd="sng" algn="ctr">
+                      <a:solidFill>
+                        <a:schemeClr val="tx1"/>
+                      </a:solidFill>
+                      <a:prstDash val="solid"/>
+                      <a:round/>
+                      <a:headEnd type="none" w="med" len="med"/>
+                      <a:tailEnd type="none" w="med" len="med"/>
+                    </a:lnT>
+                    <a:lnB w="12700" cap="flat" cmpd="sng" algn="ctr">
+                      <a:solidFill>
+                        <a:schemeClr val="tx1"/>
+                      </a:solidFill>
+                      <a:prstDash val="solid"/>
+                      <a:round/>
+                      <a:headEnd type="none" w="med" len="med"/>
+                      <a:tailEnd type="none" w="med" len="med"/>
+                    </a:lnB>
+                  </a:tcPr>
+                </a:tc>
+                <a:extLst>
+                  <a:ext uri="{0D108BD9-81ED-4DB2-BD59-A6C34878D82A}">
+                    <a16:rowId xmlns:a16="http://schemas.microsoft.com/office/drawing/2014/main" val="2176125277"/>
+                  </a:ext>
+                </a:extLst>
+              </a:tr>
+              <a:tr h="125118">
+                <a:tc>
+                  <a:txBody>
+                    <a:bodyPr/>
+                    <a:lstStyle/>
+                    <a:p>
+                      <a:pPr algn="ctr"/>
+                      <a:r>
+                        <a:rPr lang="fr-FR" sz="700" b="1"/>
+                        <a:t>10</a:t>
+                      </a:r>
+                    </a:p>
+                  </a:txBody>
+                  <a:tcPr marL="24199" marR="24199" marT="12099" marB="12099" anchor="ctr">
+                    <a:lnL>
+                      <a:noFill/>
+                    </a:lnL>
+                    <a:lnR w="12700" cap="flat" cmpd="sng" algn="ctr">
+                      <a:solidFill>
+                        <a:schemeClr val="tx1"/>
+                      </a:solidFill>
+                      <a:prstDash val="solid"/>
+                      <a:round/>
+                      <a:headEnd type="none" w="med" len="med"/>
+                      <a:tailEnd type="none" w="med" len="med"/>
+                    </a:lnR>
+                    <a:lnT w="12700" cap="flat" cmpd="sng" algn="ctr">
+                      <a:solidFill>
+                        <a:schemeClr val="tx1"/>
+                      </a:solidFill>
+                      <a:prstDash val="solid"/>
+                      <a:round/>
+                      <a:headEnd type="none" w="med" len="med"/>
+                      <a:tailEnd type="none" w="med" len="med"/>
+                    </a:lnT>
+                    <a:lnB w="12700" cap="flat" cmpd="sng" algn="ctr">
+                      <a:solidFill>
+                        <a:schemeClr val="tx1"/>
+                      </a:solidFill>
+                      <a:prstDash val="solid"/>
+                      <a:round/>
+                      <a:headEnd type="none" w="med" len="med"/>
+                      <a:tailEnd type="none" w="med" len="med"/>
+                    </a:lnB>
+                  </a:tcPr>
+                </a:tc>
+                <a:tc>
+                  <a:txBody>
+                    <a:bodyPr/>
+                    <a:lstStyle/>
+                    <a:p>
+                      <a:pPr algn="ctr"/>
+                      <a:r>
+                        <a:rPr lang="fr-FR" sz="700" b="1" dirty="0" err="1"/>
+                        <a:t>MajeuR</a:t>
+                      </a:r>
+                      <a:endParaRPr lang="fr-FR" sz="700" b="1" dirty="0"/>
+                    </a:p>
+                  </a:txBody>
+                  <a:tcPr marL="24199" marR="24199" marT="12099" marB="12099" anchor="ctr">
+                    <a:lnL w="12700" cap="flat" cmpd="sng" algn="ctr">
+                      <a:solidFill>
+                        <a:schemeClr val="tx1"/>
+                      </a:solidFill>
+                      <a:prstDash val="solid"/>
+                      <a:round/>
+                      <a:headEnd type="none" w="med" len="med"/>
+                      <a:tailEnd type="none" w="med" len="med"/>
+                    </a:lnL>
+                    <a:lnR w="12700" cap="flat" cmpd="sng" algn="ctr">
+                      <a:solidFill>
+                        <a:schemeClr val="tx1"/>
+                      </a:solidFill>
+                      <a:prstDash val="solid"/>
+                      <a:round/>
+                      <a:headEnd type="none" w="med" len="med"/>
+                      <a:tailEnd type="none" w="med" len="med"/>
+                    </a:lnR>
+                    <a:lnT w="12700" cap="flat" cmpd="sng" algn="ctr">
+                      <a:solidFill>
+                        <a:schemeClr val="tx1"/>
+                      </a:solidFill>
+                      <a:prstDash val="solid"/>
+                      <a:round/>
+                      <a:headEnd type="none" w="med" len="med"/>
+                      <a:tailEnd type="none" w="med" len="med"/>
+                    </a:lnT>
+                    <a:lnB w="12700" cap="flat" cmpd="sng" algn="ctr">
+                      <a:solidFill>
+                        <a:schemeClr val="tx1"/>
+                      </a:solidFill>
+                      <a:prstDash val="solid"/>
+                      <a:round/>
+                      <a:headEnd type="none" w="med" len="med"/>
+                      <a:tailEnd type="none" w="med" len="med"/>
+                    </a:lnB>
+                  </a:tcPr>
+                </a:tc>
+                <a:tc>
+                  <a:txBody>
+                    <a:bodyPr/>
+                    <a:lstStyle/>
+                    <a:p>
+                      <a:pPr algn="ctr"/>
+                      <a:r>
+                        <a:rPr lang="fr-FR" sz="700" b="1"/>
+                        <a:t>0.5234</a:t>
+                      </a:r>
+                    </a:p>
+                  </a:txBody>
+                  <a:tcPr marL="24199" marR="24199" marT="12099" marB="12099" anchor="ctr">
+                    <a:lnL w="12700" cap="flat" cmpd="sng" algn="ctr">
+                      <a:solidFill>
+                        <a:schemeClr val="tx1"/>
+                      </a:solidFill>
+                      <a:prstDash val="solid"/>
+                      <a:round/>
+                      <a:headEnd type="none" w="med" len="med"/>
+                      <a:tailEnd type="none" w="med" len="med"/>
+                    </a:lnL>
+                    <a:lnR>
+                      <a:noFill/>
+                    </a:lnR>
+                    <a:lnT w="12700" cap="flat" cmpd="sng" algn="ctr">
+                      <a:solidFill>
+                        <a:schemeClr val="tx1"/>
+                      </a:solidFill>
+                      <a:prstDash val="solid"/>
+                      <a:round/>
+                      <a:headEnd type="none" w="med" len="med"/>
+                      <a:tailEnd type="none" w="med" len="med"/>
+                    </a:lnT>
+                    <a:lnB w="12700" cap="flat" cmpd="sng" algn="ctr">
+                      <a:solidFill>
+                        <a:schemeClr val="tx1"/>
+                      </a:solidFill>
+                      <a:prstDash val="solid"/>
+                      <a:round/>
+                      <a:headEnd type="none" w="med" len="med"/>
+                      <a:tailEnd type="none" w="med" len="med"/>
+                    </a:lnB>
+                  </a:tcPr>
+                </a:tc>
+                <a:extLst>
+                  <a:ext uri="{0D108BD9-81ED-4DB2-BD59-A6C34878D82A}">
+                    <a16:rowId xmlns:a16="http://schemas.microsoft.com/office/drawing/2014/main" val="1801002266"/>
+                  </a:ext>
+                </a:extLst>
+              </a:tr>
+              <a:tr h="125118">
+                <a:tc>
+                  <a:txBody>
+                    <a:bodyPr/>
+                    <a:lstStyle/>
+                    <a:p>
+                      <a:pPr algn="ctr"/>
+                      <a:r>
+                        <a:rPr lang="fr-FR" sz="700" b="1"/>
+                        <a:t>11</a:t>
+                      </a:r>
+                    </a:p>
+                  </a:txBody>
+                  <a:tcPr marL="24199" marR="24199" marT="12099" marB="12099" anchor="ctr">
+                    <a:lnL>
+                      <a:noFill/>
+                    </a:lnL>
+                    <a:lnR w="12700" cap="flat" cmpd="sng" algn="ctr">
+                      <a:solidFill>
+                        <a:schemeClr val="tx1"/>
+                      </a:solidFill>
+                      <a:prstDash val="solid"/>
+                      <a:round/>
+                      <a:headEnd type="none" w="med" len="med"/>
+                      <a:tailEnd type="none" w="med" len="med"/>
+                    </a:lnR>
+                    <a:lnT w="12700" cap="flat" cmpd="sng" algn="ctr">
+                      <a:solidFill>
+                        <a:schemeClr val="tx1"/>
+                      </a:solidFill>
+                      <a:prstDash val="solid"/>
+                      <a:round/>
+                      <a:headEnd type="none" w="med" len="med"/>
+                      <a:tailEnd type="none" w="med" len="med"/>
+                    </a:lnT>
+                    <a:lnB w="12700" cap="flat" cmpd="sng" algn="ctr">
+                      <a:solidFill>
+                        <a:schemeClr val="tx1"/>
+                      </a:solidFill>
+                      <a:prstDash val="solid"/>
+                      <a:round/>
+                      <a:headEnd type="none" w="med" len="med"/>
+                      <a:tailEnd type="none" w="med" len="med"/>
+                    </a:lnB>
+                  </a:tcPr>
+                </a:tc>
+                <a:tc>
+                  <a:txBody>
+                    <a:bodyPr/>
+                    <a:lstStyle/>
+                    <a:p>
+                      <a:pPr algn="ctr"/>
+                      <a:r>
+                        <a:rPr lang="fr-FR" sz="700" b="1" dirty="0"/>
+                        <a:t>CLÉ</a:t>
+                      </a:r>
+                    </a:p>
+                  </a:txBody>
+                  <a:tcPr marL="24199" marR="24199" marT="12099" marB="12099" anchor="ctr">
+                    <a:lnL w="12700" cap="flat" cmpd="sng" algn="ctr">
+                      <a:solidFill>
+                        <a:schemeClr val="tx1"/>
+                      </a:solidFill>
+                      <a:prstDash val="solid"/>
+                      <a:round/>
+                      <a:headEnd type="none" w="med" len="med"/>
+                      <a:tailEnd type="none" w="med" len="med"/>
+                    </a:lnL>
+                    <a:lnR w="12700" cap="flat" cmpd="sng" algn="ctr">
+                      <a:solidFill>
+                        <a:schemeClr val="tx1"/>
+                      </a:solidFill>
+                      <a:prstDash val="solid"/>
+                      <a:round/>
+                      <a:headEnd type="none" w="med" len="med"/>
+                      <a:tailEnd type="none" w="med" len="med"/>
+                    </a:lnR>
+                    <a:lnT w="12700" cap="flat" cmpd="sng" algn="ctr">
+                      <a:solidFill>
+                        <a:schemeClr val="tx1"/>
+                      </a:solidFill>
+                      <a:prstDash val="solid"/>
+                      <a:round/>
+                      <a:headEnd type="none" w="med" len="med"/>
+                      <a:tailEnd type="none" w="med" len="med"/>
+                    </a:lnT>
+                    <a:lnB w="12700" cap="flat" cmpd="sng" algn="ctr">
+                      <a:solidFill>
+                        <a:schemeClr val="tx1"/>
+                      </a:solidFill>
+                      <a:prstDash val="solid"/>
+                      <a:round/>
+                      <a:headEnd type="none" w="med" len="med"/>
+                      <a:tailEnd type="none" w="med" len="med"/>
+                    </a:lnB>
+                  </a:tcPr>
+                </a:tc>
+                <a:tc>
+                  <a:txBody>
+                    <a:bodyPr/>
+                    <a:lstStyle/>
+                    <a:p>
+                      <a:pPr algn="ctr"/>
+                      <a:r>
+                        <a:rPr lang="fr-FR" sz="700" b="1"/>
+                        <a:t>0.7287</a:t>
+                      </a:r>
+                    </a:p>
+                  </a:txBody>
+                  <a:tcPr marL="24199" marR="24199" marT="12099" marB="12099" anchor="ctr">
+                    <a:lnL w="12700" cap="flat" cmpd="sng" algn="ctr">
+                      <a:solidFill>
+                        <a:schemeClr val="tx1"/>
+                      </a:solidFill>
+                      <a:prstDash val="solid"/>
+                      <a:round/>
+                      <a:headEnd type="none" w="med" len="med"/>
+                      <a:tailEnd type="none" w="med" len="med"/>
+                    </a:lnL>
+                    <a:lnR>
+                      <a:noFill/>
+                    </a:lnR>
+                    <a:lnT w="12700" cap="flat" cmpd="sng" algn="ctr">
+                      <a:solidFill>
+                        <a:schemeClr val="tx1"/>
+                      </a:solidFill>
+                      <a:prstDash val="solid"/>
+                      <a:round/>
+                      <a:headEnd type="none" w="med" len="med"/>
+                      <a:tailEnd type="none" w="med" len="med"/>
+                    </a:lnT>
+                    <a:lnB w="12700" cap="flat" cmpd="sng" algn="ctr">
+                      <a:solidFill>
+                        <a:schemeClr val="tx1"/>
+                      </a:solidFill>
+                      <a:prstDash val="solid"/>
+                      <a:round/>
+                      <a:headEnd type="none" w="med" len="med"/>
+                      <a:tailEnd type="none" w="med" len="med"/>
+                    </a:lnB>
+                  </a:tcPr>
+                </a:tc>
+                <a:extLst>
+                  <a:ext uri="{0D108BD9-81ED-4DB2-BD59-A6C34878D82A}">
+                    <a16:rowId xmlns:a16="http://schemas.microsoft.com/office/drawing/2014/main" val="1312782515"/>
+                  </a:ext>
+                </a:extLst>
+              </a:tr>
+              <a:tr h="125118">
+                <a:tc>
+                  <a:txBody>
+                    <a:bodyPr/>
+                    <a:lstStyle/>
+                    <a:p>
+                      <a:pPr algn="ctr"/>
+                      <a:r>
+                        <a:rPr lang="fr-FR" sz="700" b="1"/>
+                        <a:t>12</a:t>
+                      </a:r>
+                    </a:p>
+                  </a:txBody>
+                  <a:tcPr marL="24199" marR="24199" marT="12099" marB="12099" anchor="ctr">
+                    <a:lnL>
+                      <a:noFill/>
+                    </a:lnL>
+                    <a:lnR w="12700" cap="flat" cmpd="sng" algn="ctr">
+                      <a:solidFill>
+                        <a:schemeClr val="tx1"/>
+                      </a:solidFill>
+                      <a:prstDash val="solid"/>
+                      <a:round/>
+                      <a:headEnd type="none" w="med" len="med"/>
+                      <a:tailEnd type="none" w="med" len="med"/>
+                    </a:lnR>
+                    <a:lnT w="12700" cap="flat" cmpd="sng" algn="ctr">
+                      <a:solidFill>
+                        <a:schemeClr val="tx1"/>
+                      </a:solidFill>
+                      <a:prstDash val="solid"/>
+                      <a:round/>
+                      <a:headEnd type="none" w="med" len="med"/>
+                      <a:tailEnd type="none" w="med" len="med"/>
+                    </a:lnT>
+                    <a:lnB w="12700" cap="flat" cmpd="sng" algn="ctr">
+                      <a:solidFill>
+                        <a:schemeClr val="tx1"/>
+                      </a:solidFill>
+                      <a:prstDash val="solid"/>
+                      <a:round/>
+                      <a:headEnd type="none" w="med" len="med"/>
+                      <a:tailEnd type="none" w="med" len="med"/>
+                    </a:lnB>
+                  </a:tcPr>
+                </a:tc>
+                <a:tc>
+                  <a:txBody>
+                    <a:bodyPr/>
+                    <a:lstStyle/>
+                    <a:p>
+                      <a:pPr algn="ctr"/>
+                      <a:r>
+                        <a:rPr lang="fr-FR" sz="700" b="1" dirty="0"/>
+                        <a:t>e</a:t>
+                      </a:r>
+                    </a:p>
+                  </a:txBody>
+                  <a:tcPr marL="24199" marR="24199" marT="12099" marB="12099" anchor="ctr">
+                    <a:lnL w="12700" cap="flat" cmpd="sng" algn="ctr">
+                      <a:solidFill>
+                        <a:schemeClr val="tx1"/>
+                      </a:solidFill>
+                      <a:prstDash val="solid"/>
+                      <a:round/>
+                      <a:headEnd type="none" w="med" len="med"/>
+                      <a:tailEnd type="none" w="med" len="med"/>
+                    </a:lnL>
+                    <a:lnR w="12700" cap="flat" cmpd="sng" algn="ctr">
+                      <a:solidFill>
+                        <a:schemeClr val="tx1"/>
+                      </a:solidFill>
+                      <a:prstDash val="solid"/>
+                      <a:round/>
+                      <a:headEnd type="none" w="med" len="med"/>
+                      <a:tailEnd type="none" w="med" len="med"/>
+                    </a:lnR>
+                    <a:lnT w="12700" cap="flat" cmpd="sng" algn="ctr">
+                      <a:solidFill>
+                        <a:schemeClr val="tx1"/>
+                      </a:solidFill>
+                      <a:prstDash val="solid"/>
+                      <a:round/>
+                      <a:headEnd type="none" w="med" len="med"/>
+                      <a:tailEnd type="none" w="med" len="med"/>
+                    </a:lnT>
+                    <a:lnB w="12700" cap="flat" cmpd="sng" algn="ctr">
+                      <a:solidFill>
+                        <a:schemeClr val="tx1"/>
+                      </a:solidFill>
+                      <a:prstDash val="solid"/>
+                      <a:round/>
+                      <a:headEnd type="none" w="med" len="med"/>
+                      <a:tailEnd type="none" w="med" len="med"/>
+                    </a:lnB>
+                  </a:tcPr>
+                </a:tc>
+                <a:tc>
+                  <a:txBody>
+                    <a:bodyPr/>
+                    <a:lstStyle/>
+                    <a:p>
+                      <a:pPr algn="ctr"/>
+                      <a:r>
+                        <a:rPr lang="fr-FR" sz="700" b="1"/>
+                        <a:t>0.0481</a:t>
+                      </a:r>
+                    </a:p>
+                  </a:txBody>
+                  <a:tcPr marL="24199" marR="24199" marT="12099" marB="12099" anchor="ctr">
+                    <a:lnL w="12700" cap="flat" cmpd="sng" algn="ctr">
+                      <a:solidFill>
+                        <a:schemeClr val="tx1"/>
+                      </a:solidFill>
+                      <a:prstDash val="solid"/>
+                      <a:round/>
+                      <a:headEnd type="none" w="med" len="med"/>
+                      <a:tailEnd type="none" w="med" len="med"/>
+                    </a:lnL>
+                    <a:lnR>
+                      <a:noFill/>
+                    </a:lnR>
+                    <a:lnT w="12700" cap="flat" cmpd="sng" algn="ctr">
+                      <a:solidFill>
+                        <a:schemeClr val="tx1"/>
+                      </a:solidFill>
+                      <a:prstDash val="solid"/>
+                      <a:round/>
+                      <a:headEnd type="none" w="med" len="med"/>
+                      <a:tailEnd type="none" w="med" len="med"/>
+                    </a:lnT>
+                    <a:lnB w="12700" cap="flat" cmpd="sng" algn="ctr">
+                      <a:solidFill>
+                        <a:schemeClr val="tx1"/>
+                      </a:solidFill>
+                      <a:prstDash val="solid"/>
+                      <a:round/>
+                      <a:headEnd type="none" w="med" len="med"/>
+                      <a:tailEnd type="none" w="med" len="med"/>
+                    </a:lnB>
+                  </a:tcPr>
+                </a:tc>
+                <a:extLst>
+                  <a:ext uri="{0D108BD9-81ED-4DB2-BD59-A6C34878D82A}">
+                    <a16:rowId xmlns:a16="http://schemas.microsoft.com/office/drawing/2014/main" val="2228924764"/>
+                  </a:ext>
+                </a:extLst>
+              </a:tr>
+              <a:tr h="125118">
+                <a:tc>
+                  <a:txBody>
+                    <a:bodyPr/>
+                    <a:lstStyle/>
+                    <a:p>
+                      <a:pPr algn="ctr"/>
+                      <a:r>
+                        <a:rPr lang="fr-FR" sz="700" b="1"/>
+                        <a:t>13</a:t>
+                      </a:r>
+                    </a:p>
+                  </a:txBody>
+                  <a:tcPr marL="24199" marR="24199" marT="12099" marB="12099" anchor="ctr">
+                    <a:lnL>
+                      <a:noFill/>
+                    </a:lnL>
+                    <a:lnR w="12700" cap="flat" cmpd="sng" algn="ctr">
+                      <a:solidFill>
+                        <a:schemeClr val="tx1"/>
+                      </a:solidFill>
+                      <a:prstDash val="solid"/>
+                      <a:round/>
+                      <a:headEnd type="none" w="med" len="med"/>
+                      <a:tailEnd type="none" w="med" len="med"/>
+                    </a:lnR>
+                    <a:lnT w="12700" cap="flat" cmpd="sng" algn="ctr">
+                      <a:solidFill>
+                        <a:schemeClr val="tx1"/>
+                      </a:solidFill>
+                      <a:prstDash val="solid"/>
+                      <a:round/>
+                      <a:headEnd type="none" w="med" len="med"/>
+                      <a:tailEnd type="none" w="med" len="med"/>
+                    </a:lnT>
+                    <a:lnB w="12700" cap="flat" cmpd="sng" algn="ctr">
+                      <a:solidFill>
+                        <a:schemeClr val="tx1"/>
+                      </a:solidFill>
+                      <a:prstDash val="solid"/>
+                      <a:round/>
+                      <a:headEnd type="none" w="med" len="med"/>
+                      <a:tailEnd type="none" w="med" len="med"/>
+                    </a:lnB>
+                  </a:tcPr>
+                </a:tc>
+                <a:tc>
+                  <a:txBody>
+                    <a:bodyPr/>
+                    <a:lstStyle/>
+                    <a:p>
+                      <a:pPr algn="ctr"/>
+                      <a:r>
+                        <a:rPr lang="fr-FR" sz="700" b="1"/>
+                        <a:t>7 ht ]9 )</a:t>
+                      </a:r>
+                    </a:p>
+                  </a:txBody>
+                  <a:tcPr marL="24199" marR="24199" marT="12099" marB="12099" anchor="ctr">
+                    <a:lnL w="12700" cap="flat" cmpd="sng" algn="ctr">
+                      <a:solidFill>
+                        <a:schemeClr val="tx1"/>
+                      </a:solidFill>
+                      <a:prstDash val="solid"/>
+                      <a:round/>
+                      <a:headEnd type="none" w="med" len="med"/>
+                      <a:tailEnd type="none" w="med" len="med"/>
+                    </a:lnL>
+                    <a:lnR w="12700" cap="flat" cmpd="sng" algn="ctr">
+                      <a:solidFill>
+                        <a:schemeClr val="tx1"/>
+                      </a:solidFill>
+                      <a:prstDash val="solid"/>
+                      <a:round/>
+                      <a:headEnd type="none" w="med" len="med"/>
+                      <a:tailEnd type="none" w="med" len="med"/>
+                    </a:lnR>
+                    <a:lnT w="12700" cap="flat" cmpd="sng" algn="ctr">
+                      <a:solidFill>
+                        <a:schemeClr val="tx1"/>
+                      </a:solidFill>
+                      <a:prstDash val="solid"/>
+                      <a:round/>
+                      <a:headEnd type="none" w="med" len="med"/>
+                      <a:tailEnd type="none" w="med" len="med"/>
+                    </a:lnT>
+                    <a:lnB w="12700" cap="flat" cmpd="sng" algn="ctr">
+                      <a:solidFill>
+                        <a:schemeClr val="tx1"/>
+                      </a:solidFill>
+                      <a:prstDash val="solid"/>
+                      <a:round/>
+                      <a:headEnd type="none" w="med" len="med"/>
+                      <a:tailEnd type="none" w="med" len="med"/>
+                    </a:lnB>
+                  </a:tcPr>
+                </a:tc>
+                <a:tc>
+                  <a:txBody>
+                    <a:bodyPr/>
+                    <a:lstStyle/>
+                    <a:p>
+                      <a:pPr algn="ctr"/>
+                      <a:r>
+                        <a:rPr lang="fr-FR" sz="700" b="1"/>
+                        <a:t>0.1041</a:t>
+                      </a:r>
+                    </a:p>
+                  </a:txBody>
+                  <a:tcPr marL="24199" marR="24199" marT="12099" marB="12099" anchor="ctr">
+                    <a:lnL w="12700" cap="flat" cmpd="sng" algn="ctr">
+                      <a:solidFill>
+                        <a:schemeClr val="tx1"/>
+                      </a:solidFill>
+                      <a:prstDash val="solid"/>
+                      <a:round/>
+                      <a:headEnd type="none" w="med" len="med"/>
+                      <a:tailEnd type="none" w="med" len="med"/>
+                    </a:lnL>
+                    <a:lnR>
+                      <a:noFill/>
+                    </a:lnR>
+                    <a:lnT w="12700" cap="flat" cmpd="sng" algn="ctr">
+                      <a:solidFill>
+                        <a:schemeClr val="tx1"/>
+                      </a:solidFill>
+                      <a:prstDash val="solid"/>
+                      <a:round/>
+                      <a:headEnd type="none" w="med" len="med"/>
+                      <a:tailEnd type="none" w="med" len="med"/>
+                    </a:lnT>
+                    <a:lnB w="12700" cap="flat" cmpd="sng" algn="ctr">
+                      <a:solidFill>
+                        <a:schemeClr val="tx1"/>
+                      </a:solidFill>
+                      <a:prstDash val="solid"/>
+                      <a:round/>
+                      <a:headEnd type="none" w="med" len="med"/>
+                      <a:tailEnd type="none" w="med" len="med"/>
+                    </a:lnB>
+                  </a:tcPr>
+                </a:tc>
+                <a:extLst>
+                  <a:ext uri="{0D108BD9-81ED-4DB2-BD59-A6C34878D82A}">
+                    <a16:rowId xmlns:a16="http://schemas.microsoft.com/office/drawing/2014/main" val="3370701939"/>
+                  </a:ext>
+                </a:extLst>
+              </a:tr>
+              <a:tr h="125118">
+                <a:tc>
+                  <a:txBody>
+                    <a:bodyPr/>
+                    <a:lstStyle/>
+                    <a:p>
+                      <a:pPr algn="ctr"/>
+                      <a:r>
+                        <a:rPr lang="fr-FR" sz="700" b="1"/>
+                        <a:t>14</a:t>
+                      </a:r>
+                    </a:p>
+                  </a:txBody>
+                  <a:tcPr marL="24199" marR="24199" marT="12099" marB="12099" anchor="ctr">
+                    <a:lnL>
+                      <a:noFill/>
+                    </a:lnL>
+                    <a:lnR w="12700" cap="flat" cmpd="sng" algn="ctr">
+                      <a:solidFill>
+                        <a:schemeClr val="tx1"/>
+                      </a:solidFill>
+                      <a:prstDash val="solid"/>
+                      <a:round/>
+                      <a:headEnd type="none" w="med" len="med"/>
+                      <a:tailEnd type="none" w="med" len="med"/>
+                    </a:lnR>
+                    <a:lnT w="12700" cap="flat" cmpd="sng" algn="ctr">
+                      <a:solidFill>
+                        <a:schemeClr val="tx1"/>
+                      </a:solidFill>
+                      <a:prstDash val="solid"/>
+                      <a:round/>
+                      <a:headEnd type="none" w="med" len="med"/>
+                      <a:tailEnd type="none" w="med" len="med"/>
+                    </a:lnT>
+                    <a:lnB w="12700" cap="flat" cmpd="sng" algn="ctr">
+                      <a:solidFill>
+                        <a:schemeClr val="tx1"/>
+                      </a:solidFill>
+                      <a:prstDash val="solid"/>
+                      <a:round/>
+                      <a:headEnd type="none" w="med" len="med"/>
+                      <a:tailEnd type="none" w="med" len="med"/>
+                    </a:lnB>
+                  </a:tcPr>
+                </a:tc>
+                <a:tc>
+                  <a:txBody>
+                    <a:bodyPr/>
+                    <a:lstStyle/>
+                    <a:p>
+                      <a:pPr algn="ctr"/>
+                      <a:r>
+                        <a:rPr lang="fr-FR" sz="700" b="1"/>
+                        <a:t>: ,</a:t>
+                      </a:r>
+                    </a:p>
+                  </a:txBody>
+                  <a:tcPr marL="24199" marR="24199" marT="12099" marB="12099" anchor="ctr">
+                    <a:lnL w="12700" cap="flat" cmpd="sng" algn="ctr">
+                      <a:solidFill>
+                        <a:schemeClr val="tx1"/>
+                      </a:solidFill>
+                      <a:prstDash val="solid"/>
+                      <a:round/>
+                      <a:headEnd type="none" w="med" len="med"/>
+                      <a:tailEnd type="none" w="med" len="med"/>
+                    </a:lnL>
+                    <a:lnR w="12700" cap="flat" cmpd="sng" algn="ctr">
+                      <a:solidFill>
+                        <a:schemeClr val="tx1"/>
+                      </a:solidFill>
+                      <a:prstDash val="solid"/>
+                      <a:round/>
+                      <a:headEnd type="none" w="med" len="med"/>
+                      <a:tailEnd type="none" w="med" len="med"/>
+                    </a:lnR>
+                    <a:lnT w="12700" cap="flat" cmpd="sng" algn="ctr">
+                      <a:solidFill>
+                        <a:schemeClr val="tx1"/>
+                      </a:solidFill>
+                      <a:prstDash val="solid"/>
+                      <a:round/>
+                      <a:headEnd type="none" w="med" len="med"/>
+                      <a:tailEnd type="none" w="med" len="med"/>
+                    </a:lnT>
+                    <a:lnB w="12700" cap="flat" cmpd="sng" algn="ctr">
+                      <a:solidFill>
+                        <a:schemeClr val="tx1"/>
+                      </a:solidFill>
+                      <a:prstDash val="solid"/>
+                      <a:round/>
+                      <a:headEnd type="none" w="med" len="med"/>
+                      <a:tailEnd type="none" w="med" len="med"/>
+                    </a:lnB>
+                  </a:tcPr>
+                </a:tc>
+                <a:tc>
+                  <a:txBody>
+                    <a:bodyPr/>
+                    <a:lstStyle/>
+                    <a:p>
+                      <a:pPr algn="ctr"/>
+                      <a:r>
+                        <a:rPr lang="fr-FR" sz="700" b="1"/>
+                        <a:t>0.1241</a:t>
+                      </a:r>
+                    </a:p>
+                  </a:txBody>
+                  <a:tcPr marL="24199" marR="24199" marT="12099" marB="12099" anchor="ctr">
+                    <a:lnL w="12700" cap="flat" cmpd="sng" algn="ctr">
+                      <a:solidFill>
+                        <a:schemeClr val="tx1"/>
+                      </a:solidFill>
+                      <a:prstDash val="solid"/>
+                      <a:round/>
+                      <a:headEnd type="none" w="med" len="med"/>
+                      <a:tailEnd type="none" w="med" len="med"/>
+                    </a:lnL>
+                    <a:lnR>
+                      <a:noFill/>
+                    </a:lnR>
+                    <a:lnT w="12700" cap="flat" cmpd="sng" algn="ctr">
+                      <a:solidFill>
+                        <a:schemeClr val="tx1"/>
+                      </a:solidFill>
+                      <a:prstDash val="solid"/>
+                      <a:round/>
+                      <a:headEnd type="none" w="med" len="med"/>
+                      <a:tailEnd type="none" w="med" len="med"/>
+                    </a:lnT>
+                    <a:lnB w="12700" cap="flat" cmpd="sng" algn="ctr">
+                      <a:solidFill>
+                        <a:schemeClr val="tx1"/>
+                      </a:solidFill>
+                      <a:prstDash val="solid"/>
+                      <a:round/>
+                      <a:headEnd type="none" w="med" len="med"/>
+                      <a:tailEnd type="none" w="med" len="med"/>
+                    </a:lnB>
+                  </a:tcPr>
+                </a:tc>
+                <a:extLst>
+                  <a:ext uri="{0D108BD9-81ED-4DB2-BD59-A6C34878D82A}">
+                    <a16:rowId xmlns:a16="http://schemas.microsoft.com/office/drawing/2014/main" val="1392166840"/>
+                  </a:ext>
+                </a:extLst>
+              </a:tr>
+              <a:tr h="125118">
+                <a:tc>
+                  <a:txBody>
+                    <a:bodyPr/>
+                    <a:lstStyle/>
+                    <a:p>
+                      <a:pPr algn="ctr"/>
+                      <a:r>
+                        <a:rPr lang="fr-FR" sz="700" b="1"/>
+                        <a:t>15</a:t>
+                      </a:r>
+                    </a:p>
+                  </a:txBody>
+                  <a:tcPr marL="24199" marR="24199" marT="12099" marB="12099" anchor="ctr">
+                    <a:lnL>
+                      <a:noFill/>
+                    </a:lnL>
+                    <a:lnR w="12700" cap="flat" cmpd="sng" algn="ctr">
+                      <a:solidFill>
+                        <a:schemeClr val="tx1"/>
+                      </a:solidFill>
+                      <a:prstDash val="solid"/>
+                      <a:round/>
+                      <a:headEnd type="none" w="med" len="med"/>
+                      <a:tailEnd type="none" w="med" len="med"/>
+                    </a:lnR>
+                    <a:lnT w="12700" cap="flat" cmpd="sng" algn="ctr">
+                      <a:solidFill>
+                        <a:schemeClr val="tx1"/>
+                      </a:solidFill>
+                      <a:prstDash val="solid"/>
+                      <a:round/>
+                      <a:headEnd type="none" w="med" len="med"/>
+                      <a:tailEnd type="none" w="med" len="med"/>
+                    </a:lnT>
+                    <a:lnB w="12700" cap="flat" cmpd="sng" algn="ctr">
+                      <a:solidFill>
+                        <a:schemeClr val="tx1"/>
+                      </a:solidFill>
+                      <a:prstDash val="solid"/>
+                      <a:round/>
+                      <a:headEnd type="none" w="med" len="med"/>
+                      <a:tailEnd type="none" w="med" len="med"/>
+                    </a:lnB>
+                  </a:tcPr>
+                </a:tc>
+                <a:tc>
+                  <a:txBody>
+                    <a:bodyPr/>
+                    <a:lstStyle/>
+                    <a:p>
+                      <a:pPr algn="ctr"/>
+                      <a:r>
+                        <a:rPr lang="fr-FR" sz="700" b="1" dirty="0"/>
+                        <a:t>Jun1lo/</a:t>
+                      </a:r>
+                    </a:p>
+                  </a:txBody>
+                  <a:tcPr marL="24199" marR="24199" marT="12099" marB="12099" anchor="ctr">
+                    <a:lnL w="12700" cap="flat" cmpd="sng" algn="ctr">
+                      <a:solidFill>
+                        <a:schemeClr val="tx1"/>
+                      </a:solidFill>
+                      <a:prstDash val="solid"/>
+                      <a:round/>
+                      <a:headEnd type="none" w="med" len="med"/>
+                      <a:tailEnd type="none" w="med" len="med"/>
+                    </a:lnL>
+                    <a:lnR w="12700" cap="flat" cmpd="sng" algn="ctr">
+                      <a:solidFill>
+                        <a:schemeClr val="tx1"/>
+                      </a:solidFill>
+                      <a:prstDash val="solid"/>
+                      <a:round/>
+                      <a:headEnd type="none" w="med" len="med"/>
+                      <a:tailEnd type="none" w="med" len="med"/>
+                    </a:lnR>
+                    <a:lnT w="12700" cap="flat" cmpd="sng" algn="ctr">
+                      <a:solidFill>
+                        <a:schemeClr val="tx1"/>
+                      </a:solidFill>
+                      <a:prstDash val="solid"/>
+                      <a:round/>
+                      <a:headEnd type="none" w="med" len="med"/>
+                      <a:tailEnd type="none" w="med" len="med"/>
+                    </a:lnT>
+                    <a:lnB w="12700" cap="flat" cmpd="sng" algn="ctr">
+                      <a:solidFill>
+                        <a:schemeClr val="tx1"/>
+                      </a:solidFill>
+                      <a:prstDash val="solid"/>
+                      <a:round/>
+                      <a:headEnd type="none" w="med" len="med"/>
+                      <a:tailEnd type="none" w="med" len="med"/>
+                    </a:lnB>
+                  </a:tcPr>
+                </a:tc>
+                <a:tc>
+                  <a:txBody>
+                    <a:bodyPr/>
+                    <a:lstStyle/>
+                    <a:p>
+                      <a:pPr algn="ctr"/>
+                      <a:r>
+                        <a:rPr lang="fr-FR" sz="700" b="1"/>
+                        <a:t>0.1371</a:t>
+                      </a:r>
+                    </a:p>
+                  </a:txBody>
+                  <a:tcPr marL="24199" marR="24199" marT="12099" marB="12099" anchor="ctr">
+                    <a:lnL w="12700" cap="flat" cmpd="sng" algn="ctr">
+                      <a:solidFill>
+                        <a:schemeClr val="tx1"/>
+                      </a:solidFill>
+                      <a:prstDash val="solid"/>
+                      <a:round/>
+                      <a:headEnd type="none" w="med" len="med"/>
+                      <a:tailEnd type="none" w="med" len="med"/>
+                    </a:lnL>
+                    <a:lnR>
+                      <a:noFill/>
+                    </a:lnR>
+                    <a:lnT w="12700" cap="flat" cmpd="sng" algn="ctr">
+                      <a:solidFill>
+                        <a:schemeClr val="tx1"/>
+                      </a:solidFill>
+                      <a:prstDash val="solid"/>
+                      <a:round/>
+                      <a:headEnd type="none" w="med" len="med"/>
+                      <a:tailEnd type="none" w="med" len="med"/>
+                    </a:lnT>
+                    <a:lnB w="12700" cap="flat" cmpd="sng" algn="ctr">
+                      <a:solidFill>
+                        <a:schemeClr val="tx1"/>
+                      </a:solidFill>
+                      <a:prstDash val="solid"/>
+                      <a:round/>
+                      <a:headEnd type="none" w="med" len="med"/>
+                      <a:tailEnd type="none" w="med" len="med"/>
+                    </a:lnB>
+                  </a:tcPr>
+                </a:tc>
+                <a:extLst>
+                  <a:ext uri="{0D108BD9-81ED-4DB2-BD59-A6C34878D82A}">
+                    <a16:rowId xmlns:a16="http://schemas.microsoft.com/office/drawing/2014/main" val="1484146315"/>
+                  </a:ext>
+                </a:extLst>
+              </a:tr>
+              <a:tr h="125118">
+                <a:tc>
+                  <a:txBody>
+                    <a:bodyPr/>
+                    <a:lstStyle/>
+                    <a:p>
+                      <a:pPr algn="ctr"/>
+                      <a:r>
+                        <a:rPr lang="fr-FR" sz="700" b="1"/>
+                        <a:t>16</a:t>
+                      </a:r>
+                    </a:p>
+                  </a:txBody>
+                  <a:tcPr marL="24199" marR="24199" marT="12099" marB="12099" anchor="ctr">
+                    <a:lnL>
+                      <a:noFill/>
+                    </a:lnL>
+                    <a:lnR w="12700" cap="flat" cmpd="sng" algn="ctr">
+                      <a:solidFill>
+                        <a:schemeClr val="tx1"/>
+                      </a:solidFill>
+                      <a:prstDash val="solid"/>
+                      <a:round/>
+                      <a:headEnd type="none" w="med" len="med"/>
+                      <a:tailEnd type="none" w="med" len="med"/>
+                    </a:lnR>
+                    <a:lnT w="12700" cap="flat" cmpd="sng" algn="ctr">
+                      <a:solidFill>
+                        <a:schemeClr val="tx1"/>
+                      </a:solidFill>
+                      <a:prstDash val="solid"/>
+                      <a:round/>
+                      <a:headEnd type="none" w="med" len="med"/>
+                      <a:tailEnd type="none" w="med" len="med"/>
+                    </a:lnT>
+                    <a:lnB w="12700" cap="flat" cmpd="sng" algn="ctr">
+                      <a:solidFill>
+                        <a:schemeClr val="tx1"/>
+                      </a:solidFill>
+                      <a:prstDash val="solid"/>
+                      <a:round/>
+                      <a:headEnd type="none" w="med" len="med"/>
+                      <a:tailEnd type="none" w="med" len="med"/>
+                    </a:lnB>
+                  </a:tcPr>
+                </a:tc>
+                <a:tc>
+                  <a:txBody>
+                    <a:bodyPr/>
+                    <a:lstStyle/>
+                    <a:p>
+                      <a:pPr algn="ctr"/>
+                      <a:r>
+                        <a:rPr lang="fr-FR" sz="700" b="1"/>
+                        <a:t>ag</a:t>
+                      </a:r>
+                    </a:p>
+                  </a:txBody>
+                  <a:tcPr marL="24199" marR="24199" marT="12099" marB="12099" anchor="ctr">
+                    <a:lnL w="12700" cap="flat" cmpd="sng" algn="ctr">
+                      <a:solidFill>
+                        <a:schemeClr val="tx1"/>
+                      </a:solidFill>
+                      <a:prstDash val="solid"/>
+                      <a:round/>
+                      <a:headEnd type="none" w="med" len="med"/>
+                      <a:tailEnd type="none" w="med" len="med"/>
+                    </a:lnL>
+                    <a:lnR w="12700" cap="flat" cmpd="sng" algn="ctr">
+                      <a:solidFill>
+                        <a:schemeClr val="tx1"/>
+                      </a:solidFill>
+                      <a:prstDash val="solid"/>
+                      <a:round/>
+                      <a:headEnd type="none" w="med" len="med"/>
+                      <a:tailEnd type="none" w="med" len="med"/>
+                    </a:lnR>
+                    <a:lnT w="12700" cap="flat" cmpd="sng" algn="ctr">
+                      <a:solidFill>
+                        <a:schemeClr val="tx1"/>
+                      </a:solidFill>
+                      <a:prstDash val="solid"/>
+                      <a:round/>
+                      <a:headEnd type="none" w="med" len="med"/>
+                      <a:tailEnd type="none" w="med" len="med"/>
+                    </a:lnT>
+                    <a:lnB w="12700" cap="flat" cmpd="sng" algn="ctr">
+                      <a:solidFill>
+                        <a:schemeClr val="tx1"/>
+                      </a:solidFill>
+                      <a:prstDash val="solid"/>
+                      <a:round/>
+                      <a:headEnd type="none" w="med" len="med"/>
+                      <a:tailEnd type="none" w="med" len="med"/>
+                    </a:lnB>
+                  </a:tcPr>
+                </a:tc>
+                <a:tc>
+                  <a:txBody>
+                    <a:bodyPr/>
+                    <a:lstStyle/>
+                    <a:p>
+                      <a:pPr algn="ctr"/>
+                      <a:r>
+                        <a:rPr lang="fr-FR" sz="700" b="1"/>
+                        <a:t>0.0416</a:t>
+                      </a:r>
+                    </a:p>
+                  </a:txBody>
+                  <a:tcPr marL="24199" marR="24199" marT="12099" marB="12099" anchor="ctr">
+                    <a:lnL w="12700" cap="flat" cmpd="sng" algn="ctr">
+                      <a:solidFill>
+                        <a:schemeClr val="tx1"/>
+                      </a:solidFill>
+                      <a:prstDash val="solid"/>
+                      <a:round/>
+                      <a:headEnd type="none" w="med" len="med"/>
+                      <a:tailEnd type="none" w="med" len="med"/>
+                    </a:lnL>
+                    <a:lnR>
+                      <a:noFill/>
+                    </a:lnR>
+                    <a:lnT w="12700" cap="flat" cmpd="sng" algn="ctr">
+                      <a:solidFill>
+                        <a:schemeClr val="tx1"/>
+                      </a:solidFill>
+                      <a:prstDash val="solid"/>
+                      <a:round/>
+                      <a:headEnd type="none" w="med" len="med"/>
+                      <a:tailEnd type="none" w="med" len="med"/>
+                    </a:lnT>
+                    <a:lnB w="12700" cap="flat" cmpd="sng" algn="ctr">
+                      <a:solidFill>
+                        <a:schemeClr val="tx1"/>
+                      </a:solidFill>
+                      <a:prstDash val="solid"/>
+                      <a:round/>
+                      <a:headEnd type="none" w="med" len="med"/>
+                      <a:tailEnd type="none" w="med" len="med"/>
+                    </a:lnB>
+                  </a:tcPr>
+                </a:tc>
+                <a:extLst>
+                  <a:ext uri="{0D108BD9-81ED-4DB2-BD59-A6C34878D82A}">
+                    <a16:rowId xmlns:a16="http://schemas.microsoft.com/office/drawing/2014/main" val="3569000208"/>
+                  </a:ext>
+                </a:extLst>
+              </a:tr>
+              <a:tr h="125118">
+                <a:tc>
+                  <a:txBody>
+                    <a:bodyPr/>
+                    <a:lstStyle/>
+                    <a:p>
+                      <a:pPr algn="ctr"/>
+                      <a:r>
+                        <a:rPr lang="fr-FR" sz="700" b="1"/>
+                        <a:t>17</a:t>
+                      </a:r>
+                    </a:p>
+                  </a:txBody>
+                  <a:tcPr marL="24199" marR="24199" marT="12099" marB="12099" anchor="ctr">
+                    <a:lnL>
+                      <a:noFill/>
+                    </a:lnL>
+                    <a:lnR w="12700" cap="flat" cmpd="sng" algn="ctr">
+                      <a:solidFill>
+                        <a:schemeClr val="tx1"/>
+                      </a:solidFill>
+                      <a:prstDash val="solid"/>
+                      <a:round/>
+                      <a:headEnd type="none" w="med" len="med"/>
+                      <a:tailEnd type="none" w="med" len="med"/>
+                    </a:lnR>
+                    <a:lnT w="12700" cap="flat" cmpd="sng" algn="ctr">
+                      <a:solidFill>
+                        <a:schemeClr val="tx1"/>
+                      </a:solidFill>
+                      <a:prstDash val="solid"/>
+                      <a:round/>
+                      <a:headEnd type="none" w="med" len="med"/>
+                      <a:tailEnd type="none" w="med" len="med"/>
+                    </a:lnT>
+                    <a:lnB w="12700" cap="flat" cmpd="sng" algn="ctr">
+                      <a:solidFill>
+                        <a:schemeClr val="tx1"/>
+                      </a:solidFill>
+                      <a:prstDash val="solid"/>
+                      <a:round/>
+                      <a:headEnd type="none" w="med" len="med"/>
+                      <a:tailEnd type="none" w="med" len="med"/>
+                    </a:lnB>
+                  </a:tcPr>
+                </a:tc>
+                <a:tc>
+                  <a:txBody>
+                    <a:bodyPr/>
+                    <a:lstStyle/>
+                    <a:p>
+                      <a:pPr algn="ctr"/>
+                      <a:r>
+                        <a:rPr lang="fr-FR" sz="700" b="1"/>
+                        <a:t>LOUCHE</a:t>
+                      </a:r>
+                    </a:p>
+                  </a:txBody>
+                  <a:tcPr marL="24199" marR="24199" marT="12099" marB="12099" anchor="ctr">
+                    <a:lnL w="12700" cap="flat" cmpd="sng" algn="ctr">
+                      <a:solidFill>
+                        <a:schemeClr val="tx1"/>
+                      </a:solidFill>
+                      <a:prstDash val="solid"/>
+                      <a:round/>
+                      <a:headEnd type="none" w="med" len="med"/>
+                      <a:tailEnd type="none" w="med" len="med"/>
+                    </a:lnL>
+                    <a:lnR w="12700" cap="flat" cmpd="sng" algn="ctr">
+                      <a:solidFill>
+                        <a:schemeClr val="tx1"/>
+                      </a:solidFill>
+                      <a:prstDash val="solid"/>
+                      <a:round/>
+                      <a:headEnd type="none" w="med" len="med"/>
+                      <a:tailEnd type="none" w="med" len="med"/>
+                    </a:lnR>
+                    <a:lnT w="12700" cap="flat" cmpd="sng" algn="ctr">
+                      <a:solidFill>
+                        <a:schemeClr val="tx1"/>
+                      </a:solidFill>
+                      <a:prstDash val="solid"/>
+                      <a:round/>
+                      <a:headEnd type="none" w="med" len="med"/>
+                      <a:tailEnd type="none" w="med" len="med"/>
+                    </a:lnT>
+                    <a:lnB w="12700" cap="flat" cmpd="sng" algn="ctr">
+                      <a:solidFill>
+                        <a:schemeClr val="tx1"/>
+                      </a:solidFill>
+                      <a:prstDash val="solid"/>
+                      <a:round/>
+                      <a:headEnd type="none" w="med" len="med"/>
+                      <a:tailEnd type="none" w="med" len="med"/>
+                    </a:lnB>
+                  </a:tcPr>
+                </a:tc>
+                <a:tc>
+                  <a:txBody>
+                    <a:bodyPr/>
+                    <a:lstStyle/>
+                    <a:p>
+                      <a:pPr algn="ctr"/>
+                      <a:r>
+                        <a:rPr lang="fr-FR" sz="700" b="1"/>
+                        <a:t>0.9733</a:t>
+                      </a:r>
+                    </a:p>
+                  </a:txBody>
+                  <a:tcPr marL="24199" marR="24199" marT="12099" marB="12099" anchor="ctr">
+                    <a:lnL w="12700" cap="flat" cmpd="sng" algn="ctr">
+                      <a:solidFill>
+                        <a:schemeClr val="tx1"/>
+                      </a:solidFill>
+                      <a:prstDash val="solid"/>
+                      <a:round/>
+                      <a:headEnd type="none" w="med" len="med"/>
+                      <a:tailEnd type="none" w="med" len="med"/>
+                    </a:lnL>
+                    <a:lnR>
+                      <a:noFill/>
+                    </a:lnR>
+                    <a:lnT w="12700" cap="flat" cmpd="sng" algn="ctr">
+                      <a:solidFill>
+                        <a:schemeClr val="tx1"/>
+                      </a:solidFill>
+                      <a:prstDash val="solid"/>
+                      <a:round/>
+                      <a:headEnd type="none" w="med" len="med"/>
+                      <a:tailEnd type="none" w="med" len="med"/>
+                    </a:lnT>
+                    <a:lnB w="12700" cap="flat" cmpd="sng" algn="ctr">
+                      <a:solidFill>
+                        <a:schemeClr val="tx1"/>
+                      </a:solidFill>
+                      <a:prstDash val="solid"/>
+                      <a:round/>
+                      <a:headEnd type="none" w="med" len="med"/>
+                      <a:tailEnd type="none" w="med" len="med"/>
+                    </a:lnB>
+                  </a:tcPr>
+                </a:tc>
+                <a:extLst>
+                  <a:ext uri="{0D108BD9-81ED-4DB2-BD59-A6C34878D82A}">
+                    <a16:rowId xmlns:a16="http://schemas.microsoft.com/office/drawing/2014/main" val="151935705"/>
+                  </a:ext>
+                </a:extLst>
+              </a:tr>
+              <a:tr h="125118">
+                <a:tc>
+                  <a:txBody>
+                    <a:bodyPr/>
+                    <a:lstStyle/>
+                    <a:p>
+                      <a:pPr algn="ctr"/>
+                      <a:r>
+                        <a:rPr lang="fr-FR" sz="700" b="1"/>
+                        <a:t>18</a:t>
+                      </a:r>
+                    </a:p>
+                  </a:txBody>
+                  <a:tcPr marL="24199" marR="24199" marT="12099" marB="12099" anchor="ctr">
+                    <a:lnL>
+                      <a:noFill/>
+                    </a:lnL>
+                    <a:lnR w="12700" cap="flat" cmpd="sng" algn="ctr">
+                      <a:solidFill>
+                        <a:schemeClr val="tx1"/>
+                      </a:solidFill>
+                      <a:prstDash val="solid"/>
+                      <a:round/>
+                      <a:headEnd type="none" w="med" len="med"/>
+                      <a:tailEnd type="none" w="med" len="med"/>
+                    </a:lnR>
+                    <a:lnT w="12700" cap="flat" cmpd="sng" algn="ctr">
+                      <a:solidFill>
+                        <a:schemeClr val="tx1"/>
+                      </a:solidFill>
+                      <a:prstDash val="solid"/>
+                      <a:round/>
+                      <a:headEnd type="none" w="med" len="med"/>
+                      <a:tailEnd type="none" w="med" len="med"/>
+                    </a:lnT>
+                    <a:lnB w="12700" cap="flat" cmpd="sng" algn="ctr">
+                      <a:solidFill>
+                        <a:schemeClr val="tx1"/>
+                      </a:solidFill>
+                      <a:prstDash val="solid"/>
+                      <a:round/>
+                      <a:headEnd type="none" w="med" len="med"/>
+                      <a:tailEnd type="none" w="med" len="med"/>
+                    </a:lnB>
+                  </a:tcPr>
+                </a:tc>
+                <a:tc>
+                  <a:txBody>
+                    <a:bodyPr/>
+                    <a:lstStyle/>
+                    <a:p>
+                      <a:pPr algn="ctr"/>
+                      <a:r>
+                        <a:rPr lang="fr-FR" sz="700" b="1" dirty="0"/>
+                        <a:t>MODE</a:t>
+                      </a:r>
+                    </a:p>
+                  </a:txBody>
+                  <a:tcPr marL="24199" marR="24199" marT="12099" marB="12099" anchor="ctr">
+                    <a:lnL w="12700" cap="flat" cmpd="sng" algn="ctr">
+                      <a:solidFill>
+                        <a:schemeClr val="tx1"/>
+                      </a:solidFill>
+                      <a:prstDash val="solid"/>
+                      <a:round/>
+                      <a:headEnd type="none" w="med" len="med"/>
+                      <a:tailEnd type="none" w="med" len="med"/>
+                    </a:lnL>
+                    <a:lnR w="12700" cap="flat" cmpd="sng" algn="ctr">
+                      <a:solidFill>
+                        <a:schemeClr val="tx1"/>
+                      </a:solidFill>
+                      <a:prstDash val="solid"/>
+                      <a:round/>
+                      <a:headEnd type="none" w="med" len="med"/>
+                      <a:tailEnd type="none" w="med" len="med"/>
+                    </a:lnR>
+                    <a:lnT w="12700" cap="flat" cmpd="sng" algn="ctr">
+                      <a:solidFill>
+                        <a:schemeClr val="tx1"/>
+                      </a:solidFill>
+                      <a:prstDash val="solid"/>
+                      <a:round/>
+                      <a:headEnd type="none" w="med" len="med"/>
+                      <a:tailEnd type="none" w="med" len="med"/>
+                    </a:lnT>
+                    <a:lnB w="12700" cap="flat" cmpd="sng" algn="ctr">
+                      <a:solidFill>
+                        <a:schemeClr val="tx1"/>
+                      </a:solidFill>
+                      <a:prstDash val="solid"/>
+                      <a:round/>
+                      <a:headEnd type="none" w="med" len="med"/>
+                      <a:tailEnd type="none" w="med" len="med"/>
+                    </a:lnB>
+                  </a:tcPr>
+                </a:tc>
+                <a:tc>
+                  <a:txBody>
+                    <a:bodyPr/>
+                    <a:lstStyle/>
+                    <a:p>
+                      <a:pPr algn="ctr"/>
+                      <a:r>
+                        <a:rPr lang="fr-FR" sz="700" b="1"/>
+                        <a:t>0.9975</a:t>
+                      </a:r>
+                    </a:p>
+                  </a:txBody>
+                  <a:tcPr marL="24199" marR="24199" marT="12099" marB="12099" anchor="ctr">
+                    <a:lnL w="12700" cap="flat" cmpd="sng" algn="ctr">
+                      <a:solidFill>
+                        <a:schemeClr val="tx1"/>
+                      </a:solidFill>
+                      <a:prstDash val="solid"/>
+                      <a:round/>
+                      <a:headEnd type="none" w="med" len="med"/>
+                      <a:tailEnd type="none" w="med" len="med"/>
+                    </a:lnL>
+                    <a:lnR>
+                      <a:noFill/>
+                    </a:lnR>
+                    <a:lnT w="12700" cap="flat" cmpd="sng" algn="ctr">
+                      <a:solidFill>
+                        <a:schemeClr val="tx1"/>
+                      </a:solidFill>
+                      <a:prstDash val="solid"/>
+                      <a:round/>
+                      <a:headEnd type="none" w="med" len="med"/>
+                      <a:tailEnd type="none" w="med" len="med"/>
+                    </a:lnT>
+                    <a:lnB w="12700" cap="flat" cmpd="sng" algn="ctr">
+                      <a:solidFill>
+                        <a:schemeClr val="tx1"/>
+                      </a:solidFill>
+                      <a:prstDash val="solid"/>
+                      <a:round/>
+                      <a:headEnd type="none" w="med" len="med"/>
+                      <a:tailEnd type="none" w="med" len="med"/>
+                    </a:lnB>
+                  </a:tcPr>
+                </a:tc>
+                <a:extLst>
+                  <a:ext uri="{0D108BD9-81ED-4DB2-BD59-A6C34878D82A}">
+                    <a16:rowId xmlns:a16="http://schemas.microsoft.com/office/drawing/2014/main" val="4173559770"/>
+                  </a:ext>
+                </a:extLst>
+              </a:tr>
+              <a:tr h="125118">
+                <a:tc>
+                  <a:txBody>
+                    <a:bodyPr/>
+                    <a:lstStyle/>
+                    <a:p>
+                      <a:pPr algn="ctr"/>
+                      <a:r>
+                        <a:rPr lang="fr-FR" sz="700" b="1"/>
+                        <a:t>19</a:t>
+                      </a:r>
+                    </a:p>
+                  </a:txBody>
+                  <a:tcPr marL="24199" marR="24199" marT="12099" marB="12099" anchor="ctr">
+                    <a:lnL>
+                      <a:noFill/>
+                    </a:lnL>
+                    <a:lnR w="12700" cap="flat" cmpd="sng" algn="ctr">
+                      <a:solidFill>
+                        <a:schemeClr val="tx1"/>
+                      </a:solidFill>
+                      <a:prstDash val="solid"/>
+                      <a:round/>
+                      <a:headEnd type="none" w="med" len="med"/>
+                      <a:tailEnd type="none" w="med" len="med"/>
+                    </a:lnR>
+                    <a:lnT w="12700" cap="flat" cmpd="sng" algn="ctr">
+                      <a:solidFill>
+                        <a:schemeClr val="tx1"/>
+                      </a:solidFill>
+                      <a:prstDash val="solid"/>
+                      <a:round/>
+                      <a:headEnd type="none" w="med" len="med"/>
+                      <a:tailEnd type="none" w="med" len="med"/>
+                    </a:lnT>
+                    <a:lnB w="12700" cap="flat" cmpd="sng" algn="ctr">
+                      <a:solidFill>
+                        <a:schemeClr val="tx1"/>
+                      </a:solidFill>
+                      <a:prstDash val="solid"/>
+                      <a:round/>
+                      <a:headEnd type="none" w="med" len="med"/>
+                      <a:tailEnd type="none" w="med" len="med"/>
+                    </a:lnB>
+                  </a:tcPr>
+                </a:tc>
+                <a:tc>
+                  <a:txBody>
+                    <a:bodyPr/>
+                    <a:lstStyle/>
+                    <a:p>
+                      <a:pPr algn="ctr"/>
+                      <a:r>
+                        <a:rPr lang="fr-FR" sz="700" b="1"/>
+                        <a:t>VOITURE</a:t>
+                      </a:r>
+                    </a:p>
+                  </a:txBody>
+                  <a:tcPr marL="24199" marR="24199" marT="12099" marB="12099" anchor="ctr">
+                    <a:lnL w="12700" cap="flat" cmpd="sng" algn="ctr">
+                      <a:solidFill>
+                        <a:schemeClr val="tx1"/>
+                      </a:solidFill>
+                      <a:prstDash val="solid"/>
+                      <a:round/>
+                      <a:headEnd type="none" w="med" len="med"/>
+                      <a:tailEnd type="none" w="med" len="med"/>
+                    </a:lnL>
+                    <a:lnR w="12700" cap="flat" cmpd="sng" algn="ctr">
+                      <a:solidFill>
+                        <a:schemeClr val="tx1"/>
+                      </a:solidFill>
+                      <a:prstDash val="solid"/>
+                      <a:round/>
+                      <a:headEnd type="none" w="med" len="med"/>
+                      <a:tailEnd type="none" w="med" len="med"/>
+                    </a:lnR>
+                    <a:lnT w="12700" cap="flat" cmpd="sng" algn="ctr">
+                      <a:solidFill>
+                        <a:schemeClr val="tx1"/>
+                      </a:solidFill>
+                      <a:prstDash val="solid"/>
+                      <a:round/>
+                      <a:headEnd type="none" w="med" len="med"/>
+                      <a:tailEnd type="none" w="med" len="med"/>
+                    </a:lnT>
+                    <a:lnB w="12700" cap="flat" cmpd="sng" algn="ctr">
+                      <a:solidFill>
+                        <a:schemeClr val="tx1"/>
+                      </a:solidFill>
+                      <a:prstDash val="solid"/>
+                      <a:round/>
+                      <a:headEnd type="none" w="med" len="med"/>
+                      <a:tailEnd type="none" w="med" len="med"/>
+                    </a:lnB>
+                  </a:tcPr>
+                </a:tc>
+                <a:tc>
+                  <a:txBody>
+                    <a:bodyPr/>
+                    <a:lstStyle/>
+                    <a:p>
+                      <a:pPr algn="ctr"/>
+                      <a:r>
+                        <a:rPr lang="fr-FR" sz="700" b="1"/>
+                        <a:t>0.9955</a:t>
+                      </a:r>
+                    </a:p>
+                  </a:txBody>
+                  <a:tcPr marL="24199" marR="24199" marT="12099" marB="12099" anchor="ctr">
+                    <a:lnL w="12700" cap="flat" cmpd="sng" algn="ctr">
+                      <a:solidFill>
+                        <a:schemeClr val="tx1"/>
+                      </a:solidFill>
+                      <a:prstDash val="solid"/>
+                      <a:round/>
+                      <a:headEnd type="none" w="med" len="med"/>
+                      <a:tailEnd type="none" w="med" len="med"/>
+                    </a:lnL>
+                    <a:lnR>
+                      <a:noFill/>
+                    </a:lnR>
+                    <a:lnT w="12700" cap="flat" cmpd="sng" algn="ctr">
+                      <a:solidFill>
+                        <a:schemeClr val="tx1"/>
+                      </a:solidFill>
+                      <a:prstDash val="solid"/>
+                      <a:round/>
+                      <a:headEnd type="none" w="med" len="med"/>
+                      <a:tailEnd type="none" w="med" len="med"/>
+                    </a:lnT>
+                    <a:lnB w="12700" cap="flat" cmpd="sng" algn="ctr">
+                      <a:solidFill>
+                        <a:schemeClr val="tx1"/>
+                      </a:solidFill>
+                      <a:prstDash val="solid"/>
+                      <a:round/>
+                      <a:headEnd type="none" w="med" len="med"/>
+                      <a:tailEnd type="none" w="med" len="med"/>
+                    </a:lnB>
+                  </a:tcPr>
+                </a:tc>
+                <a:extLst>
+                  <a:ext uri="{0D108BD9-81ED-4DB2-BD59-A6C34878D82A}">
+                    <a16:rowId xmlns:a16="http://schemas.microsoft.com/office/drawing/2014/main" val="2913085026"/>
+                  </a:ext>
+                </a:extLst>
+              </a:tr>
+              <a:tr h="125118">
+                <a:tc>
+                  <a:txBody>
+                    <a:bodyPr/>
+                    <a:lstStyle/>
+                    <a:p>
+                      <a:pPr algn="ctr"/>
+                      <a:r>
+                        <a:rPr lang="fr-FR" sz="700" b="1"/>
+                        <a:t>20</a:t>
+                      </a:r>
+                    </a:p>
+                  </a:txBody>
+                  <a:tcPr marL="24199" marR="24199" marT="12099" marB="12099" anchor="ctr">
+                    <a:lnL>
+                      <a:noFill/>
+                    </a:lnL>
+                    <a:lnR w="12700" cap="flat" cmpd="sng" algn="ctr">
+                      <a:solidFill>
+                        <a:schemeClr val="tx1"/>
+                      </a:solidFill>
+                      <a:prstDash val="solid"/>
+                      <a:round/>
+                      <a:headEnd type="none" w="med" len="med"/>
+                      <a:tailEnd type="none" w="med" len="med"/>
+                    </a:lnR>
+                    <a:lnT w="12700" cap="flat" cmpd="sng" algn="ctr">
+                      <a:solidFill>
+                        <a:schemeClr val="tx1"/>
+                      </a:solidFill>
+                      <a:prstDash val="solid"/>
+                      <a:round/>
+                      <a:headEnd type="none" w="med" len="med"/>
+                      <a:tailEnd type="none" w="med" len="med"/>
+                    </a:lnT>
+                    <a:lnB w="12700" cap="flat" cmpd="sng" algn="ctr">
+                      <a:solidFill>
+                        <a:schemeClr val="tx1"/>
+                      </a:solidFill>
+                      <a:prstDash val="solid"/>
+                      <a:round/>
+                      <a:headEnd type="none" w="med" len="med"/>
+                      <a:tailEnd type="none" w="med" len="med"/>
+                    </a:lnB>
+                  </a:tcPr>
+                </a:tc>
+                <a:tc>
+                  <a:txBody>
+                    <a:bodyPr/>
+                    <a:lstStyle/>
+                    <a:p>
+                      <a:pPr algn="ctr"/>
+                      <a:r>
+                        <a:rPr lang="fr-FR" sz="700" b="1"/>
+                        <a:t>HEROS</a:t>
+                      </a:r>
+                    </a:p>
+                  </a:txBody>
+                  <a:tcPr marL="24199" marR="24199" marT="12099" marB="12099" anchor="ctr">
+                    <a:lnL w="12700" cap="flat" cmpd="sng" algn="ctr">
+                      <a:solidFill>
+                        <a:schemeClr val="tx1"/>
+                      </a:solidFill>
+                      <a:prstDash val="solid"/>
+                      <a:round/>
+                      <a:headEnd type="none" w="med" len="med"/>
+                      <a:tailEnd type="none" w="med" len="med"/>
+                    </a:lnL>
+                    <a:lnR w="12700" cap="flat" cmpd="sng" algn="ctr">
+                      <a:solidFill>
+                        <a:schemeClr val="tx1"/>
+                      </a:solidFill>
+                      <a:prstDash val="solid"/>
+                      <a:round/>
+                      <a:headEnd type="none" w="med" len="med"/>
+                      <a:tailEnd type="none" w="med" len="med"/>
+                    </a:lnR>
+                    <a:lnT w="12700" cap="flat" cmpd="sng" algn="ctr">
+                      <a:solidFill>
+                        <a:schemeClr val="tx1"/>
+                      </a:solidFill>
+                      <a:prstDash val="solid"/>
+                      <a:round/>
+                      <a:headEnd type="none" w="med" len="med"/>
+                      <a:tailEnd type="none" w="med" len="med"/>
+                    </a:lnT>
+                    <a:lnB w="12700" cap="flat" cmpd="sng" algn="ctr">
+                      <a:solidFill>
+                        <a:schemeClr val="tx1"/>
+                      </a:solidFill>
+                      <a:prstDash val="solid"/>
+                      <a:round/>
+                      <a:headEnd type="none" w="med" len="med"/>
+                      <a:tailEnd type="none" w="med" len="med"/>
+                    </a:lnB>
+                  </a:tcPr>
+                </a:tc>
+                <a:tc>
+                  <a:txBody>
+                    <a:bodyPr/>
+                    <a:lstStyle/>
+                    <a:p>
+                      <a:pPr algn="ctr"/>
+                      <a:r>
+                        <a:rPr lang="fr-FR" sz="700" b="1"/>
+                        <a:t>0.9137</a:t>
+                      </a:r>
+                    </a:p>
+                  </a:txBody>
+                  <a:tcPr marL="24199" marR="24199" marT="12099" marB="12099" anchor="ctr">
+                    <a:lnL w="12700" cap="flat" cmpd="sng" algn="ctr">
+                      <a:solidFill>
+                        <a:schemeClr val="tx1"/>
+                      </a:solidFill>
+                      <a:prstDash val="solid"/>
+                      <a:round/>
+                      <a:headEnd type="none" w="med" len="med"/>
+                      <a:tailEnd type="none" w="med" len="med"/>
+                    </a:lnL>
+                    <a:lnR>
+                      <a:noFill/>
+                    </a:lnR>
+                    <a:lnT w="12700" cap="flat" cmpd="sng" algn="ctr">
+                      <a:solidFill>
+                        <a:schemeClr val="tx1"/>
+                      </a:solidFill>
+                      <a:prstDash val="solid"/>
+                      <a:round/>
+                      <a:headEnd type="none" w="med" len="med"/>
+                      <a:tailEnd type="none" w="med" len="med"/>
+                    </a:lnT>
+                    <a:lnB w="12700" cap="flat" cmpd="sng" algn="ctr">
+                      <a:solidFill>
+                        <a:schemeClr val="tx1"/>
+                      </a:solidFill>
+                      <a:prstDash val="solid"/>
+                      <a:round/>
+                      <a:headEnd type="none" w="med" len="med"/>
+                      <a:tailEnd type="none" w="med" len="med"/>
+                    </a:lnB>
+                  </a:tcPr>
+                </a:tc>
+                <a:extLst>
+                  <a:ext uri="{0D108BD9-81ED-4DB2-BD59-A6C34878D82A}">
+                    <a16:rowId xmlns:a16="http://schemas.microsoft.com/office/drawing/2014/main" val="465403515"/>
+                  </a:ext>
+                </a:extLst>
+              </a:tr>
+              <a:tr h="125118">
+                <a:tc>
+                  <a:txBody>
+                    <a:bodyPr/>
+                    <a:lstStyle/>
+                    <a:p>
+                      <a:pPr algn="ctr"/>
+                      <a:r>
+                        <a:rPr lang="fr-FR" sz="700" b="1"/>
+                        <a:t>21</a:t>
+                      </a:r>
+                    </a:p>
+                  </a:txBody>
+                  <a:tcPr marL="24199" marR="24199" marT="12099" marB="12099" anchor="ctr">
+                    <a:lnL>
+                      <a:noFill/>
+                    </a:lnL>
+                    <a:lnR w="12700" cap="flat" cmpd="sng" algn="ctr">
+                      <a:solidFill>
+                        <a:schemeClr val="tx1"/>
+                      </a:solidFill>
+                      <a:prstDash val="solid"/>
+                      <a:round/>
+                      <a:headEnd type="none" w="med" len="med"/>
+                      <a:tailEnd type="none" w="med" len="med"/>
+                    </a:lnR>
+                    <a:lnT w="12700" cap="flat" cmpd="sng" algn="ctr">
+                      <a:solidFill>
+                        <a:schemeClr val="tx1"/>
+                      </a:solidFill>
+                      <a:prstDash val="solid"/>
+                      <a:round/>
+                      <a:headEnd type="none" w="med" len="med"/>
+                      <a:tailEnd type="none" w="med" len="med"/>
+                    </a:lnT>
+                    <a:lnB w="12700" cap="flat" cmpd="sng" algn="ctr">
+                      <a:solidFill>
+                        <a:schemeClr val="tx1"/>
+                      </a:solidFill>
+                      <a:prstDash val="solid"/>
+                      <a:round/>
+                      <a:headEnd type="none" w="med" len="med"/>
+                      <a:tailEnd type="none" w="med" len="med"/>
+                    </a:lnB>
+                  </a:tcPr>
+                </a:tc>
+                <a:tc>
+                  <a:txBody>
+                    <a:bodyPr/>
+                    <a:lstStyle/>
+                    <a:p>
+                      <a:pPr algn="ctr"/>
+                      <a:r>
+                        <a:rPr lang="fr-FR" sz="700" b="1" dirty="0"/>
+                        <a:t>JOURNAL</a:t>
+                      </a:r>
+                    </a:p>
+                  </a:txBody>
+                  <a:tcPr marL="24199" marR="24199" marT="12099" marB="12099" anchor="ctr">
+                    <a:lnL w="12700" cap="flat" cmpd="sng" algn="ctr">
+                      <a:solidFill>
+                        <a:schemeClr val="tx1"/>
+                      </a:solidFill>
+                      <a:prstDash val="solid"/>
+                      <a:round/>
+                      <a:headEnd type="none" w="med" len="med"/>
+                      <a:tailEnd type="none" w="med" len="med"/>
+                    </a:lnL>
+                    <a:lnR w="12700" cap="flat" cmpd="sng" algn="ctr">
+                      <a:solidFill>
+                        <a:schemeClr val="tx1"/>
+                      </a:solidFill>
+                      <a:prstDash val="solid"/>
+                      <a:round/>
+                      <a:headEnd type="none" w="med" len="med"/>
+                      <a:tailEnd type="none" w="med" len="med"/>
+                    </a:lnR>
+                    <a:lnT w="12700" cap="flat" cmpd="sng" algn="ctr">
+                      <a:solidFill>
+                        <a:schemeClr val="tx1"/>
+                      </a:solidFill>
+                      <a:prstDash val="solid"/>
+                      <a:round/>
+                      <a:headEnd type="none" w="med" len="med"/>
+                      <a:tailEnd type="none" w="med" len="med"/>
+                    </a:lnT>
+                    <a:lnB w="12700" cap="flat" cmpd="sng" algn="ctr">
+                      <a:solidFill>
+                        <a:schemeClr val="tx1"/>
+                      </a:solidFill>
+                      <a:prstDash val="solid"/>
+                      <a:round/>
+                      <a:headEnd type="none" w="med" len="med"/>
+                      <a:tailEnd type="none" w="med" len="med"/>
+                    </a:lnB>
+                  </a:tcPr>
+                </a:tc>
+                <a:tc>
+                  <a:txBody>
+                    <a:bodyPr/>
+                    <a:lstStyle/>
+                    <a:p>
+                      <a:pPr algn="ctr"/>
+                      <a:r>
+                        <a:rPr lang="fr-FR" sz="700" b="1"/>
+                        <a:t>0.9975</a:t>
+                      </a:r>
+                    </a:p>
+                  </a:txBody>
+                  <a:tcPr marL="24199" marR="24199" marT="12099" marB="12099" anchor="ctr">
+                    <a:lnL w="12700" cap="flat" cmpd="sng" algn="ctr">
+                      <a:solidFill>
+                        <a:schemeClr val="tx1"/>
+                      </a:solidFill>
+                      <a:prstDash val="solid"/>
+                      <a:round/>
+                      <a:headEnd type="none" w="med" len="med"/>
+                      <a:tailEnd type="none" w="med" len="med"/>
+                    </a:lnL>
+                    <a:lnR>
+                      <a:noFill/>
+                    </a:lnR>
+                    <a:lnT w="12700" cap="flat" cmpd="sng" algn="ctr">
+                      <a:solidFill>
+                        <a:schemeClr val="tx1"/>
+                      </a:solidFill>
+                      <a:prstDash val="solid"/>
+                      <a:round/>
+                      <a:headEnd type="none" w="med" len="med"/>
+                      <a:tailEnd type="none" w="med" len="med"/>
+                    </a:lnT>
+                    <a:lnB w="12700" cap="flat" cmpd="sng" algn="ctr">
+                      <a:solidFill>
+                        <a:schemeClr val="tx1"/>
+                      </a:solidFill>
+                      <a:prstDash val="solid"/>
+                      <a:round/>
+                      <a:headEnd type="none" w="med" len="med"/>
+                      <a:tailEnd type="none" w="med" len="med"/>
+                    </a:lnB>
+                  </a:tcPr>
+                </a:tc>
+                <a:extLst>
+                  <a:ext uri="{0D108BD9-81ED-4DB2-BD59-A6C34878D82A}">
+                    <a16:rowId xmlns:a16="http://schemas.microsoft.com/office/drawing/2014/main" val="2398480351"/>
+                  </a:ext>
+                </a:extLst>
+              </a:tr>
+              <a:tr h="125118">
+                <a:tc>
+                  <a:txBody>
+                    <a:bodyPr/>
+                    <a:lstStyle/>
+                    <a:p>
+                      <a:pPr algn="ctr"/>
+                      <a:r>
+                        <a:rPr lang="fr-FR" sz="700" b="1"/>
+                        <a:t>22</a:t>
+                      </a:r>
+                    </a:p>
+                  </a:txBody>
+                  <a:tcPr marL="24199" marR="24199" marT="12099" marB="12099" anchor="ctr">
+                    <a:lnL>
+                      <a:noFill/>
+                    </a:lnL>
+                    <a:lnR w="12700" cap="flat" cmpd="sng" algn="ctr">
+                      <a:solidFill>
+                        <a:schemeClr val="tx1"/>
+                      </a:solidFill>
+                      <a:prstDash val="solid"/>
+                      <a:round/>
+                      <a:headEnd type="none" w="med" len="med"/>
+                      <a:tailEnd type="none" w="med" len="med"/>
+                    </a:lnR>
+                    <a:lnT w="12700" cap="flat" cmpd="sng" algn="ctr">
+                      <a:solidFill>
+                        <a:schemeClr val="tx1"/>
+                      </a:solidFill>
+                      <a:prstDash val="solid"/>
+                      <a:round/>
+                      <a:headEnd type="none" w="med" len="med"/>
+                      <a:tailEnd type="none" w="med" len="med"/>
+                    </a:lnT>
+                    <a:lnB w="12700" cap="flat" cmpd="sng" algn="ctr">
+                      <a:solidFill>
+                        <a:schemeClr val="tx1"/>
+                      </a:solidFill>
+                      <a:prstDash val="solid"/>
+                      <a:round/>
+                      <a:headEnd type="none" w="med" len="med"/>
+                      <a:tailEnd type="none" w="med" len="med"/>
+                    </a:lnB>
+                  </a:tcPr>
+                </a:tc>
+                <a:tc>
+                  <a:txBody>
+                    <a:bodyPr/>
+                    <a:lstStyle/>
+                    <a:p>
+                      <a:pPr algn="ctr"/>
+                      <a:r>
+                        <a:rPr lang="fr-FR" sz="700" b="1" dirty="0"/>
+                        <a:t>' + '</a:t>
+                      </a:r>
+                    </a:p>
+                  </a:txBody>
+                  <a:tcPr marL="24199" marR="24199" marT="12099" marB="12099" anchor="ctr">
+                    <a:lnL w="12700" cap="flat" cmpd="sng" algn="ctr">
+                      <a:solidFill>
+                        <a:schemeClr val="tx1"/>
+                      </a:solidFill>
+                      <a:prstDash val="solid"/>
+                      <a:round/>
+                      <a:headEnd type="none" w="med" len="med"/>
+                      <a:tailEnd type="none" w="med" len="med"/>
+                    </a:lnL>
+                    <a:lnR w="12700" cap="flat" cmpd="sng" algn="ctr">
+                      <a:solidFill>
+                        <a:schemeClr val="tx1"/>
+                      </a:solidFill>
+                      <a:prstDash val="solid"/>
+                      <a:round/>
+                      <a:headEnd type="none" w="med" len="med"/>
+                      <a:tailEnd type="none" w="med" len="med"/>
+                    </a:lnR>
+                    <a:lnT w="12700" cap="flat" cmpd="sng" algn="ctr">
+                      <a:solidFill>
+                        <a:schemeClr val="tx1"/>
+                      </a:solidFill>
+                      <a:prstDash val="solid"/>
+                      <a:round/>
+                      <a:headEnd type="none" w="med" len="med"/>
+                      <a:tailEnd type="none" w="med" len="med"/>
+                    </a:lnT>
+                    <a:lnB w="12700" cap="flat" cmpd="sng" algn="ctr">
+                      <a:solidFill>
+                        <a:schemeClr val="tx1"/>
+                      </a:solidFill>
+                      <a:prstDash val="solid"/>
+                      <a:round/>
+                      <a:headEnd type="none" w="med" len="med"/>
+                      <a:tailEnd type="none" w="med" len="med"/>
+                    </a:lnB>
+                  </a:tcPr>
+                </a:tc>
+                <a:tc>
+                  <a:txBody>
+                    <a:bodyPr/>
+                    <a:lstStyle/>
+                    <a:p>
+                      <a:pPr algn="ctr"/>
+                      <a:r>
+                        <a:rPr lang="fr-FR" sz="700" b="1"/>
+                        <a:t>0.2388</a:t>
+                      </a:r>
+                    </a:p>
+                  </a:txBody>
+                  <a:tcPr marL="24199" marR="24199" marT="12099" marB="12099" anchor="ctr">
+                    <a:lnL w="12700" cap="flat" cmpd="sng" algn="ctr">
+                      <a:solidFill>
+                        <a:schemeClr val="tx1"/>
+                      </a:solidFill>
+                      <a:prstDash val="solid"/>
+                      <a:round/>
+                      <a:headEnd type="none" w="med" len="med"/>
+                      <a:tailEnd type="none" w="med" len="med"/>
+                    </a:lnL>
+                    <a:lnR>
+                      <a:noFill/>
+                    </a:lnR>
+                    <a:lnT w="12700" cap="flat" cmpd="sng" algn="ctr">
+                      <a:solidFill>
+                        <a:schemeClr val="tx1"/>
+                      </a:solidFill>
+                      <a:prstDash val="solid"/>
+                      <a:round/>
+                      <a:headEnd type="none" w="med" len="med"/>
+                      <a:tailEnd type="none" w="med" len="med"/>
+                    </a:lnT>
+                    <a:lnB w="12700" cap="flat" cmpd="sng" algn="ctr">
+                      <a:solidFill>
+                        <a:schemeClr val="tx1"/>
+                      </a:solidFill>
+                      <a:prstDash val="solid"/>
+                      <a:round/>
+                      <a:headEnd type="none" w="med" len="med"/>
+                      <a:tailEnd type="none" w="med" len="med"/>
+                    </a:lnB>
+                  </a:tcPr>
+                </a:tc>
+                <a:extLst>
+                  <a:ext uri="{0D108BD9-81ED-4DB2-BD59-A6C34878D82A}">
+                    <a16:rowId xmlns:a16="http://schemas.microsoft.com/office/drawing/2014/main" val="1292493197"/>
+                  </a:ext>
+                </a:extLst>
+              </a:tr>
+              <a:tr h="125118">
+                <a:tc>
+                  <a:txBody>
+                    <a:bodyPr/>
+                    <a:lstStyle/>
+                    <a:p>
+                      <a:pPr algn="ctr"/>
+                      <a:r>
+                        <a:rPr lang="fr-FR" sz="700" b="1"/>
+                        <a:t>23</a:t>
+                      </a:r>
+                    </a:p>
+                  </a:txBody>
+                  <a:tcPr marL="24199" marR="24199" marT="12099" marB="12099" anchor="ctr">
+                    <a:lnL>
+                      <a:noFill/>
+                    </a:lnL>
+                    <a:lnR w="12700" cap="flat" cmpd="sng" algn="ctr">
+                      <a:solidFill>
+                        <a:schemeClr val="tx1"/>
+                      </a:solidFill>
+                      <a:prstDash val="solid"/>
+                      <a:round/>
+                      <a:headEnd type="none" w="med" len="med"/>
+                      <a:tailEnd type="none" w="med" len="med"/>
+                    </a:lnR>
+                    <a:lnT w="12700" cap="flat" cmpd="sng" algn="ctr">
+                      <a:solidFill>
+                        <a:schemeClr val="tx1"/>
+                      </a:solidFill>
+                      <a:prstDash val="solid"/>
+                      <a:round/>
+                      <a:headEnd type="none" w="med" len="med"/>
+                      <a:tailEnd type="none" w="med" len="med"/>
+                    </a:lnT>
+                    <a:lnB w="12700" cap="flat" cmpd="sng" algn="ctr">
+                      <a:solidFill>
+                        <a:schemeClr val="tx1"/>
+                      </a:solidFill>
+                      <a:prstDash val="solid"/>
+                      <a:round/>
+                      <a:headEnd type="none" w="med" len="med"/>
+                      <a:tailEnd type="none" w="med" len="med"/>
+                    </a:lnB>
+                  </a:tcPr>
+                </a:tc>
+                <a:tc>
+                  <a:txBody>
+                    <a:bodyPr/>
+                    <a:lstStyle/>
+                    <a:p>
+                      <a:pPr algn="ctr"/>
+                      <a:r>
+                        <a:rPr lang="fr-FR" sz="700" b="1"/>
+                        <a:t>CELLULE</a:t>
+                      </a:r>
+                    </a:p>
+                  </a:txBody>
+                  <a:tcPr marL="24199" marR="24199" marT="12099" marB="12099" anchor="ctr">
+                    <a:lnL w="12700" cap="flat" cmpd="sng" algn="ctr">
+                      <a:solidFill>
+                        <a:schemeClr val="tx1"/>
+                      </a:solidFill>
+                      <a:prstDash val="solid"/>
+                      <a:round/>
+                      <a:headEnd type="none" w="med" len="med"/>
+                      <a:tailEnd type="none" w="med" len="med"/>
+                    </a:lnL>
+                    <a:lnR w="12700" cap="flat" cmpd="sng" algn="ctr">
+                      <a:solidFill>
+                        <a:schemeClr val="tx1"/>
+                      </a:solidFill>
+                      <a:prstDash val="solid"/>
+                      <a:round/>
+                      <a:headEnd type="none" w="med" len="med"/>
+                      <a:tailEnd type="none" w="med" len="med"/>
+                    </a:lnR>
+                    <a:lnT w="12700" cap="flat" cmpd="sng" algn="ctr">
+                      <a:solidFill>
+                        <a:schemeClr val="tx1"/>
+                      </a:solidFill>
+                      <a:prstDash val="solid"/>
+                      <a:round/>
+                      <a:headEnd type="none" w="med" len="med"/>
+                      <a:tailEnd type="none" w="med" len="med"/>
+                    </a:lnT>
+                    <a:lnB w="12700" cap="flat" cmpd="sng" algn="ctr">
+                      <a:solidFill>
+                        <a:schemeClr val="tx1"/>
+                      </a:solidFill>
+                      <a:prstDash val="solid"/>
+                      <a:round/>
+                      <a:headEnd type="none" w="med" len="med"/>
+                      <a:tailEnd type="none" w="med" len="med"/>
+                    </a:lnB>
+                  </a:tcPr>
+                </a:tc>
+                <a:tc>
+                  <a:txBody>
+                    <a:bodyPr/>
+                    <a:lstStyle/>
+                    <a:p>
+                      <a:pPr algn="ctr"/>
+                      <a:r>
+                        <a:rPr lang="fr-FR" sz="700" b="1" dirty="0"/>
+                        <a:t>0.8722</a:t>
+                      </a:r>
+                    </a:p>
+                  </a:txBody>
+                  <a:tcPr marL="24199" marR="24199" marT="12099" marB="12099" anchor="ctr">
+                    <a:lnL w="12700" cap="flat" cmpd="sng" algn="ctr">
+                      <a:solidFill>
+                        <a:schemeClr val="tx1"/>
+                      </a:solidFill>
+                      <a:prstDash val="solid"/>
+                      <a:round/>
+                      <a:headEnd type="none" w="med" len="med"/>
+                      <a:tailEnd type="none" w="med" len="med"/>
+                    </a:lnL>
+                    <a:lnR>
+                      <a:noFill/>
+                    </a:lnR>
+                    <a:lnT w="12700" cap="flat" cmpd="sng" algn="ctr">
+                      <a:solidFill>
+                        <a:schemeClr val="tx1"/>
+                      </a:solidFill>
+                      <a:prstDash val="solid"/>
+                      <a:round/>
+                      <a:headEnd type="none" w="med" len="med"/>
+                      <a:tailEnd type="none" w="med" len="med"/>
+                    </a:lnT>
+                    <a:lnB w="12700" cap="flat" cmpd="sng" algn="ctr">
+                      <a:solidFill>
+                        <a:schemeClr val="tx1"/>
+                      </a:solidFill>
+                      <a:prstDash val="solid"/>
+                      <a:round/>
+                      <a:headEnd type="none" w="med" len="med"/>
+                      <a:tailEnd type="none" w="med" len="med"/>
+                    </a:lnB>
+                  </a:tcPr>
+                </a:tc>
+                <a:extLst>
+                  <a:ext uri="{0D108BD9-81ED-4DB2-BD59-A6C34878D82A}">
+                    <a16:rowId xmlns:a16="http://schemas.microsoft.com/office/drawing/2014/main" val="1773892990"/>
+                  </a:ext>
+                </a:extLst>
+              </a:tr>
+              <a:tr h="125118">
+                <a:tc>
+                  <a:txBody>
+                    <a:bodyPr/>
+                    <a:lstStyle/>
+                    <a:p>
+                      <a:pPr algn="ctr"/>
+                      <a:r>
+                        <a:rPr lang="fr-FR" sz="700" b="1"/>
+                        <a:t>24</a:t>
+                      </a:r>
+                    </a:p>
+                  </a:txBody>
+                  <a:tcPr marL="24199" marR="24199" marT="12099" marB="12099" anchor="ctr">
+                    <a:lnL>
+                      <a:noFill/>
+                    </a:lnL>
+                    <a:lnR w="12700" cap="flat" cmpd="sng" algn="ctr">
+                      <a:solidFill>
+                        <a:schemeClr val="tx1"/>
+                      </a:solidFill>
+                      <a:prstDash val="solid"/>
+                      <a:round/>
+                      <a:headEnd type="none" w="med" len="med"/>
+                      <a:tailEnd type="none" w="med" len="med"/>
+                    </a:lnR>
+                    <a:lnT w="12700" cap="flat" cmpd="sng" algn="ctr">
+                      <a:solidFill>
+                        <a:schemeClr val="tx1"/>
+                      </a:solidFill>
+                      <a:prstDash val="solid"/>
+                      <a:round/>
+                      <a:headEnd type="none" w="med" len="med"/>
+                      <a:tailEnd type="none" w="med" len="med"/>
+                    </a:lnT>
+                    <a:lnB w="12700" cap="flat" cmpd="sng" algn="ctr">
+                      <a:solidFill>
+                        <a:schemeClr val="tx1"/>
+                      </a:solidFill>
+                      <a:prstDash val="solid"/>
+                      <a:round/>
+                      <a:headEnd type="none" w="med" len="med"/>
+                      <a:tailEnd type="none" w="med" len="med"/>
+                    </a:lnB>
+                  </a:tcPr>
+                </a:tc>
+                <a:tc>
+                  <a:txBody>
+                    <a:bodyPr/>
+                    <a:lstStyle/>
+                    <a:p>
+                      <a:pPr algn="ctr"/>
+                      <a:r>
+                        <a:rPr lang="fr-FR" sz="700" b="1" dirty="0"/>
+                        <a:t>ARC</a:t>
+                      </a:r>
+                    </a:p>
+                  </a:txBody>
+                  <a:tcPr marL="24199" marR="24199" marT="12099" marB="12099" anchor="ctr">
+                    <a:lnL w="12700" cap="flat" cmpd="sng" algn="ctr">
+                      <a:solidFill>
+                        <a:schemeClr val="tx1"/>
+                      </a:solidFill>
+                      <a:prstDash val="solid"/>
+                      <a:round/>
+                      <a:headEnd type="none" w="med" len="med"/>
+                      <a:tailEnd type="none" w="med" len="med"/>
+                    </a:lnL>
+                    <a:lnR w="12700" cap="flat" cmpd="sng" algn="ctr">
+                      <a:solidFill>
+                        <a:schemeClr val="tx1"/>
+                      </a:solidFill>
+                      <a:prstDash val="solid"/>
+                      <a:round/>
+                      <a:headEnd type="none" w="med" len="med"/>
+                      <a:tailEnd type="none" w="med" len="med"/>
+                    </a:lnR>
+                    <a:lnT w="12700" cap="flat" cmpd="sng" algn="ctr">
+                      <a:solidFill>
+                        <a:schemeClr val="tx1"/>
+                      </a:solidFill>
+                      <a:prstDash val="solid"/>
+                      <a:round/>
+                      <a:headEnd type="none" w="med" len="med"/>
+                      <a:tailEnd type="none" w="med" len="med"/>
+                    </a:lnT>
+                    <a:lnB w="12700" cap="flat" cmpd="sng" algn="ctr">
+                      <a:solidFill>
+                        <a:schemeClr val="tx1"/>
+                      </a:solidFill>
+                      <a:prstDash val="solid"/>
+                      <a:round/>
+                      <a:headEnd type="none" w="med" len="med"/>
+                      <a:tailEnd type="none" w="med" len="med"/>
+                    </a:lnB>
+                  </a:tcPr>
+                </a:tc>
+                <a:tc>
+                  <a:txBody>
+                    <a:bodyPr/>
+                    <a:lstStyle/>
+                    <a:p>
+                      <a:pPr algn="ctr"/>
+                      <a:r>
+                        <a:rPr lang="fr-FR" sz="700" b="1"/>
+                        <a:t>0.447</a:t>
+                      </a:r>
+                    </a:p>
+                  </a:txBody>
+                  <a:tcPr marL="24199" marR="24199" marT="12099" marB="12099" anchor="ctr">
+                    <a:lnL w="12700" cap="flat" cmpd="sng" algn="ctr">
+                      <a:solidFill>
+                        <a:schemeClr val="tx1"/>
+                      </a:solidFill>
+                      <a:prstDash val="solid"/>
+                      <a:round/>
+                      <a:headEnd type="none" w="med" len="med"/>
+                      <a:tailEnd type="none" w="med" len="med"/>
+                    </a:lnL>
+                    <a:lnR>
+                      <a:noFill/>
+                    </a:lnR>
+                    <a:lnT w="12700" cap="flat" cmpd="sng" algn="ctr">
+                      <a:solidFill>
+                        <a:schemeClr val="tx1"/>
+                      </a:solidFill>
+                      <a:prstDash val="solid"/>
+                      <a:round/>
+                      <a:headEnd type="none" w="med" len="med"/>
+                      <a:tailEnd type="none" w="med" len="med"/>
+                    </a:lnT>
+                    <a:lnB w="12700" cap="flat" cmpd="sng" algn="ctr">
+                      <a:solidFill>
+                        <a:schemeClr val="tx1"/>
+                      </a:solidFill>
+                      <a:prstDash val="solid"/>
+                      <a:round/>
+                      <a:headEnd type="none" w="med" len="med"/>
+                      <a:tailEnd type="none" w="med" len="med"/>
+                    </a:lnB>
+                  </a:tcPr>
+                </a:tc>
+                <a:extLst>
+                  <a:ext uri="{0D108BD9-81ED-4DB2-BD59-A6C34878D82A}">
+                    <a16:rowId xmlns:a16="http://schemas.microsoft.com/office/drawing/2014/main" val="7374654"/>
+                  </a:ext>
+                </a:extLst>
+              </a:tr>
+              <a:tr h="125118">
+                <a:tc>
+                  <a:txBody>
+                    <a:bodyPr/>
+                    <a:lstStyle/>
+                    <a:p>
+                      <a:pPr algn="ctr"/>
+                      <a:r>
+                        <a:rPr lang="fr-FR" sz="700" b="1"/>
+                        <a:t>25</a:t>
+                      </a:r>
+                    </a:p>
+                  </a:txBody>
+                  <a:tcPr marL="24199" marR="24199" marT="12099" marB="12099" anchor="ctr">
+                    <a:lnL>
+                      <a:noFill/>
+                    </a:lnL>
+                    <a:lnR w="12700" cap="flat" cmpd="sng" algn="ctr">
+                      <a:solidFill>
+                        <a:schemeClr val="tx1"/>
+                      </a:solidFill>
+                      <a:prstDash val="solid"/>
+                      <a:round/>
+                      <a:headEnd type="none" w="med" len="med"/>
+                      <a:tailEnd type="none" w="med" len="med"/>
+                    </a:lnR>
+                    <a:lnT w="12700" cap="flat" cmpd="sng" algn="ctr">
+                      <a:solidFill>
+                        <a:schemeClr val="tx1"/>
+                      </a:solidFill>
+                      <a:prstDash val="solid"/>
+                      <a:round/>
+                      <a:headEnd type="none" w="med" len="med"/>
+                      <a:tailEnd type="none" w="med" len="med"/>
+                    </a:lnT>
+                    <a:lnB w="12700" cap="flat" cmpd="sng" algn="ctr">
+                      <a:solidFill>
+                        <a:schemeClr val="tx1"/>
+                      </a:solidFill>
+                      <a:prstDash val="solid"/>
+                      <a:round/>
+                      <a:headEnd type="none" w="med" len="med"/>
+                      <a:tailEnd type="none" w="med" len="med"/>
+                    </a:lnB>
+                  </a:tcPr>
+                </a:tc>
+                <a:tc>
+                  <a:txBody>
+                    <a:bodyPr/>
+                    <a:lstStyle/>
+                    <a:p>
+                      <a:pPr algn="ctr"/>
+                      <a:r>
+                        <a:rPr lang="fr-FR" sz="700" b="1" dirty="0"/>
+                        <a:t>SOLDAT</a:t>
+                      </a:r>
+                    </a:p>
+                  </a:txBody>
+                  <a:tcPr marL="24199" marR="24199" marT="12099" marB="12099" anchor="ctr">
+                    <a:lnL w="12700" cap="flat" cmpd="sng" algn="ctr">
+                      <a:solidFill>
+                        <a:schemeClr val="tx1"/>
+                      </a:solidFill>
+                      <a:prstDash val="solid"/>
+                      <a:round/>
+                      <a:headEnd type="none" w="med" len="med"/>
+                      <a:tailEnd type="none" w="med" len="med"/>
+                    </a:lnL>
+                    <a:lnR w="12700" cap="flat" cmpd="sng" algn="ctr">
+                      <a:solidFill>
+                        <a:schemeClr val="tx1"/>
+                      </a:solidFill>
+                      <a:prstDash val="solid"/>
+                      <a:round/>
+                      <a:headEnd type="none" w="med" len="med"/>
+                      <a:tailEnd type="none" w="med" len="med"/>
+                    </a:lnR>
+                    <a:lnT w="12700" cap="flat" cmpd="sng" algn="ctr">
+                      <a:solidFill>
+                        <a:schemeClr val="tx1"/>
+                      </a:solidFill>
+                      <a:prstDash val="solid"/>
+                      <a:round/>
+                      <a:headEnd type="none" w="med" len="med"/>
+                      <a:tailEnd type="none" w="med" len="med"/>
+                    </a:lnT>
+                    <a:lnB w="12700" cap="flat" cmpd="sng" algn="ctr">
+                      <a:solidFill>
+                        <a:schemeClr val="tx1"/>
+                      </a:solidFill>
+                      <a:prstDash val="solid"/>
+                      <a:round/>
+                      <a:headEnd type="none" w="med" len="med"/>
+                      <a:tailEnd type="none" w="med" len="med"/>
+                    </a:lnB>
+                  </a:tcPr>
+                </a:tc>
+                <a:tc>
+                  <a:txBody>
+                    <a:bodyPr/>
+                    <a:lstStyle/>
+                    <a:p>
+                      <a:pPr algn="ctr"/>
+                      <a:r>
+                        <a:rPr lang="fr-FR" sz="700" b="1" dirty="0"/>
+                        <a:t>0.4903</a:t>
+                      </a:r>
+                    </a:p>
+                  </a:txBody>
+                  <a:tcPr marL="24199" marR="24199" marT="12099" marB="12099" anchor="ctr">
+                    <a:lnL w="12700" cap="flat" cmpd="sng" algn="ctr">
+                      <a:solidFill>
+                        <a:schemeClr val="tx1"/>
+                      </a:solidFill>
+                      <a:prstDash val="solid"/>
+                      <a:round/>
+                      <a:headEnd type="none" w="med" len="med"/>
+                      <a:tailEnd type="none" w="med" len="med"/>
+                    </a:lnL>
+                    <a:lnR>
+                      <a:noFill/>
+                    </a:lnR>
+                    <a:lnT w="12700" cap="flat" cmpd="sng" algn="ctr">
+                      <a:solidFill>
+                        <a:schemeClr val="tx1"/>
+                      </a:solidFill>
+                      <a:prstDash val="solid"/>
+                      <a:round/>
+                      <a:headEnd type="none" w="med" len="med"/>
+                      <a:tailEnd type="none" w="med" len="med"/>
+                    </a:lnT>
+                    <a:lnB w="12700" cap="flat" cmpd="sng" algn="ctr">
+                      <a:solidFill>
+                        <a:schemeClr val="tx1"/>
+                      </a:solidFill>
+                      <a:prstDash val="solid"/>
+                      <a:round/>
+                      <a:headEnd type="none" w="med" len="med"/>
+                      <a:tailEnd type="none" w="med" len="med"/>
+                    </a:lnB>
+                  </a:tcPr>
+                </a:tc>
+                <a:extLst>
+                  <a:ext uri="{0D108BD9-81ED-4DB2-BD59-A6C34878D82A}">
+                    <a16:rowId xmlns:a16="http://schemas.microsoft.com/office/drawing/2014/main" val="3014193491"/>
+                  </a:ext>
+                </a:extLst>
+              </a:tr>
+              <a:tr h="125118">
+                <a:tc>
+                  <a:txBody>
+                    <a:bodyPr/>
+                    <a:lstStyle/>
+                    <a:p>
+                      <a:pPr algn="ctr"/>
+                      <a:r>
+                        <a:rPr lang="fr-FR" sz="700" b="1"/>
+                        <a:t>26</a:t>
+                      </a:r>
+                    </a:p>
+                  </a:txBody>
+                  <a:tcPr marL="24199" marR="24199" marT="12099" marB="12099" anchor="ctr">
+                    <a:lnL>
+                      <a:noFill/>
+                    </a:lnL>
+                    <a:lnR w="12700" cap="flat" cmpd="sng" algn="ctr">
+                      <a:solidFill>
+                        <a:schemeClr val="tx1"/>
+                      </a:solidFill>
+                      <a:prstDash val="solid"/>
+                      <a:round/>
+                      <a:headEnd type="none" w="med" len="med"/>
+                      <a:tailEnd type="none" w="med" len="med"/>
+                    </a:lnR>
+                    <a:lnT w="12700" cap="flat" cmpd="sng" algn="ctr">
+                      <a:solidFill>
+                        <a:schemeClr val="tx1"/>
+                      </a:solidFill>
+                      <a:prstDash val="solid"/>
+                      <a:round/>
+                      <a:headEnd type="none" w="med" len="med"/>
+                      <a:tailEnd type="none" w="med" len="med"/>
+                    </a:lnT>
+                    <a:lnB w="12700" cap="flat" cmpd="sng" algn="ctr">
+                      <a:solidFill>
+                        <a:schemeClr val="tx1"/>
+                      </a:solidFill>
+                      <a:prstDash val="solid"/>
+                      <a:round/>
+                      <a:headEnd type="none" w="med" len="med"/>
+                      <a:tailEnd type="none" w="med" len="med"/>
+                    </a:lnB>
+                  </a:tcPr>
+                </a:tc>
+                <a:tc>
+                  <a:txBody>
+                    <a:bodyPr/>
+                    <a:lstStyle/>
+                    <a:p>
+                      <a:pPr algn="ctr"/>
+                      <a:r>
+                        <a:rPr lang="fr-FR" sz="700" b="1"/>
+                        <a:t>REGLE</a:t>
+                      </a:r>
+                    </a:p>
+                  </a:txBody>
+                  <a:tcPr marL="24199" marR="24199" marT="12099" marB="12099" anchor="ctr">
+                    <a:lnL w="12700" cap="flat" cmpd="sng" algn="ctr">
+                      <a:solidFill>
+                        <a:schemeClr val="tx1"/>
+                      </a:solidFill>
+                      <a:prstDash val="solid"/>
+                      <a:round/>
+                      <a:headEnd type="none" w="med" len="med"/>
+                      <a:tailEnd type="none" w="med" len="med"/>
+                    </a:lnL>
+                    <a:lnR w="12700" cap="flat" cmpd="sng" algn="ctr">
+                      <a:solidFill>
+                        <a:schemeClr val="tx1"/>
+                      </a:solidFill>
+                      <a:prstDash val="solid"/>
+                      <a:round/>
+                      <a:headEnd type="none" w="med" len="med"/>
+                      <a:tailEnd type="none" w="med" len="med"/>
+                    </a:lnR>
+                    <a:lnT w="12700" cap="flat" cmpd="sng" algn="ctr">
+                      <a:solidFill>
+                        <a:schemeClr val="tx1"/>
+                      </a:solidFill>
+                      <a:prstDash val="solid"/>
+                      <a:round/>
+                      <a:headEnd type="none" w="med" len="med"/>
+                      <a:tailEnd type="none" w="med" len="med"/>
+                    </a:lnT>
+                    <a:lnB w="12700" cap="flat" cmpd="sng" algn="ctr">
+                      <a:solidFill>
+                        <a:schemeClr val="tx1"/>
+                      </a:solidFill>
+                      <a:prstDash val="solid"/>
+                      <a:round/>
+                      <a:headEnd type="none" w="med" len="med"/>
+                      <a:tailEnd type="none" w="med" len="med"/>
+                    </a:lnB>
+                  </a:tcPr>
+                </a:tc>
+                <a:tc>
+                  <a:txBody>
+                    <a:bodyPr/>
+                    <a:lstStyle/>
+                    <a:p>
+                      <a:pPr algn="ctr"/>
+                      <a:r>
+                        <a:rPr lang="fr-FR" sz="700" b="1"/>
+                        <a:t>0.8432</a:t>
+                      </a:r>
+                    </a:p>
+                  </a:txBody>
+                  <a:tcPr marL="24199" marR="24199" marT="12099" marB="12099" anchor="ctr">
+                    <a:lnL w="12700" cap="flat" cmpd="sng" algn="ctr">
+                      <a:solidFill>
+                        <a:schemeClr val="tx1"/>
+                      </a:solidFill>
+                      <a:prstDash val="solid"/>
+                      <a:round/>
+                      <a:headEnd type="none" w="med" len="med"/>
+                      <a:tailEnd type="none" w="med" len="med"/>
+                    </a:lnL>
+                    <a:lnR>
+                      <a:noFill/>
+                    </a:lnR>
+                    <a:lnT w="12700" cap="flat" cmpd="sng" algn="ctr">
+                      <a:solidFill>
+                        <a:schemeClr val="tx1"/>
+                      </a:solidFill>
+                      <a:prstDash val="solid"/>
+                      <a:round/>
+                      <a:headEnd type="none" w="med" len="med"/>
+                      <a:tailEnd type="none" w="med" len="med"/>
+                    </a:lnT>
+                    <a:lnB w="12700" cap="flat" cmpd="sng" algn="ctr">
+                      <a:solidFill>
+                        <a:schemeClr val="tx1"/>
+                      </a:solidFill>
+                      <a:prstDash val="solid"/>
+                      <a:round/>
+                      <a:headEnd type="none" w="med" len="med"/>
+                      <a:tailEnd type="none" w="med" len="med"/>
+                    </a:lnB>
+                  </a:tcPr>
+                </a:tc>
+                <a:extLst>
+                  <a:ext uri="{0D108BD9-81ED-4DB2-BD59-A6C34878D82A}">
+                    <a16:rowId xmlns:a16="http://schemas.microsoft.com/office/drawing/2014/main" val="3160355758"/>
+                  </a:ext>
+                </a:extLst>
+              </a:tr>
+              <a:tr h="125118">
+                <a:tc>
+                  <a:txBody>
+                    <a:bodyPr/>
+                    <a:lstStyle/>
+                    <a:p>
+                      <a:pPr algn="ctr"/>
+                      <a:r>
+                        <a:rPr lang="fr-FR" sz="700" b="1"/>
+                        <a:t>27</a:t>
+                      </a:r>
+                    </a:p>
+                  </a:txBody>
+                  <a:tcPr marL="24199" marR="24199" marT="12099" marB="12099" anchor="ctr">
+                    <a:lnL>
+                      <a:noFill/>
+                    </a:lnL>
+                    <a:lnR w="12700" cap="flat" cmpd="sng" algn="ctr">
+                      <a:solidFill>
+                        <a:schemeClr val="tx1"/>
+                      </a:solidFill>
+                      <a:prstDash val="solid"/>
+                      <a:round/>
+                      <a:headEnd type="none" w="med" len="med"/>
+                      <a:tailEnd type="none" w="med" len="med"/>
+                    </a:lnR>
+                    <a:lnT w="12700" cap="flat" cmpd="sng" algn="ctr">
+                      <a:solidFill>
+                        <a:schemeClr val="tx1"/>
+                      </a:solidFill>
+                      <a:prstDash val="solid"/>
+                      <a:round/>
+                      <a:headEnd type="none" w="med" len="med"/>
+                      <a:tailEnd type="none" w="med" len="med"/>
+                    </a:lnT>
+                    <a:lnB w="12700" cap="flat" cmpd="sng" algn="ctr">
+                      <a:solidFill>
+                        <a:schemeClr val="tx1"/>
+                      </a:solidFill>
+                      <a:prstDash val="solid"/>
+                      <a:round/>
+                      <a:headEnd type="none" w="med" len="med"/>
+                      <a:tailEnd type="none" w="med" len="med"/>
+                    </a:lnB>
+                  </a:tcPr>
+                </a:tc>
+                <a:tc>
+                  <a:txBody>
+                    <a:bodyPr/>
+                    <a:lstStyle/>
+                    <a:p>
+                      <a:pPr algn="ctr"/>
+                      <a:r>
+                        <a:rPr lang="fr-FR" sz="700" b="1"/>
+                        <a:t>ALPES</a:t>
+                      </a:r>
+                    </a:p>
+                  </a:txBody>
+                  <a:tcPr marL="24199" marR="24199" marT="12099" marB="12099" anchor="ctr">
+                    <a:lnL w="12700" cap="flat" cmpd="sng" algn="ctr">
+                      <a:solidFill>
+                        <a:schemeClr val="tx1"/>
+                      </a:solidFill>
+                      <a:prstDash val="solid"/>
+                      <a:round/>
+                      <a:headEnd type="none" w="med" len="med"/>
+                      <a:tailEnd type="none" w="med" len="med"/>
+                    </a:lnL>
+                    <a:lnR w="12700" cap="flat" cmpd="sng" algn="ctr">
+                      <a:solidFill>
+                        <a:schemeClr val="tx1"/>
+                      </a:solidFill>
+                      <a:prstDash val="solid"/>
+                      <a:round/>
+                      <a:headEnd type="none" w="med" len="med"/>
+                      <a:tailEnd type="none" w="med" len="med"/>
+                    </a:lnR>
+                    <a:lnT w="12700" cap="flat" cmpd="sng" algn="ctr">
+                      <a:solidFill>
+                        <a:schemeClr val="tx1"/>
+                      </a:solidFill>
+                      <a:prstDash val="solid"/>
+                      <a:round/>
+                      <a:headEnd type="none" w="med" len="med"/>
+                      <a:tailEnd type="none" w="med" len="med"/>
+                    </a:lnT>
+                    <a:lnB w="12700" cap="flat" cmpd="sng" algn="ctr">
+                      <a:solidFill>
+                        <a:schemeClr val="tx1"/>
+                      </a:solidFill>
+                      <a:prstDash val="solid"/>
+                      <a:round/>
+                      <a:headEnd type="none" w="med" len="med"/>
+                      <a:tailEnd type="none" w="med" len="med"/>
+                    </a:lnB>
+                  </a:tcPr>
+                </a:tc>
+                <a:tc>
+                  <a:txBody>
+                    <a:bodyPr/>
+                    <a:lstStyle/>
+                    <a:p>
+                      <a:pPr algn="ctr"/>
+                      <a:r>
+                        <a:rPr lang="fr-FR" sz="700" b="1"/>
+                        <a:t>0.9955</a:t>
+                      </a:r>
+                    </a:p>
+                  </a:txBody>
+                  <a:tcPr marL="24199" marR="24199" marT="12099" marB="12099" anchor="ctr">
+                    <a:lnL w="12700" cap="flat" cmpd="sng" algn="ctr">
+                      <a:solidFill>
+                        <a:schemeClr val="tx1"/>
+                      </a:solidFill>
+                      <a:prstDash val="solid"/>
+                      <a:round/>
+                      <a:headEnd type="none" w="med" len="med"/>
+                      <a:tailEnd type="none" w="med" len="med"/>
+                    </a:lnL>
+                    <a:lnR>
+                      <a:noFill/>
+                    </a:lnR>
+                    <a:lnT w="12700" cap="flat" cmpd="sng" algn="ctr">
+                      <a:solidFill>
+                        <a:schemeClr val="tx1"/>
+                      </a:solidFill>
+                      <a:prstDash val="solid"/>
+                      <a:round/>
+                      <a:headEnd type="none" w="med" len="med"/>
+                      <a:tailEnd type="none" w="med" len="med"/>
+                    </a:lnT>
+                    <a:lnB w="12700" cap="flat" cmpd="sng" algn="ctr">
+                      <a:solidFill>
+                        <a:schemeClr val="tx1"/>
+                      </a:solidFill>
+                      <a:prstDash val="solid"/>
+                      <a:round/>
+                      <a:headEnd type="none" w="med" len="med"/>
+                      <a:tailEnd type="none" w="med" len="med"/>
+                    </a:lnB>
+                  </a:tcPr>
+                </a:tc>
+                <a:extLst>
+                  <a:ext uri="{0D108BD9-81ED-4DB2-BD59-A6C34878D82A}">
+                    <a16:rowId xmlns:a16="http://schemas.microsoft.com/office/drawing/2014/main" val="1671619115"/>
+                  </a:ext>
+                </a:extLst>
+              </a:tr>
+              <a:tr h="125118">
+                <a:tc>
+                  <a:txBody>
+                    <a:bodyPr/>
+                    <a:lstStyle/>
+                    <a:p>
+                      <a:pPr algn="ctr"/>
+                      <a:r>
+                        <a:rPr lang="fr-FR" sz="700" b="1"/>
+                        <a:t>28</a:t>
+                      </a:r>
+                    </a:p>
+                  </a:txBody>
+                  <a:tcPr marL="24199" marR="24199" marT="12099" marB="12099" anchor="ctr">
+                    <a:lnL>
+                      <a:noFill/>
+                    </a:lnL>
+                    <a:lnR w="12700" cap="flat" cmpd="sng" algn="ctr">
+                      <a:solidFill>
+                        <a:schemeClr val="tx1"/>
+                      </a:solidFill>
+                      <a:prstDash val="solid"/>
+                      <a:round/>
+                      <a:headEnd type="none" w="med" len="med"/>
+                      <a:tailEnd type="none" w="med" len="med"/>
+                    </a:lnR>
+                    <a:lnT w="12700" cap="flat" cmpd="sng" algn="ctr">
+                      <a:solidFill>
+                        <a:schemeClr val="tx1"/>
+                      </a:solidFill>
+                      <a:prstDash val="solid"/>
+                      <a:round/>
+                      <a:headEnd type="none" w="med" len="med"/>
+                      <a:tailEnd type="none" w="med" len="med"/>
+                    </a:lnT>
+                    <a:lnB w="12700" cap="flat" cmpd="sng" algn="ctr">
+                      <a:solidFill>
+                        <a:schemeClr val="tx1"/>
+                      </a:solidFill>
+                      <a:prstDash val="solid"/>
+                      <a:round/>
+                      <a:headEnd type="none" w="med" len="med"/>
+                      <a:tailEnd type="none" w="med" len="med"/>
+                    </a:lnB>
+                  </a:tcPr>
+                </a:tc>
+                <a:tc>
+                  <a:txBody>
+                    <a:bodyPr/>
+                    <a:lstStyle/>
+                    <a:p>
+                      <a:pPr algn="ctr"/>
+                      <a:r>
+                        <a:rPr lang="fr-FR" sz="700" b="1" dirty="0"/>
+                        <a:t>1</a:t>
+                      </a:r>
+                    </a:p>
+                  </a:txBody>
+                  <a:tcPr marL="24199" marR="24199" marT="12099" marB="12099" anchor="ctr">
+                    <a:lnL w="12700" cap="flat" cmpd="sng" algn="ctr">
+                      <a:solidFill>
+                        <a:schemeClr val="tx1"/>
+                      </a:solidFill>
+                      <a:prstDash val="solid"/>
+                      <a:round/>
+                      <a:headEnd type="none" w="med" len="med"/>
+                      <a:tailEnd type="none" w="med" len="med"/>
+                    </a:lnL>
+                    <a:lnR w="12700" cap="flat" cmpd="sng" algn="ctr">
+                      <a:solidFill>
+                        <a:schemeClr val="tx1"/>
+                      </a:solidFill>
+                      <a:prstDash val="solid"/>
+                      <a:round/>
+                      <a:headEnd type="none" w="med" len="med"/>
+                      <a:tailEnd type="none" w="med" len="med"/>
+                    </a:lnR>
+                    <a:lnT w="12700" cap="flat" cmpd="sng" algn="ctr">
+                      <a:solidFill>
+                        <a:schemeClr val="tx1"/>
+                      </a:solidFill>
+                      <a:prstDash val="solid"/>
+                      <a:round/>
+                      <a:headEnd type="none" w="med" len="med"/>
+                      <a:tailEnd type="none" w="med" len="med"/>
+                    </a:lnT>
+                    <a:lnB w="12700" cap="flat" cmpd="sng" algn="ctr">
+                      <a:solidFill>
+                        <a:schemeClr val="tx1"/>
+                      </a:solidFill>
+                      <a:prstDash val="solid"/>
+                      <a:round/>
+                      <a:headEnd type="none" w="med" len="med"/>
+                      <a:tailEnd type="none" w="med" len="med"/>
+                    </a:lnB>
+                  </a:tcPr>
+                </a:tc>
+                <a:tc>
+                  <a:txBody>
+                    <a:bodyPr/>
+                    <a:lstStyle/>
+                    <a:p>
+                      <a:pPr algn="ctr"/>
+                      <a:r>
+                        <a:rPr lang="fr-FR" sz="700" b="1"/>
+                        <a:t>0.0207</a:t>
+                      </a:r>
+                    </a:p>
+                  </a:txBody>
+                  <a:tcPr marL="24199" marR="24199" marT="12099" marB="12099" anchor="ctr">
+                    <a:lnL w="12700" cap="flat" cmpd="sng" algn="ctr">
+                      <a:solidFill>
+                        <a:schemeClr val="tx1"/>
+                      </a:solidFill>
+                      <a:prstDash val="solid"/>
+                      <a:round/>
+                      <a:headEnd type="none" w="med" len="med"/>
+                      <a:tailEnd type="none" w="med" len="med"/>
+                    </a:lnL>
+                    <a:lnR>
+                      <a:noFill/>
+                    </a:lnR>
+                    <a:lnT w="12700" cap="flat" cmpd="sng" algn="ctr">
+                      <a:solidFill>
+                        <a:schemeClr val="tx1"/>
+                      </a:solidFill>
+                      <a:prstDash val="solid"/>
+                      <a:round/>
+                      <a:headEnd type="none" w="med" len="med"/>
+                      <a:tailEnd type="none" w="med" len="med"/>
+                    </a:lnT>
+                    <a:lnB w="12700" cap="flat" cmpd="sng" algn="ctr">
+                      <a:solidFill>
+                        <a:schemeClr val="tx1"/>
+                      </a:solidFill>
+                      <a:prstDash val="solid"/>
+                      <a:round/>
+                      <a:headEnd type="none" w="med" len="med"/>
+                      <a:tailEnd type="none" w="med" len="med"/>
+                    </a:lnB>
+                  </a:tcPr>
+                </a:tc>
+                <a:extLst>
+                  <a:ext uri="{0D108BD9-81ED-4DB2-BD59-A6C34878D82A}">
+                    <a16:rowId xmlns:a16="http://schemas.microsoft.com/office/drawing/2014/main" val="2501477604"/>
+                  </a:ext>
+                </a:extLst>
+              </a:tr>
+              <a:tr h="125118">
+                <a:tc>
+                  <a:txBody>
+                    <a:bodyPr/>
+                    <a:lstStyle/>
+                    <a:p>
+                      <a:pPr algn="ctr"/>
+                      <a:r>
+                        <a:rPr lang="fr-FR" sz="700" b="1"/>
+                        <a:t>29</a:t>
+                      </a:r>
+                    </a:p>
+                  </a:txBody>
+                  <a:tcPr marL="24199" marR="24199" marT="12099" marB="12099" anchor="ctr">
+                    <a:lnL>
+                      <a:noFill/>
+                    </a:lnL>
+                    <a:lnR w="12700" cap="flat" cmpd="sng" algn="ctr">
+                      <a:solidFill>
+                        <a:schemeClr val="tx1"/>
+                      </a:solidFill>
+                      <a:prstDash val="solid"/>
+                      <a:round/>
+                      <a:headEnd type="none" w="med" len="med"/>
+                      <a:tailEnd type="none" w="med" len="med"/>
+                    </a:lnR>
+                    <a:lnT w="12700" cap="flat" cmpd="sng" algn="ctr">
+                      <a:solidFill>
+                        <a:schemeClr val="tx1"/>
+                      </a:solidFill>
+                      <a:prstDash val="solid"/>
+                      <a:round/>
+                      <a:headEnd type="none" w="med" len="med"/>
+                      <a:tailEnd type="none" w="med" len="med"/>
+                    </a:lnT>
+                    <a:lnB w="12700" cap="flat" cmpd="sng" algn="ctr">
+                      <a:solidFill>
+                        <a:schemeClr val="tx1"/>
+                      </a:solidFill>
+                      <a:prstDash val="solid"/>
+                      <a:round/>
+                      <a:headEnd type="none" w="med" len="med"/>
+                      <a:tailEnd type="none" w="med" len="med"/>
+                    </a:lnB>
+                  </a:tcPr>
+                </a:tc>
+                <a:tc>
+                  <a:txBody>
+                    <a:bodyPr/>
+                    <a:lstStyle/>
+                    <a:p>
+                      <a:pPr algn="ctr"/>
+                      <a:r>
+                        <a:rPr lang="fr-FR" sz="700" b="1"/>
+                        <a:t>744 1 |</a:t>
+                      </a:r>
+                    </a:p>
+                  </a:txBody>
+                  <a:tcPr marL="24199" marR="24199" marT="12099" marB="12099" anchor="ctr">
+                    <a:lnL w="12700" cap="flat" cmpd="sng" algn="ctr">
+                      <a:solidFill>
+                        <a:schemeClr val="tx1"/>
+                      </a:solidFill>
+                      <a:prstDash val="solid"/>
+                      <a:round/>
+                      <a:headEnd type="none" w="med" len="med"/>
+                      <a:tailEnd type="none" w="med" len="med"/>
+                    </a:lnL>
+                    <a:lnR w="12700" cap="flat" cmpd="sng" algn="ctr">
+                      <a:solidFill>
+                        <a:schemeClr val="tx1"/>
+                      </a:solidFill>
+                      <a:prstDash val="solid"/>
+                      <a:round/>
+                      <a:headEnd type="none" w="med" len="med"/>
+                      <a:tailEnd type="none" w="med" len="med"/>
+                    </a:lnR>
+                    <a:lnT w="12700" cap="flat" cmpd="sng" algn="ctr">
+                      <a:solidFill>
+                        <a:schemeClr val="tx1"/>
+                      </a:solidFill>
+                      <a:prstDash val="solid"/>
+                      <a:round/>
+                      <a:headEnd type="none" w="med" len="med"/>
+                      <a:tailEnd type="none" w="med" len="med"/>
+                    </a:lnT>
+                    <a:lnB w="12700" cap="flat" cmpd="sng" algn="ctr">
+                      <a:solidFill>
+                        <a:schemeClr val="tx1"/>
+                      </a:solidFill>
+                      <a:prstDash val="solid"/>
+                      <a:round/>
+                      <a:headEnd type="none" w="med" len="med"/>
+                      <a:tailEnd type="none" w="med" len="med"/>
+                    </a:lnB>
+                  </a:tcPr>
+                </a:tc>
+                <a:tc>
+                  <a:txBody>
+                    <a:bodyPr/>
+                    <a:lstStyle/>
+                    <a:p>
+                      <a:pPr algn="ctr"/>
+                      <a:r>
+                        <a:rPr lang="fr-FR" sz="700" b="1"/>
+                        <a:t>0.0383</a:t>
+                      </a:r>
+                    </a:p>
+                  </a:txBody>
+                  <a:tcPr marL="24199" marR="24199" marT="12099" marB="12099" anchor="ctr">
+                    <a:lnL w="12700" cap="flat" cmpd="sng" algn="ctr">
+                      <a:solidFill>
+                        <a:schemeClr val="tx1"/>
+                      </a:solidFill>
+                      <a:prstDash val="solid"/>
+                      <a:round/>
+                      <a:headEnd type="none" w="med" len="med"/>
+                      <a:tailEnd type="none" w="med" len="med"/>
+                    </a:lnL>
+                    <a:lnR>
+                      <a:noFill/>
+                    </a:lnR>
+                    <a:lnT w="12700" cap="flat" cmpd="sng" algn="ctr">
+                      <a:solidFill>
+                        <a:schemeClr val="tx1"/>
+                      </a:solidFill>
+                      <a:prstDash val="solid"/>
+                      <a:round/>
+                      <a:headEnd type="none" w="med" len="med"/>
+                      <a:tailEnd type="none" w="med" len="med"/>
+                    </a:lnT>
+                    <a:lnB w="12700" cap="flat" cmpd="sng" algn="ctr">
+                      <a:solidFill>
+                        <a:schemeClr val="tx1"/>
+                      </a:solidFill>
+                      <a:prstDash val="solid"/>
+                      <a:round/>
+                      <a:headEnd type="none" w="med" len="med"/>
+                      <a:tailEnd type="none" w="med" len="med"/>
+                    </a:lnB>
+                  </a:tcPr>
+                </a:tc>
+                <a:extLst>
+                  <a:ext uri="{0D108BD9-81ED-4DB2-BD59-A6C34878D82A}">
+                    <a16:rowId xmlns:a16="http://schemas.microsoft.com/office/drawing/2014/main" val="2776325572"/>
+                  </a:ext>
+                </a:extLst>
+              </a:tr>
+              <a:tr h="125118">
+                <a:tc>
+                  <a:txBody>
+                    <a:bodyPr/>
+                    <a:lstStyle/>
+                    <a:p>
+                      <a:pPr algn="ctr"/>
+                      <a:r>
+                        <a:rPr lang="fr-FR" sz="700" b="1"/>
+                        <a:t>30</a:t>
+                      </a:r>
+                    </a:p>
+                  </a:txBody>
+                  <a:tcPr marL="24199" marR="24199" marT="12099" marB="12099" anchor="ctr">
+                    <a:lnL>
+                      <a:noFill/>
+                    </a:lnL>
+                    <a:lnR w="12700" cap="flat" cmpd="sng" algn="ctr">
+                      <a:solidFill>
+                        <a:schemeClr val="tx1"/>
+                      </a:solidFill>
+                      <a:prstDash val="solid"/>
+                      <a:round/>
+                      <a:headEnd type="none" w="med" len="med"/>
+                      <a:tailEnd type="none" w="med" len="med"/>
+                    </a:lnR>
+                    <a:lnT w="12700" cap="flat" cmpd="sng" algn="ctr">
+                      <a:solidFill>
+                        <a:schemeClr val="tx1"/>
+                      </a:solidFill>
+                      <a:prstDash val="solid"/>
+                      <a:round/>
+                      <a:headEnd type="none" w="med" len="med"/>
+                      <a:tailEnd type="none" w="med" len="med"/>
+                    </a:lnT>
+                    <a:lnB w="12700" cap="flat" cmpd="sng" algn="ctr">
+                      <a:solidFill>
+                        <a:schemeClr val="tx1"/>
+                      </a:solidFill>
+                      <a:prstDash val="solid"/>
+                      <a:round/>
+                      <a:headEnd type="none" w="med" len="med"/>
+                      <a:tailEnd type="none" w="med" len="med"/>
+                    </a:lnB>
+                  </a:tcPr>
+                </a:tc>
+                <a:tc>
+                  <a:txBody>
+                    <a:bodyPr/>
+                    <a:lstStyle/>
+                    <a:p>
+                      <a:pPr algn="ctr"/>
+                      <a:r>
+                        <a:rPr lang="fr-FR" sz="700" b="1"/>
+                        <a:t>1e | 1 F</a:t>
+                      </a:r>
+                    </a:p>
+                  </a:txBody>
+                  <a:tcPr marL="24199" marR="24199" marT="12099" marB="12099" anchor="ctr">
+                    <a:lnL w="12700" cap="flat" cmpd="sng" algn="ctr">
+                      <a:solidFill>
+                        <a:schemeClr val="tx1"/>
+                      </a:solidFill>
+                      <a:prstDash val="solid"/>
+                      <a:round/>
+                      <a:headEnd type="none" w="med" len="med"/>
+                      <a:tailEnd type="none" w="med" len="med"/>
+                    </a:lnL>
+                    <a:lnR w="12700" cap="flat" cmpd="sng" algn="ctr">
+                      <a:solidFill>
+                        <a:schemeClr val="tx1"/>
+                      </a:solidFill>
+                      <a:prstDash val="solid"/>
+                      <a:round/>
+                      <a:headEnd type="none" w="med" len="med"/>
+                      <a:tailEnd type="none" w="med" len="med"/>
+                    </a:lnR>
+                    <a:lnT w="12700" cap="flat" cmpd="sng" algn="ctr">
+                      <a:solidFill>
+                        <a:schemeClr val="tx1"/>
+                      </a:solidFill>
+                      <a:prstDash val="solid"/>
+                      <a:round/>
+                      <a:headEnd type="none" w="med" len="med"/>
+                      <a:tailEnd type="none" w="med" len="med"/>
+                    </a:lnT>
+                    <a:lnB w="12700" cap="flat" cmpd="sng" algn="ctr">
+                      <a:solidFill>
+                        <a:schemeClr val="tx1"/>
+                      </a:solidFill>
+                      <a:prstDash val="solid"/>
+                      <a:round/>
+                      <a:headEnd type="none" w="med" len="med"/>
+                      <a:tailEnd type="none" w="med" len="med"/>
+                    </a:lnB>
+                  </a:tcPr>
+                </a:tc>
+                <a:tc>
+                  <a:txBody>
+                    <a:bodyPr/>
+                    <a:lstStyle/>
+                    <a:p>
+                      <a:pPr algn="ctr"/>
+                      <a:r>
+                        <a:rPr lang="fr-FR" sz="700" b="1"/>
+                        <a:t>0.0392</a:t>
+                      </a:r>
+                    </a:p>
+                  </a:txBody>
+                  <a:tcPr marL="24199" marR="24199" marT="12099" marB="12099" anchor="ctr">
+                    <a:lnL w="12700" cap="flat" cmpd="sng" algn="ctr">
+                      <a:solidFill>
+                        <a:schemeClr val="tx1"/>
+                      </a:solidFill>
+                      <a:prstDash val="solid"/>
+                      <a:round/>
+                      <a:headEnd type="none" w="med" len="med"/>
+                      <a:tailEnd type="none" w="med" len="med"/>
+                    </a:lnL>
+                    <a:lnR>
+                      <a:noFill/>
+                    </a:lnR>
+                    <a:lnT w="12700" cap="flat" cmpd="sng" algn="ctr">
+                      <a:solidFill>
+                        <a:schemeClr val="tx1"/>
+                      </a:solidFill>
+                      <a:prstDash val="solid"/>
+                      <a:round/>
+                      <a:headEnd type="none" w="med" len="med"/>
+                      <a:tailEnd type="none" w="med" len="med"/>
+                    </a:lnT>
+                    <a:lnB w="12700" cap="flat" cmpd="sng" algn="ctr">
+                      <a:solidFill>
+                        <a:schemeClr val="tx1"/>
+                      </a:solidFill>
+                      <a:prstDash val="solid"/>
+                      <a:round/>
+                      <a:headEnd type="none" w="med" len="med"/>
+                      <a:tailEnd type="none" w="med" len="med"/>
+                    </a:lnB>
+                  </a:tcPr>
+                </a:tc>
+                <a:extLst>
+                  <a:ext uri="{0D108BD9-81ED-4DB2-BD59-A6C34878D82A}">
+                    <a16:rowId xmlns:a16="http://schemas.microsoft.com/office/drawing/2014/main" val="123995022"/>
+                  </a:ext>
+                </a:extLst>
+              </a:tr>
+              <a:tr h="125118">
+                <a:tc>
+                  <a:txBody>
+                    <a:bodyPr/>
+                    <a:lstStyle/>
+                    <a:p>
+                      <a:pPr algn="ctr"/>
+                      <a:r>
+                        <a:rPr lang="fr-FR" sz="700" b="1"/>
+                        <a:t>31</a:t>
+                      </a:r>
+                    </a:p>
+                  </a:txBody>
+                  <a:tcPr marL="24199" marR="24199" marT="12099" marB="12099" anchor="ctr">
+                    <a:lnL>
+                      <a:noFill/>
+                    </a:lnL>
+                    <a:lnR w="12700" cap="flat" cmpd="sng" algn="ctr">
+                      <a:solidFill>
+                        <a:schemeClr val="tx1"/>
+                      </a:solidFill>
+                      <a:prstDash val="solid"/>
+                      <a:round/>
+                      <a:headEnd type="none" w="med" len="med"/>
+                      <a:tailEnd type="none" w="med" len="med"/>
+                    </a:lnR>
+                    <a:lnT w="12700" cap="flat" cmpd="sng" algn="ctr">
+                      <a:solidFill>
+                        <a:schemeClr val="tx1"/>
+                      </a:solidFill>
+                      <a:prstDash val="solid"/>
+                      <a:round/>
+                      <a:headEnd type="none" w="med" len="med"/>
+                      <a:tailEnd type="none" w="med" len="med"/>
+                    </a:lnT>
+                    <a:lnB w="12700" cap="flat" cmpd="sng" algn="ctr">
+                      <a:solidFill>
+                        <a:schemeClr val="tx1"/>
+                      </a:solidFill>
+                      <a:prstDash val="solid"/>
+                      <a:round/>
+                      <a:headEnd type="none" w="med" len="med"/>
+                      <a:tailEnd type="none" w="med" len="med"/>
+                    </a:lnB>
+                  </a:tcPr>
+                </a:tc>
+                <a:tc>
+                  <a:txBody>
+                    <a:bodyPr/>
+                    <a:lstStyle/>
+                    <a:p>
+                      <a:pPr algn="ctr"/>
+                      <a:r>
+                        <a:rPr lang="fr-FR" sz="700" b="1" dirty="0"/>
+                        <a:t>1</a:t>
+                      </a:r>
+                    </a:p>
+                  </a:txBody>
+                  <a:tcPr marL="24199" marR="24199" marT="12099" marB="12099" anchor="ctr">
+                    <a:lnL w="12700" cap="flat" cmpd="sng" algn="ctr">
+                      <a:solidFill>
+                        <a:schemeClr val="tx1"/>
+                      </a:solidFill>
+                      <a:prstDash val="solid"/>
+                      <a:round/>
+                      <a:headEnd type="none" w="med" len="med"/>
+                      <a:tailEnd type="none" w="med" len="med"/>
+                    </a:lnL>
+                    <a:lnR w="12700" cap="flat" cmpd="sng" algn="ctr">
+                      <a:solidFill>
+                        <a:schemeClr val="tx1"/>
+                      </a:solidFill>
+                      <a:prstDash val="solid"/>
+                      <a:round/>
+                      <a:headEnd type="none" w="med" len="med"/>
+                      <a:tailEnd type="none" w="med" len="med"/>
+                    </a:lnR>
+                    <a:lnT w="12700" cap="flat" cmpd="sng" algn="ctr">
+                      <a:solidFill>
+                        <a:schemeClr val="tx1"/>
+                      </a:solidFill>
+                      <a:prstDash val="solid"/>
+                      <a:round/>
+                      <a:headEnd type="none" w="med" len="med"/>
+                      <a:tailEnd type="none" w="med" len="med"/>
+                    </a:lnT>
+                    <a:lnB w="12700" cap="flat" cmpd="sng" algn="ctr">
+                      <a:solidFill>
+                        <a:schemeClr val="tx1"/>
+                      </a:solidFill>
+                      <a:prstDash val="solid"/>
+                      <a:round/>
+                      <a:headEnd type="none" w="med" len="med"/>
+                      <a:tailEnd type="none" w="med" len="med"/>
+                    </a:lnB>
+                  </a:tcPr>
+                </a:tc>
+                <a:tc>
+                  <a:txBody>
+                    <a:bodyPr/>
+                    <a:lstStyle/>
+                    <a:p>
+                      <a:pPr algn="ctr"/>
+                      <a:r>
+                        <a:rPr lang="fr-FR" sz="700" b="1"/>
+                        <a:t>0.2202</a:t>
+                      </a:r>
+                    </a:p>
+                  </a:txBody>
+                  <a:tcPr marL="24199" marR="24199" marT="12099" marB="12099" anchor="ctr">
+                    <a:lnL w="12700" cap="flat" cmpd="sng" algn="ctr">
+                      <a:solidFill>
+                        <a:schemeClr val="tx1"/>
+                      </a:solidFill>
+                      <a:prstDash val="solid"/>
+                      <a:round/>
+                      <a:headEnd type="none" w="med" len="med"/>
+                      <a:tailEnd type="none" w="med" len="med"/>
+                    </a:lnL>
+                    <a:lnR>
+                      <a:noFill/>
+                    </a:lnR>
+                    <a:lnT w="12700" cap="flat" cmpd="sng" algn="ctr">
+                      <a:solidFill>
+                        <a:schemeClr val="tx1"/>
+                      </a:solidFill>
+                      <a:prstDash val="solid"/>
+                      <a:round/>
+                      <a:headEnd type="none" w="med" len="med"/>
+                      <a:tailEnd type="none" w="med" len="med"/>
+                    </a:lnT>
+                    <a:lnB w="12700" cap="flat" cmpd="sng" algn="ctr">
+                      <a:solidFill>
+                        <a:schemeClr val="tx1"/>
+                      </a:solidFill>
+                      <a:prstDash val="solid"/>
+                      <a:round/>
+                      <a:headEnd type="none" w="med" len="med"/>
+                      <a:tailEnd type="none" w="med" len="med"/>
+                    </a:lnB>
+                  </a:tcPr>
+                </a:tc>
+                <a:extLst>
+                  <a:ext uri="{0D108BD9-81ED-4DB2-BD59-A6C34878D82A}">
+                    <a16:rowId xmlns:a16="http://schemas.microsoft.com/office/drawing/2014/main" val="2948810666"/>
+                  </a:ext>
+                </a:extLst>
+              </a:tr>
+              <a:tr h="125118">
+                <a:tc>
+                  <a:txBody>
+                    <a:bodyPr/>
+                    <a:lstStyle/>
+                    <a:p>
+                      <a:pPr algn="ctr"/>
+                      <a:r>
+                        <a:rPr lang="fr-FR" sz="700" b="1"/>
+                        <a:t>32</a:t>
+                      </a:r>
+                    </a:p>
+                  </a:txBody>
+                  <a:tcPr marL="24199" marR="24199" marT="12099" marB="12099" anchor="ctr">
+                    <a:lnL>
+                      <a:noFill/>
+                    </a:lnL>
+                    <a:lnR w="12700" cap="flat" cmpd="sng" algn="ctr">
+                      <a:solidFill>
+                        <a:schemeClr val="tx1"/>
+                      </a:solidFill>
+                      <a:prstDash val="solid"/>
+                      <a:round/>
+                      <a:headEnd type="none" w="med" len="med"/>
+                      <a:tailEnd type="none" w="med" len="med"/>
+                    </a:lnR>
+                    <a:lnT w="12700" cap="flat" cmpd="sng" algn="ctr">
+                      <a:solidFill>
+                        <a:schemeClr val="tx1"/>
+                      </a:solidFill>
+                      <a:prstDash val="solid"/>
+                      <a:round/>
+                      <a:headEnd type="none" w="med" len="med"/>
+                      <a:tailEnd type="none" w="med" len="med"/>
+                    </a:lnT>
+                    <a:lnB w="12700" cap="flat" cmpd="sng" algn="ctr">
+                      <a:solidFill>
+                        <a:schemeClr val="tx1"/>
+                      </a:solidFill>
+                      <a:prstDash val="solid"/>
+                      <a:round/>
+                      <a:headEnd type="none" w="med" len="med"/>
+                      <a:tailEnd type="none" w="med" len="med"/>
+                    </a:lnB>
+                  </a:tcPr>
+                </a:tc>
+                <a:tc>
+                  <a:txBody>
+                    <a:bodyPr/>
+                    <a:lstStyle/>
+                    <a:p>
+                      <a:pPr algn="ctr"/>
+                      <a:r>
+                        <a:rPr lang="fr-FR" sz="700" b="1"/>
+                        <a:t>FANTOME</a:t>
+                      </a:r>
+                    </a:p>
+                  </a:txBody>
+                  <a:tcPr marL="24199" marR="24199" marT="12099" marB="12099" anchor="ctr">
+                    <a:lnL w="12700" cap="flat" cmpd="sng" algn="ctr">
+                      <a:solidFill>
+                        <a:schemeClr val="tx1"/>
+                      </a:solidFill>
+                      <a:prstDash val="solid"/>
+                      <a:round/>
+                      <a:headEnd type="none" w="med" len="med"/>
+                      <a:tailEnd type="none" w="med" len="med"/>
+                    </a:lnL>
+                    <a:lnR w="12700" cap="flat" cmpd="sng" algn="ctr">
+                      <a:solidFill>
+                        <a:schemeClr val="tx1"/>
+                      </a:solidFill>
+                      <a:prstDash val="solid"/>
+                      <a:round/>
+                      <a:headEnd type="none" w="med" len="med"/>
+                      <a:tailEnd type="none" w="med" len="med"/>
+                    </a:lnR>
+                    <a:lnT w="12700" cap="flat" cmpd="sng" algn="ctr">
+                      <a:solidFill>
+                        <a:schemeClr val="tx1"/>
+                      </a:solidFill>
+                      <a:prstDash val="solid"/>
+                      <a:round/>
+                      <a:headEnd type="none" w="med" len="med"/>
+                      <a:tailEnd type="none" w="med" len="med"/>
+                    </a:lnT>
+                    <a:lnB w="12700" cap="flat" cmpd="sng" algn="ctr">
+                      <a:solidFill>
+                        <a:schemeClr val="tx1"/>
+                      </a:solidFill>
+                      <a:prstDash val="solid"/>
+                      <a:round/>
+                      <a:headEnd type="none" w="med" len="med"/>
+                      <a:tailEnd type="none" w="med" len="med"/>
+                    </a:lnB>
+                  </a:tcPr>
+                </a:tc>
+                <a:tc>
+                  <a:txBody>
+                    <a:bodyPr/>
+                    <a:lstStyle/>
+                    <a:p>
+                      <a:pPr algn="ctr"/>
+                      <a:r>
+                        <a:rPr lang="fr-FR" sz="700" b="1"/>
+                        <a:t>0.4229</a:t>
+                      </a:r>
+                    </a:p>
+                  </a:txBody>
+                  <a:tcPr marL="24199" marR="24199" marT="12099" marB="12099" anchor="ctr">
+                    <a:lnL w="12700" cap="flat" cmpd="sng" algn="ctr">
+                      <a:solidFill>
+                        <a:schemeClr val="tx1"/>
+                      </a:solidFill>
+                      <a:prstDash val="solid"/>
+                      <a:round/>
+                      <a:headEnd type="none" w="med" len="med"/>
+                      <a:tailEnd type="none" w="med" len="med"/>
+                    </a:lnL>
+                    <a:lnR>
+                      <a:noFill/>
+                    </a:lnR>
+                    <a:lnT w="12700" cap="flat" cmpd="sng" algn="ctr">
+                      <a:solidFill>
+                        <a:schemeClr val="tx1"/>
+                      </a:solidFill>
+                      <a:prstDash val="solid"/>
+                      <a:round/>
+                      <a:headEnd type="none" w="med" len="med"/>
+                      <a:tailEnd type="none" w="med" len="med"/>
+                    </a:lnT>
+                    <a:lnB w="12700" cap="flat" cmpd="sng" algn="ctr">
+                      <a:solidFill>
+                        <a:schemeClr val="tx1"/>
+                      </a:solidFill>
+                      <a:prstDash val="solid"/>
+                      <a:round/>
+                      <a:headEnd type="none" w="med" len="med"/>
+                      <a:tailEnd type="none" w="med" len="med"/>
+                    </a:lnB>
+                  </a:tcPr>
+                </a:tc>
+                <a:extLst>
+                  <a:ext uri="{0D108BD9-81ED-4DB2-BD59-A6C34878D82A}">
+                    <a16:rowId xmlns:a16="http://schemas.microsoft.com/office/drawing/2014/main" val="844702271"/>
+                  </a:ext>
+                </a:extLst>
+              </a:tr>
+              <a:tr h="125118">
+                <a:tc>
+                  <a:txBody>
+                    <a:bodyPr/>
+                    <a:lstStyle/>
+                    <a:p>
+                      <a:pPr algn="ctr"/>
+                      <a:r>
+                        <a:rPr lang="fr-FR" sz="700" b="1" dirty="0"/>
+                        <a:t>33</a:t>
+                      </a:r>
+                    </a:p>
+                  </a:txBody>
+                  <a:tcPr marL="24199" marR="24199" marT="12099" marB="12099" anchor="ctr">
+                    <a:lnL>
+                      <a:noFill/>
+                    </a:lnL>
+                    <a:lnR w="12700" cap="flat" cmpd="sng" algn="ctr">
+                      <a:solidFill>
+                        <a:schemeClr val="tx1"/>
+                      </a:solidFill>
+                      <a:prstDash val="solid"/>
+                      <a:round/>
+                      <a:headEnd type="none" w="med" len="med"/>
+                      <a:tailEnd type="none" w="med" len="med"/>
+                    </a:lnR>
+                    <a:lnT w="12700" cap="flat" cmpd="sng" algn="ctr">
+                      <a:solidFill>
+                        <a:schemeClr val="tx1"/>
+                      </a:solidFill>
+                      <a:prstDash val="solid"/>
+                      <a:round/>
+                      <a:headEnd type="none" w="med" len="med"/>
+                      <a:tailEnd type="none" w="med" len="med"/>
+                    </a:lnT>
+                    <a:lnB w="12700" cap="flat" cmpd="sng" algn="ctr">
+                      <a:solidFill>
+                        <a:schemeClr val="tx1"/>
+                      </a:solidFill>
+                      <a:prstDash val="solid"/>
+                      <a:round/>
+                      <a:headEnd type="none" w="med" len="med"/>
+                      <a:tailEnd type="none" w="med" len="med"/>
+                    </a:lnB>
+                  </a:tcPr>
+                </a:tc>
+                <a:tc>
+                  <a:txBody>
+                    <a:bodyPr/>
+                    <a:lstStyle/>
+                    <a:p>
+                      <a:pPr algn="ctr"/>
+                      <a:r>
+                        <a:rPr lang="fr-FR" sz="700" b="1" dirty="0"/>
+                        <a:t>DANSE</a:t>
+                      </a:r>
+                    </a:p>
+                  </a:txBody>
+                  <a:tcPr marL="24199" marR="24199" marT="12099" marB="12099" anchor="ctr">
+                    <a:lnL w="12700" cap="flat" cmpd="sng" algn="ctr">
+                      <a:solidFill>
+                        <a:schemeClr val="tx1"/>
+                      </a:solidFill>
+                      <a:prstDash val="solid"/>
+                      <a:round/>
+                      <a:headEnd type="none" w="med" len="med"/>
+                      <a:tailEnd type="none" w="med" len="med"/>
+                    </a:lnL>
+                    <a:lnR w="12700" cap="flat" cmpd="sng" algn="ctr">
+                      <a:solidFill>
+                        <a:schemeClr val="tx1"/>
+                      </a:solidFill>
+                      <a:prstDash val="solid"/>
+                      <a:round/>
+                      <a:headEnd type="none" w="med" len="med"/>
+                      <a:tailEnd type="none" w="med" len="med"/>
+                    </a:lnR>
+                    <a:lnT w="12700" cap="flat" cmpd="sng" algn="ctr">
+                      <a:solidFill>
+                        <a:schemeClr val="tx1"/>
+                      </a:solidFill>
+                      <a:prstDash val="solid"/>
+                      <a:round/>
+                      <a:headEnd type="none" w="med" len="med"/>
+                      <a:tailEnd type="none" w="med" len="med"/>
+                    </a:lnT>
+                    <a:lnB w="12700" cap="flat" cmpd="sng" algn="ctr">
+                      <a:solidFill>
+                        <a:schemeClr val="tx1"/>
+                      </a:solidFill>
+                      <a:prstDash val="solid"/>
+                      <a:round/>
+                      <a:headEnd type="none" w="med" len="med"/>
+                      <a:tailEnd type="none" w="med" len="med"/>
+                    </a:lnB>
+                  </a:tcPr>
+                </a:tc>
+                <a:tc>
+                  <a:txBody>
+                    <a:bodyPr/>
+                    <a:lstStyle/>
+                    <a:p>
+                      <a:pPr algn="ctr"/>
+                      <a:r>
+                        <a:rPr lang="fr-FR" sz="700" b="1"/>
+                        <a:t>0.9968</a:t>
+                      </a:r>
+                    </a:p>
+                  </a:txBody>
+                  <a:tcPr marL="24199" marR="24199" marT="12099" marB="12099" anchor="ctr">
+                    <a:lnL w="12700" cap="flat" cmpd="sng" algn="ctr">
+                      <a:solidFill>
+                        <a:schemeClr val="tx1"/>
+                      </a:solidFill>
+                      <a:prstDash val="solid"/>
+                      <a:round/>
+                      <a:headEnd type="none" w="med" len="med"/>
+                      <a:tailEnd type="none" w="med" len="med"/>
+                    </a:lnL>
+                    <a:lnR>
+                      <a:noFill/>
+                    </a:lnR>
+                    <a:lnT w="12700" cap="flat" cmpd="sng" algn="ctr">
+                      <a:solidFill>
+                        <a:schemeClr val="tx1"/>
+                      </a:solidFill>
+                      <a:prstDash val="solid"/>
+                      <a:round/>
+                      <a:headEnd type="none" w="med" len="med"/>
+                      <a:tailEnd type="none" w="med" len="med"/>
+                    </a:lnT>
+                    <a:lnB w="12700" cap="flat" cmpd="sng" algn="ctr">
+                      <a:solidFill>
+                        <a:schemeClr val="tx1"/>
+                      </a:solidFill>
+                      <a:prstDash val="solid"/>
+                      <a:round/>
+                      <a:headEnd type="none" w="med" len="med"/>
+                      <a:tailEnd type="none" w="med" len="med"/>
+                    </a:lnB>
+                  </a:tcPr>
+                </a:tc>
+                <a:extLst>
+                  <a:ext uri="{0D108BD9-81ED-4DB2-BD59-A6C34878D82A}">
+                    <a16:rowId xmlns:a16="http://schemas.microsoft.com/office/drawing/2014/main" val="2478818291"/>
+                  </a:ext>
+                </a:extLst>
+              </a:tr>
+              <a:tr h="125118">
+                <a:tc>
+                  <a:txBody>
+                    <a:bodyPr/>
+                    <a:lstStyle/>
+                    <a:p>
+                      <a:pPr algn="ctr"/>
+                      <a:r>
+                        <a:rPr lang="fr-FR" sz="700" b="1"/>
+                        <a:t>34</a:t>
+                      </a:r>
+                    </a:p>
+                  </a:txBody>
+                  <a:tcPr marL="24199" marR="24199" marT="12099" marB="12099" anchor="ctr">
+                    <a:lnL>
+                      <a:noFill/>
+                    </a:lnL>
+                    <a:lnR w="12700" cap="flat" cmpd="sng" algn="ctr">
+                      <a:solidFill>
+                        <a:schemeClr val="tx1"/>
+                      </a:solidFill>
+                      <a:prstDash val="solid"/>
+                      <a:round/>
+                      <a:headEnd type="none" w="med" len="med"/>
+                      <a:tailEnd type="none" w="med" len="med"/>
+                    </a:lnR>
+                    <a:lnT w="12700" cap="flat" cmpd="sng" algn="ctr">
+                      <a:solidFill>
+                        <a:schemeClr val="tx1"/>
+                      </a:solidFill>
+                      <a:prstDash val="solid"/>
+                      <a:round/>
+                      <a:headEnd type="none" w="med" len="med"/>
+                      <a:tailEnd type="none" w="med" len="med"/>
+                    </a:lnT>
+                    <a:lnB w="12700" cap="flat" cmpd="sng" algn="ctr">
+                      <a:solidFill>
+                        <a:schemeClr val="tx1"/>
+                      </a:solidFill>
+                      <a:prstDash val="solid"/>
+                      <a:round/>
+                      <a:headEnd type="none" w="med" len="med"/>
+                      <a:tailEnd type="none" w="med" len="med"/>
+                    </a:lnB>
+                  </a:tcPr>
+                </a:tc>
+                <a:tc>
+                  <a:txBody>
+                    <a:bodyPr/>
+                    <a:lstStyle/>
+                    <a:p>
+                      <a:pPr algn="ctr"/>
+                      <a:r>
+                        <a:rPr lang="fr-FR" sz="700" b="1" dirty="0"/>
+                        <a:t>ESPION</a:t>
+                      </a:r>
+                    </a:p>
+                  </a:txBody>
+                  <a:tcPr marL="24199" marR="24199" marT="12099" marB="12099" anchor="ctr">
+                    <a:lnL w="12700" cap="flat" cmpd="sng" algn="ctr">
+                      <a:solidFill>
+                        <a:schemeClr val="tx1"/>
+                      </a:solidFill>
+                      <a:prstDash val="solid"/>
+                      <a:round/>
+                      <a:headEnd type="none" w="med" len="med"/>
+                      <a:tailEnd type="none" w="med" len="med"/>
+                    </a:lnL>
+                    <a:lnR w="12700" cap="flat" cmpd="sng" algn="ctr">
+                      <a:solidFill>
+                        <a:schemeClr val="tx1"/>
+                      </a:solidFill>
+                      <a:prstDash val="solid"/>
+                      <a:round/>
+                      <a:headEnd type="none" w="med" len="med"/>
+                      <a:tailEnd type="none" w="med" len="med"/>
+                    </a:lnR>
+                    <a:lnT w="12700" cap="flat" cmpd="sng" algn="ctr">
+                      <a:solidFill>
+                        <a:schemeClr val="tx1"/>
+                      </a:solidFill>
+                      <a:prstDash val="solid"/>
+                      <a:round/>
+                      <a:headEnd type="none" w="med" len="med"/>
+                      <a:tailEnd type="none" w="med" len="med"/>
+                    </a:lnT>
+                    <a:lnB w="12700" cap="flat" cmpd="sng" algn="ctr">
+                      <a:solidFill>
+                        <a:schemeClr val="tx1"/>
+                      </a:solidFill>
+                      <a:prstDash val="solid"/>
+                      <a:round/>
+                      <a:headEnd type="none" w="med" len="med"/>
+                      <a:tailEnd type="none" w="med" len="med"/>
+                    </a:lnB>
+                  </a:tcPr>
+                </a:tc>
+                <a:tc>
+                  <a:txBody>
+                    <a:bodyPr/>
+                    <a:lstStyle/>
+                    <a:p>
+                      <a:pPr algn="ctr"/>
+                      <a:r>
+                        <a:rPr lang="fr-FR" sz="700" b="1"/>
+                        <a:t>0.9943</a:t>
+                      </a:r>
+                    </a:p>
+                  </a:txBody>
+                  <a:tcPr marL="24199" marR="24199" marT="12099" marB="12099" anchor="ctr">
+                    <a:lnL w="12700" cap="flat" cmpd="sng" algn="ctr">
+                      <a:solidFill>
+                        <a:schemeClr val="tx1"/>
+                      </a:solidFill>
+                      <a:prstDash val="solid"/>
+                      <a:round/>
+                      <a:headEnd type="none" w="med" len="med"/>
+                      <a:tailEnd type="none" w="med" len="med"/>
+                    </a:lnL>
+                    <a:lnR>
+                      <a:noFill/>
+                    </a:lnR>
+                    <a:lnT w="12700" cap="flat" cmpd="sng" algn="ctr">
+                      <a:solidFill>
+                        <a:schemeClr val="tx1"/>
+                      </a:solidFill>
+                      <a:prstDash val="solid"/>
+                      <a:round/>
+                      <a:headEnd type="none" w="med" len="med"/>
+                      <a:tailEnd type="none" w="med" len="med"/>
+                    </a:lnT>
+                    <a:lnB w="12700" cap="flat" cmpd="sng" algn="ctr">
+                      <a:solidFill>
+                        <a:schemeClr val="tx1"/>
+                      </a:solidFill>
+                      <a:prstDash val="solid"/>
+                      <a:round/>
+                      <a:headEnd type="none" w="med" len="med"/>
+                      <a:tailEnd type="none" w="med" len="med"/>
+                    </a:lnB>
+                  </a:tcPr>
+                </a:tc>
+                <a:extLst>
+                  <a:ext uri="{0D108BD9-81ED-4DB2-BD59-A6C34878D82A}">
+                    <a16:rowId xmlns:a16="http://schemas.microsoft.com/office/drawing/2014/main" val="1311117289"/>
+                  </a:ext>
+                </a:extLst>
+              </a:tr>
+              <a:tr h="125118">
+                <a:tc>
+                  <a:txBody>
+                    <a:bodyPr/>
+                    <a:lstStyle/>
+                    <a:p>
+                      <a:pPr algn="ctr"/>
+                      <a:r>
+                        <a:rPr lang="fr-FR" sz="700" b="1"/>
+                        <a:t>35</a:t>
+                      </a:r>
+                    </a:p>
+                  </a:txBody>
+                  <a:tcPr marL="24199" marR="24199" marT="12099" marB="12099" anchor="ctr">
+                    <a:lnL>
+                      <a:noFill/>
+                    </a:lnL>
+                    <a:lnR w="12700" cap="flat" cmpd="sng" algn="ctr">
+                      <a:solidFill>
+                        <a:schemeClr val="tx1"/>
+                      </a:solidFill>
+                      <a:prstDash val="solid"/>
+                      <a:round/>
+                      <a:headEnd type="none" w="med" len="med"/>
+                      <a:tailEnd type="none" w="med" len="med"/>
+                    </a:lnR>
+                    <a:lnT w="12700" cap="flat" cmpd="sng" algn="ctr">
+                      <a:solidFill>
+                        <a:schemeClr val="tx1"/>
+                      </a:solidFill>
+                      <a:prstDash val="solid"/>
+                      <a:round/>
+                      <a:headEnd type="none" w="med" len="med"/>
+                      <a:tailEnd type="none" w="med" len="med"/>
+                    </a:lnT>
+                    <a:lnB w="12700" cap="flat" cmpd="sng" algn="ctr">
+                      <a:solidFill>
+                        <a:schemeClr val="tx1"/>
+                      </a:solidFill>
+                      <a:prstDash val="solid"/>
+                      <a:round/>
+                      <a:headEnd type="none" w="med" len="med"/>
+                      <a:tailEnd type="none" w="med" len="med"/>
+                    </a:lnB>
+                  </a:tcPr>
+                </a:tc>
+                <a:tc>
+                  <a:txBody>
+                    <a:bodyPr/>
+                    <a:lstStyle/>
+                    <a:p>
+                      <a:pPr algn="ctr"/>
+                      <a:r>
+                        <a:rPr lang="fr-FR" sz="700" b="1" dirty="0"/>
+                        <a:t>ÉPONGE</a:t>
+                      </a:r>
+                    </a:p>
+                  </a:txBody>
+                  <a:tcPr marL="24199" marR="24199" marT="12099" marB="12099" anchor="ctr">
+                    <a:lnL w="12700" cap="flat" cmpd="sng" algn="ctr">
+                      <a:solidFill>
+                        <a:schemeClr val="tx1"/>
+                      </a:solidFill>
+                      <a:prstDash val="solid"/>
+                      <a:round/>
+                      <a:headEnd type="none" w="med" len="med"/>
+                      <a:tailEnd type="none" w="med" len="med"/>
+                    </a:lnL>
+                    <a:lnR w="12700" cap="flat" cmpd="sng" algn="ctr">
+                      <a:solidFill>
+                        <a:schemeClr val="tx1"/>
+                      </a:solidFill>
+                      <a:prstDash val="solid"/>
+                      <a:round/>
+                      <a:headEnd type="none" w="med" len="med"/>
+                      <a:tailEnd type="none" w="med" len="med"/>
+                    </a:lnR>
+                    <a:lnT w="12700" cap="flat" cmpd="sng" algn="ctr">
+                      <a:solidFill>
+                        <a:schemeClr val="tx1"/>
+                      </a:solidFill>
+                      <a:prstDash val="solid"/>
+                      <a:round/>
+                      <a:headEnd type="none" w="med" len="med"/>
+                      <a:tailEnd type="none" w="med" len="med"/>
+                    </a:lnT>
+                    <a:lnB w="12700" cap="flat" cmpd="sng" algn="ctr">
+                      <a:solidFill>
+                        <a:schemeClr val="tx1"/>
+                      </a:solidFill>
+                      <a:prstDash val="solid"/>
+                      <a:round/>
+                      <a:headEnd type="none" w="med" len="med"/>
+                      <a:tailEnd type="none" w="med" len="med"/>
+                    </a:lnB>
+                  </a:tcPr>
+                </a:tc>
+                <a:tc>
+                  <a:txBody>
+                    <a:bodyPr/>
+                    <a:lstStyle/>
+                    <a:p>
+                      <a:pPr algn="ctr"/>
+                      <a:r>
+                        <a:rPr lang="fr-FR" sz="700" b="1" dirty="0"/>
+                        <a:t>0.9988</a:t>
+                      </a:r>
+                    </a:p>
+                  </a:txBody>
+                  <a:tcPr marL="24199" marR="24199" marT="12099" marB="12099" anchor="ctr">
+                    <a:lnL w="12700" cap="flat" cmpd="sng" algn="ctr">
+                      <a:solidFill>
+                        <a:schemeClr val="tx1"/>
+                      </a:solidFill>
+                      <a:prstDash val="solid"/>
+                      <a:round/>
+                      <a:headEnd type="none" w="med" len="med"/>
+                      <a:tailEnd type="none" w="med" len="med"/>
+                    </a:lnL>
+                    <a:lnR>
+                      <a:noFill/>
+                    </a:lnR>
+                    <a:lnT w="12700" cap="flat" cmpd="sng" algn="ctr">
+                      <a:solidFill>
+                        <a:schemeClr val="tx1"/>
+                      </a:solidFill>
+                      <a:prstDash val="solid"/>
+                      <a:round/>
+                      <a:headEnd type="none" w="med" len="med"/>
+                      <a:tailEnd type="none" w="med" len="med"/>
+                    </a:lnT>
+                    <a:lnB w="12700" cap="flat" cmpd="sng" algn="ctr">
+                      <a:solidFill>
+                        <a:schemeClr val="tx1"/>
+                      </a:solidFill>
+                      <a:prstDash val="solid"/>
+                      <a:round/>
+                      <a:headEnd type="none" w="med" len="med"/>
+                      <a:tailEnd type="none" w="med" len="med"/>
+                    </a:lnB>
+                  </a:tcPr>
+                </a:tc>
+                <a:extLst>
+                  <a:ext uri="{0D108BD9-81ED-4DB2-BD59-A6C34878D82A}">
+                    <a16:rowId xmlns:a16="http://schemas.microsoft.com/office/drawing/2014/main" val="1255951493"/>
+                  </a:ext>
+                </a:extLst>
+              </a:tr>
+              <a:tr h="125118">
+                <a:tc>
+                  <a:txBody>
+                    <a:bodyPr/>
+                    <a:lstStyle/>
+                    <a:p>
+                      <a:pPr algn="ctr"/>
+                      <a:r>
+                        <a:rPr lang="fr-FR" sz="700" b="1"/>
+                        <a:t>36</a:t>
+                      </a:r>
+                    </a:p>
+                  </a:txBody>
+                  <a:tcPr marL="24199" marR="24199" marT="12099" marB="12099" anchor="ctr">
+                    <a:lnL>
+                      <a:noFill/>
+                    </a:lnL>
+                    <a:lnR w="12700" cap="flat" cmpd="sng" algn="ctr">
+                      <a:solidFill>
+                        <a:schemeClr val="tx1"/>
+                      </a:solidFill>
+                      <a:prstDash val="solid"/>
+                      <a:round/>
+                      <a:headEnd type="none" w="med" len="med"/>
+                      <a:tailEnd type="none" w="med" len="med"/>
+                    </a:lnR>
+                    <a:lnT w="12700" cap="flat" cmpd="sng" algn="ctr">
+                      <a:solidFill>
+                        <a:schemeClr val="tx1"/>
+                      </a:solidFill>
+                      <a:prstDash val="solid"/>
+                      <a:round/>
+                      <a:headEnd type="none" w="med" len="med"/>
+                      <a:tailEnd type="none" w="med" len="med"/>
+                    </a:lnT>
+                    <a:lnB>
+                      <a:noFill/>
+                    </a:lnB>
+                  </a:tcPr>
+                </a:tc>
+                <a:tc>
+                  <a:txBody>
+                    <a:bodyPr/>
+                    <a:lstStyle/>
+                    <a:p>
+                      <a:pPr algn="ctr"/>
+                      <a:r>
+                        <a:rPr lang="fr-FR" sz="700" b="1" dirty="0"/>
+                        <a:t>CANON</a:t>
+                      </a:r>
+                    </a:p>
+                  </a:txBody>
+                  <a:tcPr marL="24199" marR="24199" marT="12099" marB="12099" anchor="ctr">
+                    <a:lnL w="12700" cap="flat" cmpd="sng" algn="ctr">
+                      <a:solidFill>
+                        <a:schemeClr val="tx1"/>
+                      </a:solidFill>
+                      <a:prstDash val="solid"/>
+                      <a:round/>
+                      <a:headEnd type="none" w="med" len="med"/>
+                      <a:tailEnd type="none" w="med" len="med"/>
+                    </a:lnL>
+                    <a:lnR w="12700" cap="flat" cmpd="sng" algn="ctr">
+                      <a:solidFill>
+                        <a:schemeClr val="tx1"/>
+                      </a:solidFill>
+                      <a:prstDash val="solid"/>
+                      <a:round/>
+                      <a:headEnd type="none" w="med" len="med"/>
+                      <a:tailEnd type="none" w="med" len="med"/>
+                    </a:lnR>
+                    <a:lnT w="12700" cap="flat" cmpd="sng" algn="ctr">
+                      <a:solidFill>
+                        <a:schemeClr val="tx1"/>
+                      </a:solidFill>
+                      <a:prstDash val="solid"/>
+                      <a:round/>
+                      <a:headEnd type="none" w="med" len="med"/>
+                      <a:tailEnd type="none" w="med" len="med"/>
+                    </a:lnT>
+                    <a:lnB>
+                      <a:noFill/>
+                    </a:lnB>
+                  </a:tcPr>
+                </a:tc>
+                <a:tc>
+                  <a:txBody>
+                    <a:bodyPr/>
+                    <a:lstStyle/>
+                    <a:p>
+                      <a:pPr algn="ctr"/>
+                      <a:r>
+                        <a:rPr lang="fr-FR" sz="700" b="1" dirty="0"/>
+                        <a:t>0.7971</a:t>
+                      </a:r>
+                    </a:p>
+                  </a:txBody>
+                  <a:tcPr marL="24199" marR="24199" marT="12099" marB="12099" anchor="ctr">
+                    <a:lnL w="12700" cap="flat" cmpd="sng" algn="ctr">
+                      <a:solidFill>
+                        <a:schemeClr val="tx1"/>
+                      </a:solidFill>
+                      <a:prstDash val="solid"/>
+                      <a:round/>
+                      <a:headEnd type="none" w="med" len="med"/>
+                      <a:tailEnd type="none" w="med" len="med"/>
+                    </a:lnL>
+                    <a:lnR>
+                      <a:noFill/>
+                    </a:lnR>
+                    <a:lnT w="12700" cap="flat" cmpd="sng" algn="ctr">
+                      <a:solidFill>
+                        <a:schemeClr val="tx1"/>
+                      </a:solidFill>
+                      <a:prstDash val="solid"/>
+                      <a:round/>
+                      <a:headEnd type="none" w="med" len="med"/>
+                      <a:tailEnd type="none" w="med" len="med"/>
+                    </a:lnT>
+                    <a:lnB>
+                      <a:noFill/>
+                    </a:lnB>
+                  </a:tcPr>
+                </a:tc>
+                <a:extLst>
+                  <a:ext uri="{0D108BD9-81ED-4DB2-BD59-A6C34878D82A}">
+                    <a16:rowId xmlns:a16="http://schemas.microsoft.com/office/drawing/2014/main" val="1880717050"/>
+                  </a:ext>
+                </a:extLst>
+              </a:tr>
+            </a:tbl>
+          </a:graphicData>
+        </a:graphic>
+      </p:graphicFrame>
+      <p:sp>
+        <p:nvSpPr>
+          <p:cNvPr id="10" name="ZoneTexte 9">
+            <a:extLst>
+              <a:ext uri="{FF2B5EF4-FFF2-40B4-BE49-F238E27FC236}">
+                <a16:creationId xmlns:a16="http://schemas.microsoft.com/office/drawing/2014/main" id="{D764C5E3-09DD-FCB5-529E-CDC3FB867D5A}"/>
+              </a:ext>
+            </a:extLst>
+          </p:cNvPr>
+          <p:cNvSpPr txBox="1"/>
+          <p:nvPr/>
+        </p:nvSpPr>
+        <p:spPr>
+          <a:xfrm>
+            <a:off x="848977" y="1339580"/>
+            <a:ext cx="1720736" cy="523220"/>
+          </a:xfrm>
+          <a:prstGeom prst="rect">
+            <a:avLst/>
+          </a:prstGeom>
+          <a:noFill/>
+        </p:spPr>
+        <p:txBody>
+          <a:bodyPr wrap="square" rtlCol="0">
+            <a:spAutoFit/>
+          </a:bodyPr>
+          <a:lstStyle/>
+          <a:p>
+            <a:pPr algn="ctr"/>
+            <a:r>
+              <a:rPr lang="fr-FR" sz="1400" b="1" dirty="0"/>
+              <a:t>Liste des mots détectés</a:t>
             </a:r>
           </a:p>
         </p:txBody>
@@ -4945,36 +10539,41 @@
           </a:p>
         </p:txBody>
       </p:sp>
-      <p:sp>
-        <p:nvSpPr>
-          <p:cNvPr id="4" name="Espace réservé du contenu 2">
+      <p:pic>
+        <p:nvPicPr>
+          <p:cNvPr id="6" name="Espace réservé du contenu 5">
             <a:extLst>
               <a:ext uri="{FF2B5EF4-FFF2-40B4-BE49-F238E27FC236}">
-                <a16:creationId xmlns:a16="http://schemas.microsoft.com/office/drawing/2014/main" id="{B53947BE-65A3-F373-AB33-93771D0564C7}"/>
+                <a16:creationId xmlns:a16="http://schemas.microsoft.com/office/drawing/2014/main" id="{831DD5DF-FEF6-B8AC-FF4D-A56F94FAB467}"/>
               </a:ext>
             </a:extLst>
           </p:cNvPr>
-          <p:cNvSpPr>
-            <a:spLocks noGrp="1"/>
-          </p:cNvSpPr>
+          <p:cNvPicPr>
+            <a:picLocks noGrp="1" noChangeAspect="1"/>
+          </p:cNvPicPr>
           <p:nvPr>
             <p:ph idx="1"/>
           </p:nvPr>
-        </p:nvSpPr>
+        </p:nvPicPr>
+        <p:blipFill>
+          <a:blip r:embed="rId2">
+            <a:extLst>
+              <a:ext uri="{28A0092B-C50C-407E-A947-70E740481C1C}">
+                <a14:useLocalDpi xmlns:a14="http://schemas.microsoft.com/office/drawing/2010/main" val="0"/>
+              </a:ext>
+            </a:extLst>
+          </a:blip>
+          <a:stretch>
+            <a:fillRect/>
+          </a:stretch>
+        </p:blipFill>
         <p:spPr>
           <a:xfrm>
-            <a:off x="1371600" y="2286000"/>
-            <a:ext cx="4861932" cy="3581400"/>
+            <a:off x="1085998" y="1630556"/>
+            <a:ext cx="1838836" cy="1298002"/>
           </a:xfrm>
         </p:spPr>
-        <p:txBody>
-          <a:bodyPr/>
-          <a:lstStyle/>
-          <a:p>
-            <a:endParaRPr lang="fr-FR"/>
-          </a:p>
-        </p:txBody>
-      </p:sp>
+      </p:pic>
       <p:sp>
         <p:nvSpPr>
           <p:cNvPr id="5" name="Espace réservé du contenu 2">
@@ -5230,6 +10829,41 @@
           </a:p>
         </p:txBody>
       </p:sp>
+      <p:sp>
+        <p:nvSpPr>
+          <p:cNvPr id="7" name="ZoneTexte 6">
+            <a:extLst>
+              <a:ext uri="{FF2B5EF4-FFF2-40B4-BE49-F238E27FC236}">
+                <a16:creationId xmlns:a16="http://schemas.microsoft.com/office/drawing/2014/main" id="{E314FBFF-AAB8-8DFF-9D0A-E82FC8D4A524}"/>
+              </a:ext>
+            </a:extLst>
+          </p:cNvPr>
+          <p:cNvSpPr txBox="1"/>
+          <p:nvPr/>
+        </p:nvSpPr>
+        <p:spPr>
+          <a:xfrm>
+            <a:off x="2300748" y="3765755"/>
+            <a:ext cx="3205317" cy="646331"/>
+          </a:xfrm>
+          <a:prstGeom prst="rect">
+            <a:avLst/>
+          </a:prstGeom>
+          <a:noFill/>
+        </p:spPr>
+        <p:txBody>
+          <a:bodyPr wrap="square" rtlCol="0">
+            <a:spAutoFit/>
+          </a:bodyPr>
+          <a:lstStyle/>
+          <a:p>
+            <a:r>
+              <a:rPr lang="fr-FR" dirty="0"/>
+              <a:t>Image de la grille avec gradient de couleur</a:t>
+            </a:r>
+          </a:p>
+        </p:txBody>
+      </p:sp>
     </p:spTree>
     <p:extLst>
       <p:ext uri="{BB962C8B-B14F-4D97-AF65-F5344CB8AC3E}">
@@ -5278,7 +10912,7 @@
         </p:nvSpPr>
         <p:spPr>
           <a:xfrm>
-            <a:off x="1371600" y="685800"/>
+            <a:off x="1363713" y="601757"/>
             <a:ext cx="9601200" cy="942278"/>
           </a:xfrm>
         </p:spPr>
@@ -5293,36 +10927,6 @@
               <a:rPr lang="fr-FR" dirty="0"/>
               <a:t>DÉTECTION DES MODIFICATIONS</a:t>
             </a:r>
-          </a:p>
-        </p:txBody>
-      </p:sp>
-      <p:sp>
-        <p:nvSpPr>
-          <p:cNvPr id="4" name="Espace réservé du contenu 2">
-            <a:extLst>
-              <a:ext uri="{FF2B5EF4-FFF2-40B4-BE49-F238E27FC236}">
-                <a16:creationId xmlns:a16="http://schemas.microsoft.com/office/drawing/2014/main" id="{B25BC3A6-A393-D87B-141A-2F641068EBD3}"/>
-              </a:ext>
-            </a:extLst>
-          </p:cNvPr>
-          <p:cNvSpPr>
-            <a:spLocks noGrp="1"/>
-          </p:cNvSpPr>
-          <p:nvPr>
-            <p:ph idx="1"/>
-          </p:nvPr>
-        </p:nvSpPr>
-        <p:spPr>
-          <a:xfrm>
-            <a:off x="1371600" y="2286000"/>
-            <a:ext cx="4861932" cy="3581400"/>
-          </a:xfrm>
-        </p:spPr>
-        <p:txBody>
-          <a:bodyPr/>
-          <a:lstStyle/>
-          <a:p>
-            <a:endParaRPr lang="fr-FR"/>
           </a:p>
         </p:txBody>
       </p:sp>
@@ -5342,7 +10946,7 @@
         </p:nvSpPr>
         <p:spPr>
           <a:xfrm>
-            <a:off x="7181386" y="2230244"/>
+            <a:off x="7448816" y="3035088"/>
             <a:ext cx="4125951" cy="3581400"/>
           </a:xfrm>
           <a:prstGeom prst="rect">
@@ -5351,7 +10955,7 @@
         </p:spPr>
         <p:txBody>
           <a:bodyPr vert="horz" lIns="91440" tIns="45720" rIns="91440" bIns="45720" rtlCol="0">
-            <a:normAutofit/>
+            <a:normAutofit lnSpcReduction="10000"/>
           </a:bodyPr>
           <a:lstStyle>
             <a:lvl1pPr marL="384048" indent="-384048" algn="l" defTabSz="914400" rtl="0" eaLnBrk="1" latinLnBrk="0" hangingPunct="1">
@@ -5611,6 +11215,265 @@
               <a:t>Proportion des couleurs</a:t>
             </a:r>
           </a:p>
+          <a:p>
+            <a:pPr>
+              <a:buFont typeface="Arial" panose="020B0604020202020204" pitchFamily="34" charset="0"/>
+              <a:buChar char="●"/>
+            </a:pPr>
+            <a:r>
+              <a:rPr lang="fr-FR" dirty="0"/>
+              <a:t>Différenciation des tuiles Assassin et Neutre</a:t>
+            </a:r>
+          </a:p>
+        </p:txBody>
+      </p:sp>
+      <p:pic>
+        <p:nvPicPr>
+          <p:cNvPr id="10" name="Espace réservé du contenu 9" descr="Une image contenant texte, différent, posant, plusieurs&#10;&#10;Description générée automatiquement">
+            <a:extLst>
+              <a:ext uri="{FF2B5EF4-FFF2-40B4-BE49-F238E27FC236}">
+                <a16:creationId xmlns:a16="http://schemas.microsoft.com/office/drawing/2014/main" id="{ECD77801-F377-DA6F-42F6-2A195C7B0001}"/>
+              </a:ext>
+            </a:extLst>
+          </p:cNvPr>
+          <p:cNvPicPr>
+            <a:picLocks noGrp="1" noChangeAspect="1"/>
+          </p:cNvPicPr>
+          <p:nvPr>
+            <p:ph idx="1"/>
+          </p:nvPr>
+        </p:nvPicPr>
+        <p:blipFill rotWithShape="1">
+          <a:blip r:embed="rId2">
+            <a:extLst>
+              <a:ext uri="{28A0092B-C50C-407E-A947-70E740481C1C}">
+                <a14:useLocalDpi xmlns:a14="http://schemas.microsoft.com/office/drawing/2010/main" val="0"/>
+              </a:ext>
+            </a:extLst>
+          </a:blip>
+          <a:srcRect l="906" t="12668" r="912" b="51958"/>
+          <a:stretch/>
+        </p:blipFill>
+        <p:spPr>
+          <a:xfrm>
+            <a:off x="1201282" y="1697289"/>
+            <a:ext cx="4963031" cy="711993"/>
+          </a:xfrm>
+        </p:spPr>
+      </p:pic>
+      <p:pic>
+        <p:nvPicPr>
+          <p:cNvPr id="11" name="Espace réservé du contenu 9" descr="Une image contenant texte, différent, posant, plusieurs&#10;&#10;Description générée automatiquement">
+            <a:extLst>
+              <a:ext uri="{FF2B5EF4-FFF2-40B4-BE49-F238E27FC236}">
+                <a16:creationId xmlns:a16="http://schemas.microsoft.com/office/drawing/2014/main" id="{773C35BB-DC66-39E0-0C73-AC47CB6B5266}"/>
+              </a:ext>
+            </a:extLst>
+          </p:cNvPr>
+          <p:cNvPicPr>
+            <a:picLocks noChangeAspect="1"/>
+          </p:cNvPicPr>
+          <p:nvPr/>
+        </p:nvPicPr>
+        <p:blipFill rotWithShape="1">
+          <a:blip r:embed="rId2">
+            <a:extLst>
+              <a:ext uri="{28A0092B-C50C-407E-A947-70E740481C1C}">
+                <a14:useLocalDpi xmlns:a14="http://schemas.microsoft.com/office/drawing/2010/main" val="0"/>
+              </a:ext>
+            </a:extLst>
+          </a:blip>
+          <a:srcRect l="1563" t="61627" r="255" b="1550"/>
+          <a:stretch/>
+        </p:blipFill>
+        <p:spPr>
+          <a:xfrm>
+            <a:off x="6164313" y="1697289"/>
+            <a:ext cx="4963031" cy="711993"/>
+          </a:xfrm>
+          <a:prstGeom prst="rect">
+            <a:avLst/>
+          </a:prstGeom>
+        </p:spPr>
+      </p:pic>
+      <p:sp>
+        <p:nvSpPr>
+          <p:cNvPr id="12" name="ZoneTexte 11">
+            <a:extLst>
+              <a:ext uri="{FF2B5EF4-FFF2-40B4-BE49-F238E27FC236}">
+                <a16:creationId xmlns:a16="http://schemas.microsoft.com/office/drawing/2014/main" id="{49788A8A-8B2C-846A-5889-3336C4980620}"/>
+              </a:ext>
+            </a:extLst>
+          </p:cNvPr>
+          <p:cNvSpPr txBox="1"/>
+          <p:nvPr/>
+        </p:nvSpPr>
+        <p:spPr>
+          <a:xfrm>
+            <a:off x="3012582" y="3241040"/>
+            <a:ext cx="2011680" cy="2031325"/>
+          </a:xfrm>
+          <a:prstGeom prst="rect">
+            <a:avLst/>
+          </a:prstGeom>
+          <a:noFill/>
+        </p:spPr>
+        <p:txBody>
+          <a:bodyPr wrap="square" rtlCol="0">
+            <a:spAutoFit/>
+          </a:bodyPr>
+          <a:lstStyle/>
+          <a:p>
+            <a:r>
+              <a:rPr lang="fr-FR" dirty="0"/>
+              <a:t>Deux images (carré de 4 cartes) réelles avec la tuile et traitée par l’ordi avec gradient et carré de couleur</a:t>
+            </a:r>
+          </a:p>
+        </p:txBody>
+      </p:sp>
+      <p:sp>
+        <p:nvSpPr>
+          <p:cNvPr id="13" name="Rectangle 12">
+            <a:extLst>
+              <a:ext uri="{FF2B5EF4-FFF2-40B4-BE49-F238E27FC236}">
+                <a16:creationId xmlns:a16="http://schemas.microsoft.com/office/drawing/2014/main" id="{9EFB26E2-69C3-D55B-34DE-58C73D539135}"/>
+              </a:ext>
+            </a:extLst>
+          </p:cNvPr>
+          <p:cNvSpPr/>
+          <p:nvPr/>
+        </p:nvSpPr>
+        <p:spPr>
+          <a:xfrm>
+            <a:off x="10562659" y="2323095"/>
+            <a:ext cx="856118" cy="516989"/>
+          </a:xfrm>
+          <a:prstGeom prst="rect">
+            <a:avLst/>
+          </a:prstGeom>
+          <a:solidFill>
+            <a:srgbClr val="660066"/>
+          </a:solidFill>
+          <a:ln>
+            <a:solidFill>
+              <a:srgbClr val="660066"/>
+            </a:solidFill>
+          </a:ln>
+        </p:spPr>
+        <p:style>
+          <a:lnRef idx="2">
+            <a:schemeClr val="accent1">
+              <a:shade val="50000"/>
+            </a:schemeClr>
+          </a:lnRef>
+          <a:fillRef idx="1">
+            <a:schemeClr val="accent1"/>
+          </a:fillRef>
+          <a:effectRef idx="0">
+            <a:schemeClr val="accent1"/>
+          </a:effectRef>
+          <a:fontRef idx="minor">
+            <a:schemeClr val="lt1"/>
+          </a:fontRef>
+        </p:style>
+        <p:txBody>
+          <a:bodyPr rtlCol="0" anchor="ctr"/>
+          <a:lstStyle/>
+          <a:p>
+            <a:pPr algn="ctr"/>
+            <a:endParaRPr lang="fr-FR"/>
+          </a:p>
+        </p:txBody>
+      </p:sp>
+      <p:sp>
+        <p:nvSpPr>
+          <p:cNvPr id="30" name="Forme libre : forme 29">
+            <a:extLst>
+              <a:ext uri="{FF2B5EF4-FFF2-40B4-BE49-F238E27FC236}">
+                <a16:creationId xmlns:a16="http://schemas.microsoft.com/office/drawing/2014/main" id="{124A4A4C-E862-9D06-A858-DB1931013DF8}"/>
+              </a:ext>
+            </a:extLst>
+          </p:cNvPr>
+          <p:cNvSpPr/>
+          <p:nvPr/>
+        </p:nvSpPr>
+        <p:spPr>
+          <a:xfrm>
+            <a:off x="10271226" y="2323844"/>
+            <a:ext cx="239017" cy="257745"/>
+          </a:xfrm>
+          <a:custGeom>
+            <a:avLst/>
+            <a:gdLst>
+              <a:gd name="connsiteX0" fmla="*/ 13024 w 291154"/>
+              <a:gd name="connsiteY0" fmla="*/ 0 h 280035"/>
+              <a:gd name="connsiteX1" fmla="*/ 32074 w 291154"/>
+              <a:gd name="connsiteY1" fmla="*/ 226695 h 280035"/>
+              <a:gd name="connsiteX2" fmla="*/ 291154 w 291154"/>
+              <a:gd name="connsiteY2" fmla="*/ 280035 h 280035"/>
+            </a:gdLst>
+            <a:ahLst/>
+            <a:cxnLst>
+              <a:cxn ang="0">
+                <a:pos x="connsiteX0" y="connsiteY0"/>
+              </a:cxn>
+              <a:cxn ang="0">
+                <a:pos x="connsiteX1" y="connsiteY1"/>
+              </a:cxn>
+              <a:cxn ang="0">
+                <a:pos x="connsiteX2" y="connsiteY2"/>
+              </a:cxn>
+            </a:cxnLst>
+            <a:rect l="l" t="t" r="r" b="b"/>
+            <a:pathLst>
+              <a:path w="291154" h="280035">
+                <a:moveTo>
+                  <a:pt x="13024" y="0"/>
+                </a:moveTo>
+                <a:cubicBezTo>
+                  <a:pt x="-629" y="90011"/>
+                  <a:pt x="-14281" y="180023"/>
+                  <a:pt x="32074" y="226695"/>
+                </a:cubicBezTo>
+                <a:cubicBezTo>
+                  <a:pt x="78429" y="273367"/>
+                  <a:pt x="211144" y="273050"/>
+                  <a:pt x="291154" y="280035"/>
+                </a:cubicBezTo>
+              </a:path>
+            </a:pathLst>
+          </a:custGeom>
+          <a:noFill/>
+          <a:ln w="19050">
+            <a:solidFill>
+              <a:schemeClr val="tx1"/>
+            </a:solidFill>
+            <a:tailEnd type="triangle" w="med" len="med"/>
+          </a:ln>
+        </p:spPr>
+        <p:style>
+          <a:lnRef idx="2">
+            <a:schemeClr val="accent1">
+              <a:shade val="50000"/>
+            </a:schemeClr>
+          </a:lnRef>
+          <a:fillRef idx="1">
+            <a:schemeClr val="accent1"/>
+          </a:fillRef>
+          <a:effectRef idx="0">
+            <a:schemeClr val="accent1"/>
+          </a:effectRef>
+          <a:fontRef idx="minor">
+            <a:schemeClr val="lt1"/>
+          </a:fontRef>
+        </p:style>
+        <p:txBody>
+          <a:bodyPr rtlCol="0" anchor="ctr"/>
+          <a:lstStyle/>
+          <a:p>
+            <a:pPr algn="ctr"/>
+            <a:endParaRPr lang="fr-FR"/>
+          </a:p>
         </p:txBody>
       </p:sp>
     </p:spTree>
@@ -5661,7 +11524,7 @@
         </p:nvSpPr>
         <p:spPr>
           <a:xfrm>
-            <a:off x="1371600" y="685800"/>
+            <a:off x="1371600" y="476837"/>
             <a:ext cx="9601200" cy="942278"/>
           </a:xfrm>
         </p:spPr>
@@ -5695,7 +11558,7 @@
         </p:nvSpPr>
         <p:spPr>
           <a:xfrm>
-            <a:off x="7181386" y="2230244"/>
+            <a:off x="7557306" y="2280113"/>
             <a:ext cx="4125951" cy="3581400"/>
           </a:xfrm>
         </p:spPr>
@@ -5754,6 +11617,356 @@
             <a:r>
               <a:rPr lang="fr-FR" dirty="0"/>
               <a:t>Différentiation des labels de gradient et de carte</a:t>
+            </a:r>
+          </a:p>
+        </p:txBody>
+      </p:sp>
+      <p:pic>
+        <p:nvPicPr>
+          <p:cNvPr id="8" name="Image 7">
+            <a:extLst>
+              <a:ext uri="{FF2B5EF4-FFF2-40B4-BE49-F238E27FC236}">
+                <a16:creationId xmlns:a16="http://schemas.microsoft.com/office/drawing/2014/main" id="{3740096F-4C9B-0E7F-2285-81E9C923781B}"/>
+              </a:ext>
+            </a:extLst>
+          </p:cNvPr>
+          <p:cNvPicPr>
+            <a:picLocks noChangeAspect="1"/>
+          </p:cNvPicPr>
+          <p:nvPr/>
+        </p:nvPicPr>
+        <p:blipFill rotWithShape="1">
+          <a:blip r:embed="rId2">
+            <a:extLst>
+              <a:ext uri="{BEBA8EAE-BF5A-486C-A8C5-ECC9F3942E4B}">
+                <a14:imgProps xmlns:a14="http://schemas.microsoft.com/office/drawing/2010/main">
+                  <a14:imgLayer r:embed="rId3">
+                    <a14:imgEffect>
+                      <a14:saturation sat="0"/>
+                    </a14:imgEffect>
+                    <a14:imgEffect>
+                      <a14:brightnessContrast contrast="100000"/>
+                    </a14:imgEffect>
+                  </a14:imgLayer>
+                </a14:imgProps>
+              </a:ext>
+              <a:ext uri="{28A0092B-C50C-407E-A947-70E740481C1C}">
+                <a14:useLocalDpi xmlns:a14="http://schemas.microsoft.com/office/drawing/2010/main" val="0"/>
+              </a:ext>
+            </a:extLst>
+          </a:blip>
+          <a:srcRect l="12804" t="12089" r="10113" b="11348"/>
+          <a:stretch/>
+        </p:blipFill>
+        <p:spPr>
+          <a:xfrm>
+            <a:off x="4230373" y="1996377"/>
+            <a:ext cx="2522331" cy="1878965"/>
+          </a:xfrm>
+          <a:prstGeom prst="rect">
+            <a:avLst/>
+          </a:prstGeom>
+        </p:spPr>
+      </p:pic>
+      <p:pic>
+        <p:nvPicPr>
+          <p:cNvPr id="10" name="Image 9" descr="Une image contenant texte, équipement électronique&#10;&#10;Description générée automatiquement">
+            <a:extLst>
+              <a:ext uri="{FF2B5EF4-FFF2-40B4-BE49-F238E27FC236}">
+                <a16:creationId xmlns:a16="http://schemas.microsoft.com/office/drawing/2014/main" id="{A039D4BC-D012-677A-0372-0AE452974CA6}"/>
+              </a:ext>
+            </a:extLst>
+          </p:cNvPr>
+          <p:cNvPicPr>
+            <a:picLocks noChangeAspect="1"/>
+          </p:cNvPicPr>
+          <p:nvPr/>
+        </p:nvPicPr>
+        <p:blipFill rotWithShape="1">
+          <a:blip r:embed="rId4">
+            <a:extLst>
+              <a:ext uri="{BEBA8EAE-BF5A-486C-A8C5-ECC9F3942E4B}">
+                <a14:imgProps xmlns:a14="http://schemas.microsoft.com/office/drawing/2010/main">
+                  <a14:imgLayer r:embed="rId5">
+                    <a14:imgEffect>
+                      <a14:saturation sat="0"/>
+                    </a14:imgEffect>
+                    <a14:imgEffect>
+                      <a14:brightnessContrast contrast="100000"/>
+                    </a14:imgEffect>
+                  </a14:imgLayer>
+                </a14:imgProps>
+              </a:ext>
+              <a:ext uri="{28A0092B-C50C-407E-A947-70E740481C1C}">
+                <a14:useLocalDpi xmlns:a14="http://schemas.microsoft.com/office/drawing/2010/main" val="0"/>
+              </a:ext>
+            </a:extLst>
+          </a:blip>
+          <a:srcRect l="25822" t="12017" r="23120" b="11119"/>
+          <a:stretch/>
+        </p:blipFill>
+        <p:spPr>
+          <a:xfrm>
+            <a:off x="1371600" y="1993994"/>
+            <a:ext cx="2522331" cy="1883732"/>
+          </a:xfrm>
+          <a:prstGeom prst="rect">
+            <a:avLst/>
+          </a:prstGeom>
+        </p:spPr>
+      </p:pic>
+      <p:pic>
+        <p:nvPicPr>
+          <p:cNvPr id="12" name="Image 11">
+            <a:extLst>
+              <a:ext uri="{FF2B5EF4-FFF2-40B4-BE49-F238E27FC236}">
+                <a16:creationId xmlns:a16="http://schemas.microsoft.com/office/drawing/2014/main" id="{A198172A-C4F1-40B0-FD6B-17494F5C4DED}"/>
+              </a:ext>
+            </a:extLst>
+          </p:cNvPr>
+          <p:cNvPicPr>
+            <a:picLocks noChangeAspect="1"/>
+          </p:cNvPicPr>
+          <p:nvPr/>
+        </p:nvPicPr>
+        <p:blipFill rotWithShape="1">
+          <a:blip r:embed="rId6">
+            <a:extLst>
+              <a:ext uri="{28A0092B-C50C-407E-A947-70E740481C1C}">
+                <a14:useLocalDpi xmlns:a14="http://schemas.microsoft.com/office/drawing/2010/main" val="0"/>
+              </a:ext>
+            </a:extLst>
+          </a:blip>
+          <a:srcRect l="12840" t="12283" r="10003" b="10929"/>
+          <a:stretch/>
+        </p:blipFill>
+        <p:spPr>
+          <a:xfrm>
+            <a:off x="4221626" y="4655060"/>
+            <a:ext cx="2517337" cy="1878965"/>
+          </a:xfrm>
+          <a:prstGeom prst="rect">
+            <a:avLst/>
+          </a:prstGeom>
+        </p:spPr>
+      </p:pic>
+      <p:pic>
+        <p:nvPicPr>
+          <p:cNvPr id="14" name="Image 13" descr="Une image contenant table&#10;&#10;Description générée automatiquement">
+            <a:extLst>
+              <a:ext uri="{FF2B5EF4-FFF2-40B4-BE49-F238E27FC236}">
+                <a16:creationId xmlns:a16="http://schemas.microsoft.com/office/drawing/2014/main" id="{E2199CD6-910D-A406-1A3F-416AC654F0DC}"/>
+              </a:ext>
+            </a:extLst>
+          </p:cNvPr>
+          <p:cNvPicPr>
+            <a:picLocks noChangeAspect="1"/>
+          </p:cNvPicPr>
+          <p:nvPr/>
+        </p:nvPicPr>
+        <p:blipFill rotWithShape="1">
+          <a:blip r:embed="rId7">
+            <a:extLst>
+              <a:ext uri="{28A0092B-C50C-407E-A947-70E740481C1C}">
+                <a14:useLocalDpi xmlns:a14="http://schemas.microsoft.com/office/drawing/2010/main" val="0"/>
+              </a:ext>
+            </a:extLst>
+          </a:blip>
+          <a:srcRect l="12964" t="12233" r="10067" b="10804"/>
+          <a:stretch/>
+        </p:blipFill>
+        <p:spPr>
+          <a:xfrm>
+            <a:off x="1371600" y="4655060"/>
+            <a:ext cx="2511828" cy="1883732"/>
+          </a:xfrm>
+          <a:prstGeom prst="rect">
+            <a:avLst/>
+          </a:prstGeom>
+        </p:spPr>
+      </p:pic>
+      <p:sp>
+        <p:nvSpPr>
+          <p:cNvPr id="15" name="Flèche : bas 14">
+            <a:extLst>
+              <a:ext uri="{FF2B5EF4-FFF2-40B4-BE49-F238E27FC236}">
+                <a16:creationId xmlns:a16="http://schemas.microsoft.com/office/drawing/2014/main" id="{8106D699-5A60-8FF2-8246-8DEFA5151CC6}"/>
+              </a:ext>
+            </a:extLst>
+          </p:cNvPr>
+          <p:cNvSpPr/>
+          <p:nvPr/>
+        </p:nvSpPr>
+        <p:spPr>
+          <a:xfrm>
+            <a:off x="2385181" y="3946733"/>
+            <a:ext cx="386080" cy="639320"/>
+          </a:xfrm>
+          <a:prstGeom prst="downArrow">
+            <a:avLst>
+              <a:gd name="adj1" fmla="val 44079"/>
+              <a:gd name="adj2" fmla="val 66776"/>
+            </a:avLst>
+          </a:prstGeom>
+          <a:solidFill>
+            <a:schemeClr val="tx1"/>
+          </a:solidFill>
+          <a:ln>
+            <a:solidFill>
+              <a:schemeClr val="tx1"/>
+            </a:solidFill>
+          </a:ln>
+        </p:spPr>
+        <p:style>
+          <a:lnRef idx="2">
+            <a:schemeClr val="accent1">
+              <a:shade val="50000"/>
+            </a:schemeClr>
+          </a:lnRef>
+          <a:fillRef idx="1">
+            <a:schemeClr val="accent1"/>
+          </a:fillRef>
+          <a:effectRef idx="0">
+            <a:schemeClr val="accent1"/>
+          </a:effectRef>
+          <a:fontRef idx="minor">
+            <a:schemeClr val="lt1"/>
+          </a:fontRef>
+        </p:style>
+        <p:txBody>
+          <a:bodyPr rtlCol="0" anchor="ctr"/>
+          <a:lstStyle/>
+          <a:p>
+            <a:pPr algn="ctr"/>
+            <a:endParaRPr lang="fr-FR"/>
+          </a:p>
+        </p:txBody>
+      </p:sp>
+      <p:sp>
+        <p:nvSpPr>
+          <p:cNvPr id="16" name="Flèche : bas 15">
+            <a:extLst>
+              <a:ext uri="{FF2B5EF4-FFF2-40B4-BE49-F238E27FC236}">
+                <a16:creationId xmlns:a16="http://schemas.microsoft.com/office/drawing/2014/main" id="{BF699AA4-6D6D-3391-8D91-2B413262ED73}"/>
+              </a:ext>
+            </a:extLst>
+          </p:cNvPr>
+          <p:cNvSpPr/>
+          <p:nvPr/>
+        </p:nvSpPr>
+        <p:spPr>
+          <a:xfrm>
+            <a:off x="5287254" y="3946733"/>
+            <a:ext cx="386080" cy="639320"/>
+          </a:xfrm>
+          <a:prstGeom prst="downArrow">
+            <a:avLst>
+              <a:gd name="adj1" fmla="val 44079"/>
+              <a:gd name="adj2" fmla="val 66776"/>
+            </a:avLst>
+          </a:prstGeom>
+          <a:solidFill>
+            <a:schemeClr val="tx1"/>
+          </a:solidFill>
+          <a:ln>
+            <a:solidFill>
+              <a:schemeClr val="tx1"/>
+            </a:solidFill>
+          </a:ln>
+        </p:spPr>
+        <p:style>
+          <a:lnRef idx="2">
+            <a:schemeClr val="accent1">
+              <a:shade val="50000"/>
+            </a:schemeClr>
+          </a:lnRef>
+          <a:fillRef idx="1">
+            <a:schemeClr val="accent1"/>
+          </a:fillRef>
+          <a:effectRef idx="0">
+            <a:schemeClr val="accent1"/>
+          </a:effectRef>
+          <a:fontRef idx="minor">
+            <a:schemeClr val="lt1"/>
+          </a:fontRef>
+        </p:style>
+        <p:txBody>
+          <a:bodyPr rtlCol="0" anchor="ctr"/>
+          <a:lstStyle/>
+          <a:p>
+            <a:pPr algn="ctr"/>
+            <a:endParaRPr lang="fr-FR"/>
+          </a:p>
+        </p:txBody>
+      </p:sp>
+      <p:sp>
+        <p:nvSpPr>
+          <p:cNvPr id="17" name="ZoneTexte 16">
+            <a:extLst>
+              <a:ext uri="{FF2B5EF4-FFF2-40B4-BE49-F238E27FC236}">
+                <a16:creationId xmlns:a16="http://schemas.microsoft.com/office/drawing/2014/main" id="{EDDAA50C-A5BE-51C8-0BA9-CF1275395B47}"/>
+              </a:ext>
+            </a:extLst>
+          </p:cNvPr>
+          <p:cNvSpPr txBox="1"/>
+          <p:nvPr/>
+        </p:nvSpPr>
+        <p:spPr>
+          <a:xfrm>
+            <a:off x="1371600" y="1521888"/>
+            <a:ext cx="2511828" cy="369332"/>
+          </a:xfrm>
+          <a:prstGeom prst="rect">
+            <a:avLst/>
+          </a:prstGeom>
+          <a:noFill/>
+        </p:spPr>
+        <p:txBody>
+          <a:bodyPr wrap="square" rtlCol="0">
+            <a:spAutoFit/>
+          </a:bodyPr>
+          <a:lstStyle/>
+          <a:p>
+            <a:pPr algn="ctr"/>
+            <a:r>
+              <a:rPr lang="fr-FR" dirty="0"/>
+              <a:t>Détection des cartes</a:t>
+            </a:r>
+          </a:p>
+        </p:txBody>
+      </p:sp>
+      <p:sp>
+        <p:nvSpPr>
+          <p:cNvPr id="18" name="ZoneTexte 17">
+            <a:extLst>
+              <a:ext uri="{FF2B5EF4-FFF2-40B4-BE49-F238E27FC236}">
+                <a16:creationId xmlns:a16="http://schemas.microsoft.com/office/drawing/2014/main" id="{219476EE-34A4-38BE-A10C-0E8D9087A8F4}"/>
+              </a:ext>
+            </a:extLst>
+          </p:cNvPr>
+          <p:cNvSpPr txBox="1"/>
+          <p:nvPr/>
+        </p:nvSpPr>
+        <p:spPr>
+          <a:xfrm>
+            <a:off x="4219870" y="1347663"/>
+            <a:ext cx="2511828" cy="646331"/>
+          </a:xfrm>
+          <a:prstGeom prst="rect">
+            <a:avLst/>
+          </a:prstGeom>
+          <a:noFill/>
+        </p:spPr>
+        <p:txBody>
+          <a:bodyPr wrap="square" rtlCol="0">
+            <a:spAutoFit/>
+          </a:bodyPr>
+          <a:lstStyle/>
+          <a:p>
+            <a:pPr algn="ctr"/>
+            <a:r>
+              <a:rPr lang="fr-FR" dirty="0"/>
+              <a:t>Détection des contours des cartes</a:t>
             </a:r>
           </a:p>
         </p:txBody>
@@ -5847,7 +12060,13 @@
           <a:bodyPr/>
           <a:lstStyle/>
           <a:p>
-            <a:endParaRPr lang="fr-FR"/>
+            <a:pPr marL="0" indent="0">
+              <a:buNone/>
+            </a:pPr>
+            <a:r>
+              <a:rPr lang="fr-FR" dirty="0"/>
+              <a:t>Images de label et correspondance avec les affichages sur la grille de mots</a:t>
+            </a:r>
           </a:p>
         </p:txBody>
       </p:sp>
@@ -6172,7 +12391,7 @@
         </p:nvSpPr>
         <p:spPr>
           <a:xfrm>
-            <a:off x="4204010" y="2754351"/>
+            <a:off x="4204010" y="2782669"/>
             <a:ext cx="5486400" cy="646331"/>
           </a:xfrm>
           <a:prstGeom prst="rect">
@@ -6190,7 +12409,10 @@
               <a:rPr lang="fr-FR" dirty="0" err="1"/>
               <a:t>Video</a:t>
             </a:r>
-            <a:endParaRPr lang="fr-FR" dirty="0"/>
+            <a:r>
+              <a:rPr lang="fr-FR" dirty="0"/>
+              <a:t> d’exécution du code</a:t>
+            </a:r>
           </a:p>
           <a:p>
             <a:endParaRPr lang="fr-FR" dirty="0"/>

--- a/Oral/CodeNames.pptx
+++ b/Oral/CodeNames.pptx
@@ -10534,46 +10534,11 @@
             <a:pPr algn="ctr"/>
             <a:r>
               <a:rPr lang="fr-FR" dirty="0"/>
-              <a:t>REPARTITION DES CARTES</a:t>
+              <a:t>RÉPARTITION DES CARTES</a:t>
             </a:r>
           </a:p>
         </p:txBody>
       </p:sp>
-      <p:pic>
-        <p:nvPicPr>
-          <p:cNvPr id="6" name="Espace réservé du contenu 5">
-            <a:extLst>
-              <a:ext uri="{FF2B5EF4-FFF2-40B4-BE49-F238E27FC236}">
-                <a16:creationId xmlns:a16="http://schemas.microsoft.com/office/drawing/2014/main" id="{831DD5DF-FEF6-B8AC-FF4D-A56F94FAB467}"/>
-              </a:ext>
-            </a:extLst>
-          </p:cNvPr>
-          <p:cNvPicPr>
-            <a:picLocks noGrp="1" noChangeAspect="1"/>
-          </p:cNvPicPr>
-          <p:nvPr>
-            <p:ph idx="1"/>
-          </p:nvPr>
-        </p:nvPicPr>
-        <p:blipFill>
-          <a:blip r:embed="rId2">
-            <a:extLst>
-              <a:ext uri="{28A0092B-C50C-407E-A947-70E740481C1C}">
-                <a14:useLocalDpi xmlns:a14="http://schemas.microsoft.com/office/drawing/2010/main" val="0"/>
-              </a:ext>
-            </a:extLst>
-          </a:blip>
-          <a:stretch>
-            <a:fillRect/>
-          </a:stretch>
-        </p:blipFill>
-        <p:spPr>
-          <a:xfrm>
-            <a:off x="1085998" y="1630556"/>
-            <a:ext cx="1838836" cy="1298002"/>
-          </a:xfrm>
-        </p:spPr>
-      </p:pic>
       <p:sp>
         <p:nvSpPr>
           <p:cNvPr id="5" name="Espace réservé du contenu 2">
@@ -10590,7 +10555,7 @@
         </p:nvSpPr>
         <p:spPr>
           <a:xfrm>
-            <a:off x="7181386" y="2230244"/>
+            <a:off x="1371600" y="2229429"/>
             <a:ext cx="4125951" cy="3581400"/>
           </a:xfrm>
           <a:prstGeom prst="rect">
@@ -10829,41 +10794,76 @@
           </a:p>
         </p:txBody>
       </p:sp>
-      <p:sp>
-        <p:nvSpPr>
-          <p:cNvPr id="7" name="ZoneTexte 6">
+      <p:pic>
+        <p:nvPicPr>
+          <p:cNvPr id="4" name="Image 3" descr="Une image contenant équipement électronique, calculatrice&#10;&#10;Description générée automatiquement">
             <a:extLst>
               <a:ext uri="{FF2B5EF4-FFF2-40B4-BE49-F238E27FC236}">
-                <a16:creationId xmlns:a16="http://schemas.microsoft.com/office/drawing/2014/main" id="{E314FBFF-AAB8-8DFF-9D0A-E82FC8D4A524}"/>
+                <a16:creationId xmlns:a16="http://schemas.microsoft.com/office/drawing/2014/main" id="{DC151656-BB0C-7980-09B4-AAD013FC0EA2}"/>
               </a:ext>
             </a:extLst>
           </p:cNvPr>
-          <p:cNvSpPr txBox="1"/>
+          <p:cNvPicPr>
+            <a:picLocks noChangeAspect="1"/>
+          </p:cNvPicPr>
           <p:nvPr/>
-        </p:nvSpPr>
+        </p:nvPicPr>
+        <p:blipFill rotWithShape="1">
+          <a:blip r:embed="rId2">
+            <a:extLst>
+              <a:ext uri="{28A0092B-C50C-407E-A947-70E740481C1C}">
+                <a14:useLocalDpi xmlns:a14="http://schemas.microsoft.com/office/drawing/2010/main" val="0"/>
+              </a:ext>
+            </a:extLst>
+          </a:blip>
+          <a:srcRect l="2669" t="12310"/>
+          <a:stretch/>
+        </p:blipFill>
         <p:spPr>
           <a:xfrm>
-            <a:off x="2300748" y="3765755"/>
-            <a:ext cx="3205317" cy="646331"/>
+            <a:off x="6096000" y="2229429"/>
+            <a:ext cx="5583706" cy="3942771"/>
           </a:xfrm>
           <a:prstGeom prst="rect">
             <a:avLst/>
           </a:prstGeom>
-          <a:noFill/>
         </p:spPr>
-        <p:txBody>
-          <a:bodyPr wrap="square" rtlCol="0">
-            <a:spAutoFit/>
-          </a:bodyPr>
-          <a:lstStyle/>
-          <a:p>
-            <a:r>
-              <a:rPr lang="fr-FR" dirty="0"/>
-              <a:t>Image de la grille avec gradient de couleur</a:t>
-            </a:r>
-          </a:p>
-        </p:txBody>
-      </p:sp>
+      </p:pic>
+      <p:pic>
+        <p:nvPicPr>
+          <p:cNvPr id="6" name="Espace réservé du contenu 5">
+            <a:extLst>
+              <a:ext uri="{FF2B5EF4-FFF2-40B4-BE49-F238E27FC236}">
+                <a16:creationId xmlns:a16="http://schemas.microsoft.com/office/drawing/2014/main" id="{831DD5DF-FEF6-B8AC-FF4D-A56F94FAB467}"/>
+              </a:ext>
+            </a:extLst>
+          </p:cNvPr>
+          <p:cNvPicPr>
+            <a:picLocks noGrp="1" noChangeAspect="1"/>
+          </p:cNvPicPr>
+          <p:nvPr>
+            <p:ph idx="1"/>
+          </p:nvPr>
+        </p:nvPicPr>
+        <p:blipFill>
+          <a:blip r:embed="rId3">
+            <a:extLst>
+              <a:ext uri="{28A0092B-C50C-407E-A947-70E740481C1C}">
+                <a14:useLocalDpi xmlns:a14="http://schemas.microsoft.com/office/drawing/2010/main" val="0"/>
+              </a:ext>
+            </a:extLst>
+          </a:blip>
+          <a:stretch>
+            <a:fillRect/>
+          </a:stretch>
+        </p:blipFill>
+        <p:spPr>
+          <a:xfrm>
+            <a:off x="2208550" y="4020129"/>
+            <a:ext cx="2452049" cy="1730858"/>
+          </a:xfrm>
+        </p:spPr>
+      </p:pic>
     </p:spTree>
     <p:extLst>
       <p:ext uri="{BB962C8B-B14F-4D97-AF65-F5344CB8AC3E}">
